--- a/src/assets/documents/LnkMngr - Wireframe Mockups.pptx
+++ b/src/assets/documents/LnkMngr - Wireframe Mockups.pptx
@@ -105,6 +105,11 @@
       </a:defRPr>
     </a:lvl9pPr>
   </p:defaultTextStyle>
+  <p:extLst>
+    <p:ext uri="{EFAFB233-063F-42B5-8137-9DF3F51BA10A}">
+      <p15:sldGuideLst xmlns:p15="http://schemas.microsoft.com/office/powerpoint/2012/main"/>
+    </p:ext>
+  </p:extLst>
 </p:presentation>
 </file>
 
@@ -255,7 +260,7 @@
           <a:p>
             <a:fld id="{2BE928A8-C3AA-4BDA-967F-0A9A8DE64BC4}" type="datetimeFigureOut">
               <a:rPr lang="en-US" smtClean="0"/>
-              <a:t>7/17/2020</a:t>
+              <a:t>8/2/2020</a:t>
             </a:fld>
             <a:endParaRPr lang="en-US"/>
           </a:p>
@@ -453,7 +458,7 @@
           <a:p>
             <a:fld id="{2BE928A8-C3AA-4BDA-967F-0A9A8DE64BC4}" type="datetimeFigureOut">
               <a:rPr lang="en-US" smtClean="0"/>
-              <a:t>7/17/2020</a:t>
+              <a:t>8/2/2020</a:t>
             </a:fld>
             <a:endParaRPr lang="en-US"/>
           </a:p>
@@ -661,7 +666,7 @@
           <a:p>
             <a:fld id="{2BE928A8-C3AA-4BDA-967F-0A9A8DE64BC4}" type="datetimeFigureOut">
               <a:rPr lang="en-US" smtClean="0"/>
-              <a:t>7/17/2020</a:t>
+              <a:t>8/2/2020</a:t>
             </a:fld>
             <a:endParaRPr lang="en-US"/>
           </a:p>
@@ -859,7 +864,7 @@
           <a:p>
             <a:fld id="{2BE928A8-C3AA-4BDA-967F-0A9A8DE64BC4}" type="datetimeFigureOut">
               <a:rPr lang="en-US" smtClean="0"/>
-              <a:t>7/17/2020</a:t>
+              <a:t>8/2/2020</a:t>
             </a:fld>
             <a:endParaRPr lang="en-US"/>
           </a:p>
@@ -1134,7 +1139,7 @@
           <a:p>
             <a:fld id="{2BE928A8-C3AA-4BDA-967F-0A9A8DE64BC4}" type="datetimeFigureOut">
               <a:rPr lang="en-US" smtClean="0"/>
-              <a:t>7/17/2020</a:t>
+              <a:t>8/2/2020</a:t>
             </a:fld>
             <a:endParaRPr lang="en-US"/>
           </a:p>
@@ -1399,7 +1404,7 @@
           <a:p>
             <a:fld id="{2BE928A8-C3AA-4BDA-967F-0A9A8DE64BC4}" type="datetimeFigureOut">
               <a:rPr lang="en-US" smtClean="0"/>
-              <a:t>7/17/2020</a:t>
+              <a:t>8/2/2020</a:t>
             </a:fld>
             <a:endParaRPr lang="en-US"/>
           </a:p>
@@ -1811,7 +1816,7 @@
           <a:p>
             <a:fld id="{2BE928A8-C3AA-4BDA-967F-0A9A8DE64BC4}" type="datetimeFigureOut">
               <a:rPr lang="en-US" smtClean="0"/>
-              <a:t>7/17/2020</a:t>
+              <a:t>8/2/2020</a:t>
             </a:fld>
             <a:endParaRPr lang="en-US"/>
           </a:p>
@@ -1952,7 +1957,7 @@
           <a:p>
             <a:fld id="{2BE928A8-C3AA-4BDA-967F-0A9A8DE64BC4}" type="datetimeFigureOut">
               <a:rPr lang="en-US" smtClean="0"/>
-              <a:t>7/17/2020</a:t>
+              <a:t>8/2/2020</a:t>
             </a:fld>
             <a:endParaRPr lang="en-US"/>
           </a:p>
@@ -2065,7 +2070,7 @@
           <a:p>
             <a:fld id="{2BE928A8-C3AA-4BDA-967F-0A9A8DE64BC4}" type="datetimeFigureOut">
               <a:rPr lang="en-US" smtClean="0"/>
-              <a:t>7/17/2020</a:t>
+              <a:t>8/2/2020</a:t>
             </a:fld>
             <a:endParaRPr lang="en-US"/>
           </a:p>
@@ -2376,7 +2381,7 @@
           <a:p>
             <a:fld id="{2BE928A8-C3AA-4BDA-967F-0A9A8DE64BC4}" type="datetimeFigureOut">
               <a:rPr lang="en-US" smtClean="0"/>
-              <a:t>7/17/2020</a:t>
+              <a:t>8/2/2020</a:t>
             </a:fld>
             <a:endParaRPr lang="en-US"/>
           </a:p>
@@ -2664,7 +2669,7 @@
           <a:p>
             <a:fld id="{2BE928A8-C3AA-4BDA-967F-0A9A8DE64BC4}" type="datetimeFigureOut">
               <a:rPr lang="en-US" smtClean="0"/>
-              <a:t>7/17/2020</a:t>
+              <a:t>8/2/2020</a:t>
             </a:fld>
             <a:endParaRPr lang="en-US"/>
           </a:p>
@@ -2905,7 +2910,7 @@
           <a:p>
             <a:fld id="{2BE928A8-C3AA-4BDA-967F-0A9A8DE64BC4}" type="datetimeFigureOut">
               <a:rPr lang="en-US" smtClean="0"/>
-              <a:t>7/17/2020</a:t>
+              <a:t>8/2/2020</a:t>
             </a:fld>
             <a:endParaRPr lang="en-US"/>
           </a:p>
@@ -3343,7 +3348,7 @@
             <a:avLst/>
           </a:prstGeom>
           <a:solidFill>
-            <a:srgbClr val="BDBEE1"/>
+            <a:srgbClr val="143860"/>
           </a:solidFill>
           <a:ln>
             <a:noFill/>
@@ -3418,8 +3423,15 @@
             <a:r>
               <a:rPr lang="en-US" dirty="0">
                 <a:solidFill>
-                  <a:srgbClr val="511290"/>
+                  <a:srgbClr val="F7E609"/>
                 </a:solidFill>
+                <a:effectLst>
+                  <a:outerShdw blurRad="50800" dist="38100" dir="8100000" algn="tr" rotWithShape="0">
+                    <a:prstClr val="black">
+                      <a:alpha val="40000"/>
+                    </a:prstClr>
+                  </a:outerShdw>
+                </a:effectLst>
               </a:rPr>
               <a:t>Sidebar</a:t>
             </a:r>
@@ -3447,7 +3459,7 @@
             <a:avLst/>
           </a:prstGeom>
           <a:solidFill>
-            <a:srgbClr val="BDBEE1"/>
+            <a:srgbClr val="143860"/>
           </a:solidFill>
           <a:ln>
             <a:noFill/>
@@ -7711,8 +7723,15 @@
             <a:r>
               <a:rPr lang="en-US" sz="3200" i="1" dirty="0">
                 <a:solidFill>
-                  <a:srgbClr val="511290"/>
+                  <a:srgbClr val="F7E609"/>
                 </a:solidFill>
+                <a:effectLst>
+                  <a:outerShdw blurRad="50800" dist="38100" dir="8100000" algn="tr" rotWithShape="0">
+                    <a:prstClr val="black">
+                      <a:alpha val="40000"/>
+                    </a:prstClr>
+                  </a:outerShdw>
+                </a:effectLst>
                 <a:latin typeface="AngsanaUPC" panose="02020603050405020304" pitchFamily="18" charset="-34"/>
                 <a:cs typeface="AngsanaUPC" panose="02020603050405020304" pitchFamily="18" charset="-34"/>
               </a:rPr>
@@ -7752,8 +7771,15 @@
             <a:r>
               <a:rPr lang="en-US" sz="3200" i="1" dirty="0">
                 <a:solidFill>
-                  <a:srgbClr val="511290"/>
+                  <a:srgbClr val="F7E609"/>
                 </a:solidFill>
+                <a:effectLst>
+                  <a:outerShdw blurRad="50800" dist="38100" dir="8100000" algn="tr" rotWithShape="0">
+                    <a:prstClr val="black">
+                      <a:alpha val="40000"/>
+                    </a:prstClr>
+                  </a:outerShdw>
+                </a:effectLst>
                 <a:latin typeface="AngsanaUPC" panose="02020603050405020304" pitchFamily="18" charset="-34"/>
                 <a:cs typeface="AngsanaUPC" panose="02020603050405020304" pitchFamily="18" charset="-34"/>
               </a:rPr>
@@ -7987,68 +8013,56 @@
         <p:spPr>
           <a:xfrm>
             <a:off x="3569721" y="2460169"/>
-            <a:ext cx="2651760" cy="2462213"/>
+            <a:ext cx="2651760" cy="2739211"/>
           </a:xfrm>
           <a:prstGeom prst="rect">
             <a:avLst/>
           </a:prstGeom>
           <a:noFill/>
-          <a:ln w="15875">
-            <a:noFill/>
-          </a:ln>
         </p:spPr>
         <p:txBody>
-          <a:bodyPr wrap="square" lIns="0" tIns="0" rIns="0" bIns="0" rtlCol="0" anchor="t" anchorCtr="0">
+          <a:bodyPr wrap="square" rtlCol="0">
             <a:spAutoFit/>
           </a:bodyPr>
-          <a:lstStyle/>
+          <a:lstStyle>
+            <a:defPPr>
+              <a:defRPr lang="en-US"/>
+            </a:defPPr>
+            <a:lvl1pPr>
+              <a:defRPr sz="3600" i="1">
+                <a:solidFill>
+                  <a:srgbClr val="F7E609"/>
+                </a:solidFill>
+                <a:effectLst>
+                  <a:outerShdw blurRad="25400" dist="38100" dir="8100000" algn="tr" rotWithShape="0">
+                    <a:prstClr val="black">
+                      <a:alpha val="70000"/>
+                    </a:prstClr>
+                  </a:outerShdw>
+                </a:effectLst>
+                <a:latin typeface="AngsanaUPC" panose="02020603050405020304" pitchFamily="18" charset="-34"/>
+                <a:cs typeface="AngsanaUPC" panose="02020603050405020304" pitchFamily="18" charset="-34"/>
+              </a:defRPr>
+            </a:lvl1pPr>
+          </a:lstStyle>
           <a:p>
             <a:r>
-              <a:rPr lang="en-US" sz="3200" i="1" dirty="0">
-                <a:solidFill>
-                  <a:srgbClr val="511290"/>
-                </a:solidFill>
-                <a:latin typeface="AngsanaUPC" panose="02020603050405020304" pitchFamily="18" charset="-34"/>
-                <a:cs typeface="AngsanaUPC" panose="02020603050405020304" pitchFamily="18" charset="-34"/>
-              </a:rPr>
+              <a:rPr lang="en-US" sz="2800" dirty="0"/>
               <a:t>Link</a:t>
             </a:r>
+            <a:endParaRPr lang="en-US" dirty="0"/>
           </a:p>
           <a:p>
-            <a:endParaRPr lang="en-US" sz="3200" i="1" dirty="0">
-              <a:solidFill>
-                <a:srgbClr val="511290"/>
-              </a:solidFill>
-              <a:latin typeface="AngsanaUPC" panose="02020603050405020304" pitchFamily="18" charset="-34"/>
-              <a:cs typeface="AngsanaUPC" panose="02020603050405020304" pitchFamily="18" charset="-34"/>
-            </a:endParaRPr>
+            <a:endParaRPr lang="en-US" dirty="0"/>
           </a:p>
           <a:p>
-            <a:endParaRPr lang="en-US" sz="3200" i="1" dirty="0">
-              <a:solidFill>
-                <a:srgbClr val="511290"/>
-              </a:solidFill>
-              <a:latin typeface="AngsanaUPC" panose="02020603050405020304" pitchFamily="18" charset="-34"/>
-              <a:cs typeface="AngsanaUPC" panose="02020603050405020304" pitchFamily="18" charset="-34"/>
-            </a:endParaRPr>
+            <a:endParaRPr lang="en-US" dirty="0"/>
           </a:p>
           <a:p>
-            <a:endParaRPr lang="en-US" sz="3200" i="1" dirty="0">
-              <a:solidFill>
-                <a:srgbClr val="511290"/>
-              </a:solidFill>
-              <a:latin typeface="AngsanaUPC" panose="02020603050405020304" pitchFamily="18" charset="-34"/>
-              <a:cs typeface="AngsanaUPC" panose="02020603050405020304" pitchFamily="18" charset="-34"/>
-            </a:endParaRPr>
+            <a:endParaRPr lang="en-US" dirty="0"/>
           </a:p>
           <a:p>
-            <a:endParaRPr lang="en-US" sz="3200" i="1" dirty="0">
-              <a:solidFill>
-                <a:srgbClr val="511290"/>
-              </a:solidFill>
-              <a:latin typeface="AngsanaUPC" panose="02020603050405020304" pitchFamily="18" charset="-34"/>
-              <a:cs typeface="AngsanaUPC" panose="02020603050405020304" pitchFamily="18" charset="-34"/>
-            </a:endParaRPr>
+            <a:endParaRPr lang="en-US" dirty="0"/>
           </a:p>
         </p:txBody>
       </p:sp>
@@ -8083,20 +8097,20 @@
             <a:r>
               <a:rPr lang="en-US" sz="2800" i="1" dirty="0">
                 <a:solidFill>
-                  <a:srgbClr val="511290"/>
+                  <a:srgbClr val="F7E609"/>
                 </a:solidFill>
+                <a:effectLst>
+                  <a:outerShdw blurRad="25400" dist="38100" dir="8100000" algn="tr" rotWithShape="0">
+                    <a:prstClr val="black">
+                      <a:alpha val="70000"/>
+                    </a:prstClr>
+                  </a:outerShdw>
+                </a:effectLst>
                 <a:latin typeface="AngsanaUPC" panose="02020603050405020304" pitchFamily="18" charset="-34"/>
                 <a:cs typeface="AngsanaUPC" panose="02020603050405020304" pitchFamily="18" charset="-34"/>
               </a:rPr>
               <a:t>Icon</a:t>
             </a:r>
-            <a:endParaRPr lang="en-US" sz="3200" i="1" dirty="0">
-              <a:solidFill>
-                <a:srgbClr val="511290"/>
-              </a:solidFill>
-              <a:latin typeface="AngsanaUPC" panose="02020603050405020304" pitchFamily="18" charset="-34"/>
-              <a:cs typeface="AngsanaUPC" panose="02020603050405020304" pitchFamily="18" charset="-34"/>
-            </a:endParaRPr>
           </a:p>
         </p:txBody>
       </p:sp>
@@ -8123,10 +8137,16 @@
           <a:gradFill>
             <a:gsLst>
               <a:gs pos="0">
-                <a:srgbClr val="B8A7FF"/>
+                <a:schemeClr val="accent1">
+                  <a:lumMod val="20000"/>
+                  <a:lumOff val="80000"/>
+                </a:schemeClr>
               </a:gs>
               <a:gs pos="100000">
-                <a:srgbClr val="B8B8E6"/>
+                <a:srgbClr val="93BCE9"/>
+              </a:gs>
+              <a:gs pos="4000">
+                <a:srgbClr val="93BCE9"/>
               </a:gs>
             </a:gsLst>
             <a:lin ang="5400000" scaled="1"/>
@@ -8236,13 +8256,34 @@
             <a:r>
               <a:rPr lang="en-US" sz="3200" i="1" dirty="0">
                 <a:solidFill>
-                  <a:srgbClr val="511290"/>
+                  <a:srgbClr val="F7E609"/>
                 </a:solidFill>
+                <a:effectLst>
+                  <a:outerShdw blurRad="25400" dist="38100" dir="8100000" algn="tr" rotWithShape="0">
+                    <a:prstClr val="black">
+                      <a:alpha val="70000"/>
+                    </a:prstClr>
+                  </a:outerShdw>
+                </a:effectLst>
                 <a:latin typeface="AngsanaUPC" panose="02020603050405020304" pitchFamily="18" charset="-34"/>
                 <a:cs typeface="AngsanaUPC" panose="02020603050405020304" pitchFamily="18" charset="-34"/>
               </a:rPr>
               <a:t>Expand-Box</a:t>
             </a:r>
+            <a:endParaRPr lang="en-US" sz="2800" i="1" dirty="0">
+              <a:solidFill>
+                <a:srgbClr val="F7E609"/>
+              </a:solidFill>
+              <a:effectLst>
+                <a:outerShdw blurRad="25400" dist="38100" dir="8100000" algn="tr" rotWithShape="0">
+                  <a:prstClr val="black">
+                    <a:alpha val="70000"/>
+                  </a:prstClr>
+                </a:outerShdw>
+              </a:effectLst>
+              <a:latin typeface="AngsanaUPC" panose="02020603050405020304" pitchFamily="18" charset="-34"/>
+              <a:cs typeface="AngsanaUPC" panose="02020603050405020304" pitchFamily="18" charset="-34"/>
+            </a:endParaRPr>
           </a:p>
         </p:txBody>
       </p:sp>
@@ -8342,14 +8383,14 @@
         </p:nvSpPr>
         <p:spPr>
           <a:xfrm rot="5400000">
-            <a:off x="5411194" y="-4545120"/>
-            <a:ext cx="291790" cy="10420876"/>
+            <a:off x="5364145" y="-4554299"/>
+            <a:ext cx="385887" cy="10420876"/>
           </a:xfrm>
           <a:prstGeom prst="rect">
             <a:avLst/>
           </a:prstGeom>
           <a:solidFill>
-            <a:srgbClr val="BDBEE1"/>
+            <a:srgbClr val="143860"/>
           </a:solidFill>
           <a:ln>
             <a:noFill/>
@@ -8411,7 +8452,7 @@
         </p:blipFill>
         <p:spPr>
           <a:xfrm rot="2700000">
-            <a:off x="10450944" y="542241"/>
+            <a:off x="10458978" y="541205"/>
             <a:ext cx="248409" cy="248409"/>
           </a:xfrm>
           <a:prstGeom prst="rect">
@@ -8433,8 +8474,8 @@
         </p:nvSpPr>
         <p:spPr>
           <a:xfrm>
-            <a:off x="4103689" y="584569"/>
-            <a:ext cx="2747110" cy="184666"/>
+            <a:off x="4145822" y="564084"/>
+            <a:ext cx="2715675" cy="184666"/>
           </a:xfrm>
           <a:prstGeom prst="rect">
             <a:avLst/>
@@ -8506,8 +8547,8 @@
         </p:nvSpPr>
         <p:spPr>
           <a:xfrm>
-            <a:off x="531536" y="620923"/>
-            <a:ext cx="88789" cy="88789"/>
+            <a:off x="430076" y="518435"/>
+            <a:ext cx="245410" cy="245410"/>
           </a:xfrm>
           <a:prstGeom prst="ellipse">
             <a:avLst/>
@@ -8553,7 +8594,7 @@
         </p:nvSpPr>
         <p:spPr>
           <a:xfrm>
-            <a:off x="776946" y="620923"/>
+            <a:off x="809907" y="675056"/>
             <a:ext cx="88789" cy="88789"/>
           </a:xfrm>
           <a:prstGeom prst="ellipse">
@@ -8607,7 +8648,7 @@
         </p:nvSpPr>
         <p:spPr>
           <a:xfrm>
-            <a:off x="1023158" y="620923"/>
+            <a:off x="1056119" y="675056"/>
             <a:ext cx="88789" cy="88789"/>
           </a:xfrm>
           <a:prstGeom prst="ellipse">
@@ -8661,7 +8702,7 @@
         </p:nvSpPr>
         <p:spPr>
           <a:xfrm>
-            <a:off x="1316845" y="624825"/>
+            <a:off x="1349806" y="678958"/>
             <a:ext cx="88789" cy="88789"/>
           </a:xfrm>
           <a:prstGeom prst="ellipse">
@@ -8717,8 +8758,8 @@
         </p:nvSpPr>
         <p:spPr>
           <a:xfrm>
-            <a:off x="-218229" y="3501840"/>
-            <a:ext cx="1795787" cy="461665"/>
+            <a:off x="-172360" y="3520246"/>
+            <a:ext cx="1795787" cy="523220"/>
           </a:xfrm>
           <a:prstGeom prst="rect">
             <a:avLst/>
@@ -8732,10 +8773,17 @@
           <a:lstStyle/>
           <a:p>
             <a:r>
-              <a:rPr lang="en-US" sz="2400" i="1" dirty="0">
+              <a:rPr lang="en-US" sz="2800" i="1" dirty="0">
                 <a:solidFill>
-                  <a:srgbClr val="511290"/>
+                  <a:srgbClr val="F7E609"/>
                 </a:solidFill>
+                <a:effectLst>
+                  <a:outerShdw blurRad="25400" dist="38100" dir="8100000" algn="tr" rotWithShape="0">
+                    <a:prstClr val="black">
+                      <a:alpha val="70000"/>
+                    </a:prstClr>
+                  </a:outerShdw>
+                </a:effectLst>
                 <a:latin typeface="AngsanaUPC" panose="02020603050405020304" pitchFamily="18" charset="-34"/>
                 <a:cs typeface="AngsanaUPC" panose="02020603050405020304" pitchFamily="18" charset="-34"/>
               </a:rPr>
@@ -8758,8 +8806,8 @@
         </p:nvSpPr>
         <p:spPr>
           <a:xfrm>
-            <a:off x="7270536" y="189822"/>
-            <a:ext cx="1795787" cy="584775"/>
+            <a:off x="7466025" y="142552"/>
+            <a:ext cx="1795787" cy="646331"/>
           </a:xfrm>
           <a:prstGeom prst="rect">
             <a:avLst/>
@@ -8770,16 +8818,30 @@
           <a:bodyPr wrap="square" rtlCol="0">
             <a:spAutoFit/>
           </a:bodyPr>
-          <a:lstStyle/>
+          <a:lstStyle>
+            <a:defPPr>
+              <a:defRPr lang="en-US"/>
+            </a:defPPr>
+            <a:lvl1pPr>
+              <a:defRPr sz="2400" i="1">
+                <a:solidFill>
+                  <a:srgbClr val="F7E609"/>
+                </a:solidFill>
+                <a:effectLst>
+                  <a:outerShdw blurRad="25400" dist="38100" dir="8100000" algn="tr" rotWithShape="0">
+                    <a:prstClr val="black">
+                      <a:alpha val="70000"/>
+                    </a:prstClr>
+                  </a:outerShdw>
+                </a:effectLst>
+                <a:latin typeface="AngsanaUPC" panose="02020603050405020304" pitchFamily="18" charset="-34"/>
+                <a:cs typeface="AngsanaUPC" panose="02020603050405020304" pitchFamily="18" charset="-34"/>
+              </a:defRPr>
+            </a:lvl1pPr>
+          </a:lstStyle>
           <a:p>
             <a:r>
-              <a:rPr lang="en-US" sz="3200" i="1" dirty="0">
-                <a:solidFill>
-                  <a:srgbClr val="511290"/>
-                </a:solidFill>
-                <a:latin typeface="AngsanaUPC" panose="02020603050405020304" pitchFamily="18" charset="-34"/>
-                <a:cs typeface="AngsanaUPC" panose="02020603050405020304" pitchFamily="18" charset="-34"/>
-              </a:rPr>
+              <a:rPr lang="en-US" sz="3600" dirty="0"/>
               <a:t>Title Bar</a:t>
             </a:r>
           </a:p>
@@ -8838,7 +8900,7 @@
         </p:nvSpPr>
         <p:spPr>
           <a:xfrm>
-            <a:off x="531536" y="17684"/>
+            <a:off x="543305" y="55454"/>
             <a:ext cx="1795787" cy="461665"/>
           </a:xfrm>
           <a:prstGeom prst="rect">
@@ -8855,8 +8917,15 @@
             <a:r>
               <a:rPr lang="en-US" sz="2400" i="1" dirty="0">
                 <a:solidFill>
-                  <a:srgbClr val="511290"/>
+                  <a:srgbClr val="F7E609"/>
                 </a:solidFill>
+                <a:effectLst>
+                  <a:outerShdw blurRad="25400" dist="38100" dir="8100000" algn="tr" rotWithShape="0">
+                    <a:prstClr val="black">
+                      <a:alpha val="70000"/>
+                    </a:prstClr>
+                  </a:outerShdw>
+                </a:effectLst>
                 <a:latin typeface="AngsanaUPC" panose="02020603050405020304" pitchFamily="18" charset="-34"/>
                 <a:cs typeface="AngsanaUPC" panose="02020603050405020304" pitchFamily="18" charset="-34"/>
               </a:rPr>
@@ -8879,7 +8948,7 @@
         </p:nvSpPr>
         <p:spPr>
           <a:xfrm>
-            <a:off x="-289154" y="4356657"/>
+            <a:off x="-229103" y="4375721"/>
             <a:ext cx="1795787" cy="461665"/>
           </a:xfrm>
           <a:prstGeom prst="rect">
@@ -8891,16 +8960,30 @@
           <a:bodyPr wrap="square" rtlCol="0">
             <a:spAutoFit/>
           </a:bodyPr>
-          <a:lstStyle/>
+          <a:lstStyle>
+            <a:defPPr>
+              <a:defRPr lang="en-US"/>
+            </a:defPPr>
+            <a:lvl1pPr>
+              <a:defRPr sz="2800" i="1">
+                <a:solidFill>
+                  <a:srgbClr val="F7E609"/>
+                </a:solidFill>
+                <a:effectLst>
+                  <a:outerShdw blurRad="25400" dist="38100" dir="8100000" algn="tr" rotWithShape="0">
+                    <a:prstClr val="black">
+                      <a:alpha val="70000"/>
+                    </a:prstClr>
+                  </a:outerShdw>
+                </a:effectLst>
+                <a:latin typeface="AngsanaUPC" panose="02020603050405020304" pitchFamily="18" charset="-34"/>
+                <a:cs typeface="AngsanaUPC" panose="02020603050405020304" pitchFamily="18" charset="-34"/>
+              </a:defRPr>
+            </a:lvl1pPr>
+          </a:lstStyle>
           <a:p>
             <a:r>
-              <a:rPr lang="en-US" sz="2400" i="1" dirty="0">
-                <a:solidFill>
-                  <a:srgbClr val="511290"/>
-                </a:solidFill>
-                <a:latin typeface="AngsanaUPC" panose="02020603050405020304" pitchFamily="18" charset="-34"/>
-                <a:cs typeface="AngsanaUPC" panose="02020603050405020304" pitchFamily="18" charset="-34"/>
-              </a:rPr>
+              <a:rPr lang="en-US" dirty="0"/>
               <a:t>Edit Preferences</a:t>
             </a:r>
           </a:p>
@@ -8932,16 +9015,30 @@
           <a:bodyPr wrap="square" rtlCol="0">
             <a:spAutoFit/>
           </a:bodyPr>
-          <a:lstStyle/>
+          <a:lstStyle>
+            <a:defPPr>
+              <a:defRPr lang="en-US"/>
+            </a:defPPr>
+            <a:lvl1pPr>
+              <a:defRPr sz="2800" i="1">
+                <a:solidFill>
+                  <a:srgbClr val="F7E609"/>
+                </a:solidFill>
+                <a:effectLst>
+                  <a:outerShdw blurRad="25400" dist="38100" dir="8100000" algn="tr" rotWithShape="0">
+                    <a:prstClr val="black">
+                      <a:alpha val="70000"/>
+                    </a:prstClr>
+                  </a:outerShdw>
+                </a:effectLst>
+                <a:latin typeface="AngsanaUPC" panose="02020603050405020304" pitchFamily="18" charset="-34"/>
+                <a:cs typeface="AngsanaUPC" panose="02020603050405020304" pitchFamily="18" charset="-34"/>
+              </a:defRPr>
+            </a:lvl1pPr>
+          </a:lstStyle>
           <a:p>
             <a:r>
-              <a:rPr lang="en-US" sz="2400" i="1" dirty="0">
-                <a:solidFill>
-                  <a:srgbClr val="511290"/>
-                </a:solidFill>
-                <a:latin typeface="AngsanaUPC" panose="02020603050405020304" pitchFamily="18" charset="-34"/>
-                <a:cs typeface="AngsanaUPC" panose="02020603050405020304" pitchFamily="18" charset="-34"/>
-              </a:rPr>
+              <a:rPr lang="en-US" dirty="0"/>
               <a:t>Menu/Account</a:t>
             </a:r>
           </a:p>
@@ -9473,8 +9570,8 @@
         </p:nvSpPr>
         <p:spPr>
           <a:xfrm>
-            <a:off x="9395992" y="885002"/>
-            <a:ext cx="1609316" cy="276999"/>
+            <a:off x="649719" y="436727"/>
+            <a:ext cx="1609316" cy="261610"/>
           </a:xfrm>
           <a:prstGeom prst="rect">
             <a:avLst/>
@@ -9488,63 +9585,22 @@
           <a:lstStyle/>
           <a:p>
             <a:r>
-              <a:rPr lang="en-US" sz="1200" i="1" dirty="0">
+              <a:rPr lang="en-US" sz="1100" i="1" dirty="0">
+                <a:solidFill>
+                  <a:schemeClr val="bg1"/>
+                </a:solidFill>
                 <a:latin typeface="Aharoni" panose="02010803020104030203" pitchFamily="2" charset="-79"/>
                 <a:cs typeface="Aharoni" panose="02010803020104030203" pitchFamily="2" charset="-79"/>
               </a:rPr>
               <a:t>General View</a:t>
             </a:r>
-            <a:endParaRPr lang="en-US" i="1" dirty="0">
+            <a:endParaRPr lang="en-US" sz="1600" i="1" dirty="0">
+              <a:solidFill>
+                <a:schemeClr val="bg1"/>
+              </a:solidFill>
               <a:latin typeface="Aharoni" panose="02010803020104030203" pitchFamily="2" charset="-79"/>
               <a:cs typeface="Aharoni" panose="02010803020104030203" pitchFamily="2" charset="-79"/>
             </a:endParaRPr>
-          </a:p>
-        </p:txBody>
-      </p:sp>
-      <p:sp>
-        <p:nvSpPr>
-          <p:cNvPr id="73" name="Oval 72">
-            <a:extLst>
-              <a:ext uri="{FF2B5EF4-FFF2-40B4-BE49-F238E27FC236}">
-                <a16:creationId xmlns:a16="http://schemas.microsoft.com/office/drawing/2014/main" id="{8CC279A3-866B-447F-9031-63233A655234}"/>
-              </a:ext>
-            </a:extLst>
-          </p:cNvPr>
-          <p:cNvSpPr/>
-          <p:nvPr/>
-        </p:nvSpPr>
-        <p:spPr>
-          <a:xfrm>
-            <a:off x="10583183" y="990707"/>
-            <a:ext cx="88789" cy="88789"/>
-          </a:xfrm>
-          <a:prstGeom prst="ellipse">
-            <a:avLst/>
-          </a:prstGeom>
-          <a:ln w="15875"/>
-        </p:spPr>
-        <p:style>
-          <a:lnRef idx="2">
-            <a:schemeClr val="accent1">
-              <a:shade val="50000"/>
-            </a:schemeClr>
-          </a:lnRef>
-          <a:fillRef idx="1">
-            <a:schemeClr val="accent1"/>
-          </a:fillRef>
-          <a:effectRef idx="0">
-            <a:schemeClr val="accent1"/>
-          </a:effectRef>
-          <a:fontRef idx="minor">
-            <a:schemeClr val="lt1"/>
-          </a:fontRef>
-        </p:style>
-        <p:txBody>
-          <a:bodyPr rtlCol="0" anchor="ctr"/>
-          <a:lstStyle/>
-          <a:p>
-            <a:pPr algn="ctr"/>
-            <a:endParaRPr lang="en-US"/>
           </a:p>
         </p:txBody>
       </p:sp>

--- a/src/assets/documents/LnkMngr - Wireframe Mockups.pptx
+++ b/src/assets/documents/LnkMngr - Wireframe Mockups.pptx
@@ -6,7 +6,8 @@
   </p:sldMasterIdLst>
   <p:sldIdLst>
     <p:sldId id="259" r:id="rId2"/>
-    <p:sldId id="258" r:id="rId3"/>
+    <p:sldId id="260" r:id="rId3"/>
+    <p:sldId id="258" r:id="rId4"/>
   </p:sldIdLst>
   <p:sldSz cx="12192000" cy="6858000"/>
   <p:notesSz cx="6858000" cy="9144000"/>
@@ -260,7 +261,7 @@
           <a:p>
             <a:fld id="{2BE928A8-C3AA-4BDA-967F-0A9A8DE64BC4}" type="datetimeFigureOut">
               <a:rPr lang="en-US" smtClean="0"/>
-              <a:t>8/2/2020</a:t>
+              <a:t>8/16/2020</a:t>
             </a:fld>
             <a:endParaRPr lang="en-US"/>
           </a:p>
@@ -458,7 +459,7 @@
           <a:p>
             <a:fld id="{2BE928A8-C3AA-4BDA-967F-0A9A8DE64BC4}" type="datetimeFigureOut">
               <a:rPr lang="en-US" smtClean="0"/>
-              <a:t>8/2/2020</a:t>
+              <a:t>8/16/2020</a:t>
             </a:fld>
             <a:endParaRPr lang="en-US"/>
           </a:p>
@@ -666,7 +667,7 @@
           <a:p>
             <a:fld id="{2BE928A8-C3AA-4BDA-967F-0A9A8DE64BC4}" type="datetimeFigureOut">
               <a:rPr lang="en-US" smtClean="0"/>
-              <a:t>8/2/2020</a:t>
+              <a:t>8/16/2020</a:t>
             </a:fld>
             <a:endParaRPr lang="en-US"/>
           </a:p>
@@ -864,7 +865,7 @@
           <a:p>
             <a:fld id="{2BE928A8-C3AA-4BDA-967F-0A9A8DE64BC4}" type="datetimeFigureOut">
               <a:rPr lang="en-US" smtClean="0"/>
-              <a:t>8/2/2020</a:t>
+              <a:t>8/16/2020</a:t>
             </a:fld>
             <a:endParaRPr lang="en-US"/>
           </a:p>
@@ -1139,7 +1140,7 @@
           <a:p>
             <a:fld id="{2BE928A8-C3AA-4BDA-967F-0A9A8DE64BC4}" type="datetimeFigureOut">
               <a:rPr lang="en-US" smtClean="0"/>
-              <a:t>8/2/2020</a:t>
+              <a:t>8/16/2020</a:t>
             </a:fld>
             <a:endParaRPr lang="en-US"/>
           </a:p>
@@ -1404,7 +1405,7 @@
           <a:p>
             <a:fld id="{2BE928A8-C3AA-4BDA-967F-0A9A8DE64BC4}" type="datetimeFigureOut">
               <a:rPr lang="en-US" smtClean="0"/>
-              <a:t>8/2/2020</a:t>
+              <a:t>8/16/2020</a:t>
             </a:fld>
             <a:endParaRPr lang="en-US"/>
           </a:p>
@@ -1816,7 +1817,7 @@
           <a:p>
             <a:fld id="{2BE928A8-C3AA-4BDA-967F-0A9A8DE64BC4}" type="datetimeFigureOut">
               <a:rPr lang="en-US" smtClean="0"/>
-              <a:t>8/2/2020</a:t>
+              <a:t>8/16/2020</a:t>
             </a:fld>
             <a:endParaRPr lang="en-US"/>
           </a:p>
@@ -1957,7 +1958,7 @@
           <a:p>
             <a:fld id="{2BE928A8-C3AA-4BDA-967F-0A9A8DE64BC4}" type="datetimeFigureOut">
               <a:rPr lang="en-US" smtClean="0"/>
-              <a:t>8/2/2020</a:t>
+              <a:t>8/16/2020</a:t>
             </a:fld>
             <a:endParaRPr lang="en-US"/>
           </a:p>
@@ -2070,7 +2071,7 @@
           <a:p>
             <a:fld id="{2BE928A8-C3AA-4BDA-967F-0A9A8DE64BC4}" type="datetimeFigureOut">
               <a:rPr lang="en-US" smtClean="0"/>
-              <a:t>8/2/2020</a:t>
+              <a:t>8/16/2020</a:t>
             </a:fld>
             <a:endParaRPr lang="en-US"/>
           </a:p>
@@ -2381,7 +2382,7 @@
           <a:p>
             <a:fld id="{2BE928A8-C3AA-4BDA-967F-0A9A8DE64BC4}" type="datetimeFigureOut">
               <a:rPr lang="en-US" smtClean="0"/>
-              <a:t>8/2/2020</a:t>
+              <a:t>8/16/2020</a:t>
             </a:fld>
             <a:endParaRPr lang="en-US"/>
           </a:p>
@@ -2669,7 +2670,7 @@
           <a:p>
             <a:fld id="{2BE928A8-C3AA-4BDA-967F-0A9A8DE64BC4}" type="datetimeFigureOut">
               <a:rPr lang="en-US" smtClean="0"/>
-              <a:t>8/2/2020</a:t>
+              <a:t>8/16/2020</a:t>
             </a:fld>
             <a:endParaRPr lang="en-US"/>
           </a:p>
@@ -2910,7 +2911,7 @@
           <a:p>
             <a:fld id="{2BE928A8-C3AA-4BDA-967F-0A9A8DE64BC4}" type="datetimeFigureOut">
               <a:rPr lang="en-US" smtClean="0"/>
-              <a:t>8/2/2020</a:t>
+              <a:t>8/16/2020</a:t>
             </a:fld>
             <a:endParaRPr lang="en-US"/>
           </a:p>
@@ -3348,7 +3349,7 @@
             <a:avLst/>
           </a:prstGeom>
           <a:solidFill>
-            <a:srgbClr val="143860"/>
+            <a:srgbClr val="BFBDBE"/>
           </a:solidFill>
           <a:ln>
             <a:noFill/>
@@ -3459,6 +3460,6714 @@
             <a:avLst/>
           </a:prstGeom>
           <a:solidFill>
+            <a:srgbClr val="4472C4"/>
+          </a:solidFill>
+          <a:ln>
+            <a:noFill/>
+          </a:ln>
+        </p:spPr>
+        <p:style>
+          <a:lnRef idx="2">
+            <a:schemeClr val="accent1">
+              <a:shade val="50000"/>
+            </a:schemeClr>
+          </a:lnRef>
+          <a:fillRef idx="1">
+            <a:schemeClr val="accent1"/>
+          </a:fillRef>
+          <a:effectRef idx="0">
+            <a:schemeClr val="accent1"/>
+          </a:effectRef>
+          <a:fontRef idx="minor">
+            <a:schemeClr val="lt1"/>
+          </a:fontRef>
+        </p:style>
+        <p:txBody>
+          <a:bodyPr rtlCol="0" anchor="ctr"/>
+          <a:lstStyle/>
+          <a:p>
+            <a:pPr algn="ctr"/>
+            <a:endParaRPr lang="en-US"/>
+          </a:p>
+        </p:txBody>
+      </p:sp>
+      <p:graphicFrame>
+        <p:nvGraphicFramePr>
+          <p:cNvPr id="11" name="Table 11">
+            <a:extLst>
+              <a:ext uri="{FF2B5EF4-FFF2-40B4-BE49-F238E27FC236}">
+                <a16:creationId xmlns:a16="http://schemas.microsoft.com/office/drawing/2014/main" id="{4259A0DE-544F-40BE-BD37-6AEC21AA04F2}"/>
+              </a:ext>
+            </a:extLst>
+          </p:cNvPr>
+          <p:cNvGraphicFramePr>
+            <a:graphicFrameLocks noGrp="1"/>
+          </p:cNvGraphicFramePr>
+          <p:nvPr>
+            <p:extLst>
+              <p:ext uri="{D42A27DB-BD31-4B8C-83A1-F6EECF244321}">
+                <p14:modId xmlns:p14="http://schemas.microsoft.com/office/powerpoint/2010/main" val="3106428982"/>
+              </p:ext>
+            </p:extLst>
+          </p:nvPr>
+        </p:nvGraphicFramePr>
+        <p:xfrm>
+          <a:off x="1469720" y="1079496"/>
+          <a:ext cx="9007150" cy="4929421"/>
+        </p:xfrm>
+        <a:graphic>
+          <a:graphicData uri="http://schemas.openxmlformats.org/drawingml/2006/table">
+            <a:tbl>
+              <a:tblPr firstRow="1" bandRow="1">
+                <a:tableStyleId>{2D5ABB26-0587-4C30-8999-92F81FD0307C}</a:tableStyleId>
+              </a:tblPr>
+              <a:tblGrid>
+                <a:gridCol w="900715">
+                  <a:extLst>
+                    <a:ext uri="{9D8B030D-6E8A-4147-A177-3AD203B41FA5}">
+                      <a16:colId xmlns:a16="http://schemas.microsoft.com/office/drawing/2014/main" val="801307755"/>
+                    </a:ext>
+                  </a:extLst>
+                </a:gridCol>
+                <a:gridCol w="900715">
+                  <a:extLst>
+                    <a:ext uri="{9D8B030D-6E8A-4147-A177-3AD203B41FA5}">
+                      <a16:colId xmlns:a16="http://schemas.microsoft.com/office/drawing/2014/main" val="3481335526"/>
+                    </a:ext>
+                  </a:extLst>
+                </a:gridCol>
+                <a:gridCol w="900715">
+                  <a:extLst>
+                    <a:ext uri="{9D8B030D-6E8A-4147-A177-3AD203B41FA5}">
+                      <a16:colId xmlns:a16="http://schemas.microsoft.com/office/drawing/2014/main" val="1488056381"/>
+                    </a:ext>
+                  </a:extLst>
+                </a:gridCol>
+                <a:gridCol w="900715">
+                  <a:extLst>
+                    <a:ext uri="{9D8B030D-6E8A-4147-A177-3AD203B41FA5}">
+                      <a16:colId xmlns:a16="http://schemas.microsoft.com/office/drawing/2014/main" val="1346882198"/>
+                    </a:ext>
+                  </a:extLst>
+                </a:gridCol>
+                <a:gridCol w="900715">
+                  <a:extLst>
+                    <a:ext uri="{9D8B030D-6E8A-4147-A177-3AD203B41FA5}">
+                      <a16:colId xmlns:a16="http://schemas.microsoft.com/office/drawing/2014/main" val="3188967461"/>
+                    </a:ext>
+                  </a:extLst>
+                </a:gridCol>
+                <a:gridCol w="900715">
+                  <a:extLst>
+                    <a:ext uri="{9D8B030D-6E8A-4147-A177-3AD203B41FA5}">
+                      <a16:colId xmlns:a16="http://schemas.microsoft.com/office/drawing/2014/main" val="2220941889"/>
+                    </a:ext>
+                  </a:extLst>
+                </a:gridCol>
+                <a:gridCol w="900715">
+                  <a:extLst>
+                    <a:ext uri="{9D8B030D-6E8A-4147-A177-3AD203B41FA5}">
+                      <a16:colId xmlns:a16="http://schemas.microsoft.com/office/drawing/2014/main" val="1841696206"/>
+                    </a:ext>
+                  </a:extLst>
+                </a:gridCol>
+                <a:gridCol w="900715">
+                  <a:extLst>
+                    <a:ext uri="{9D8B030D-6E8A-4147-A177-3AD203B41FA5}">
+                      <a16:colId xmlns:a16="http://schemas.microsoft.com/office/drawing/2014/main" val="2526618969"/>
+                    </a:ext>
+                  </a:extLst>
+                </a:gridCol>
+                <a:gridCol w="900715">
+                  <a:extLst>
+                    <a:ext uri="{9D8B030D-6E8A-4147-A177-3AD203B41FA5}">
+                      <a16:colId xmlns:a16="http://schemas.microsoft.com/office/drawing/2014/main" val="1964129627"/>
+                    </a:ext>
+                  </a:extLst>
+                </a:gridCol>
+                <a:gridCol w="900715">
+                  <a:extLst>
+                    <a:ext uri="{9D8B030D-6E8A-4147-A177-3AD203B41FA5}">
+                      <a16:colId xmlns:a16="http://schemas.microsoft.com/office/drawing/2014/main" val="1332343503"/>
+                    </a:ext>
+                  </a:extLst>
+                </a:gridCol>
+              </a:tblGrid>
+              <a:tr h="704203">
+                <a:tc>
+                  <a:txBody>
+                    <a:bodyPr/>
+                    <a:lstStyle/>
+                    <a:p>
+                      <a:endParaRPr lang="en-US" dirty="0">
+                        <a:solidFill>
+                          <a:schemeClr val="tx1"/>
+                        </a:solidFill>
+                      </a:endParaRPr>
+                    </a:p>
+                  </a:txBody>
+                  <a:tcPr>
+                    <a:lnL w="12700" cap="flat" cmpd="sng" algn="ctr">
+                      <a:noFill/>
+                      <a:prstDash val="solid"/>
+                      <a:round/>
+                      <a:headEnd type="none" w="med" len="med"/>
+                      <a:tailEnd type="none" w="med" len="med"/>
+                    </a:lnL>
+                    <a:lnR w="12700" cap="flat" cmpd="sng" algn="ctr">
+                      <a:solidFill>
+                        <a:srgbClr val="0DD2ED"/>
+                      </a:solidFill>
+                      <a:prstDash val="solid"/>
+                      <a:round/>
+                      <a:headEnd type="none" w="med" len="med"/>
+                      <a:tailEnd type="none" w="med" len="med"/>
+                    </a:lnR>
+                    <a:lnT w="12700" cap="flat" cmpd="sng" algn="ctr">
+                      <a:noFill/>
+                      <a:prstDash val="solid"/>
+                      <a:round/>
+                      <a:headEnd type="none" w="med" len="med"/>
+                      <a:tailEnd type="none" w="med" len="med"/>
+                    </a:lnT>
+                    <a:lnB w="12700" cap="flat" cmpd="sng" algn="ctr">
+                      <a:solidFill>
+                        <a:srgbClr val="0DD2ED"/>
+                      </a:solidFill>
+                      <a:prstDash val="solid"/>
+                      <a:round/>
+                      <a:headEnd type="none" w="med" len="med"/>
+                      <a:tailEnd type="none" w="med" len="med"/>
+                    </a:lnB>
+                    <a:lnTlToBr w="12700" cmpd="sng">
+                      <a:noFill/>
+                      <a:prstDash val="solid"/>
+                    </a:lnTlToBr>
+                    <a:lnBlToTr w="12700" cmpd="sng">
+                      <a:noFill/>
+                      <a:prstDash val="solid"/>
+                    </a:lnBlToTr>
+                    <a:noFill/>
+                  </a:tcPr>
+                </a:tc>
+                <a:tc>
+                  <a:txBody>
+                    <a:bodyPr/>
+                    <a:lstStyle/>
+                    <a:p>
+                      <a:endParaRPr lang="en-US">
+                        <a:solidFill>
+                          <a:schemeClr val="tx1"/>
+                        </a:solidFill>
+                      </a:endParaRPr>
+                    </a:p>
+                  </a:txBody>
+                  <a:tcPr>
+                    <a:lnL w="12700" cap="flat" cmpd="sng" algn="ctr">
+                      <a:solidFill>
+                        <a:srgbClr val="0DD2ED"/>
+                      </a:solidFill>
+                      <a:prstDash val="solid"/>
+                      <a:round/>
+                      <a:headEnd type="none" w="med" len="med"/>
+                      <a:tailEnd type="none" w="med" len="med"/>
+                    </a:lnL>
+                    <a:lnR w="12700" cap="flat" cmpd="sng" algn="ctr">
+                      <a:solidFill>
+                        <a:srgbClr val="0DD2ED"/>
+                      </a:solidFill>
+                      <a:prstDash val="solid"/>
+                      <a:round/>
+                      <a:headEnd type="none" w="med" len="med"/>
+                      <a:tailEnd type="none" w="med" len="med"/>
+                    </a:lnR>
+                    <a:lnT w="12700" cap="flat" cmpd="sng" algn="ctr">
+                      <a:noFill/>
+                      <a:prstDash val="solid"/>
+                      <a:round/>
+                      <a:headEnd type="none" w="med" len="med"/>
+                      <a:tailEnd type="none" w="med" len="med"/>
+                    </a:lnT>
+                    <a:lnB w="12700" cap="flat" cmpd="sng" algn="ctr">
+                      <a:solidFill>
+                        <a:srgbClr val="0DD2ED"/>
+                      </a:solidFill>
+                      <a:prstDash val="solid"/>
+                      <a:round/>
+                      <a:headEnd type="none" w="med" len="med"/>
+                      <a:tailEnd type="none" w="med" len="med"/>
+                    </a:lnB>
+                    <a:lnTlToBr w="12700" cmpd="sng">
+                      <a:noFill/>
+                      <a:prstDash val="solid"/>
+                    </a:lnTlToBr>
+                    <a:lnBlToTr w="12700" cmpd="sng">
+                      <a:noFill/>
+                      <a:prstDash val="solid"/>
+                    </a:lnBlToTr>
+                    <a:noFill/>
+                  </a:tcPr>
+                </a:tc>
+                <a:tc>
+                  <a:txBody>
+                    <a:bodyPr/>
+                    <a:lstStyle/>
+                    <a:p>
+                      <a:endParaRPr lang="en-US">
+                        <a:solidFill>
+                          <a:schemeClr val="tx1"/>
+                        </a:solidFill>
+                      </a:endParaRPr>
+                    </a:p>
+                  </a:txBody>
+                  <a:tcPr>
+                    <a:lnL w="12700" cap="flat" cmpd="sng" algn="ctr">
+                      <a:solidFill>
+                        <a:srgbClr val="0DD2ED"/>
+                      </a:solidFill>
+                      <a:prstDash val="solid"/>
+                      <a:round/>
+                      <a:headEnd type="none" w="med" len="med"/>
+                      <a:tailEnd type="none" w="med" len="med"/>
+                    </a:lnL>
+                    <a:lnR w="12700" cap="flat" cmpd="sng" algn="ctr">
+                      <a:solidFill>
+                        <a:srgbClr val="0DD2ED"/>
+                      </a:solidFill>
+                      <a:prstDash val="solid"/>
+                      <a:round/>
+                      <a:headEnd type="none" w="med" len="med"/>
+                      <a:tailEnd type="none" w="med" len="med"/>
+                    </a:lnR>
+                    <a:lnT w="12700" cap="flat" cmpd="sng" algn="ctr">
+                      <a:noFill/>
+                      <a:prstDash val="solid"/>
+                      <a:round/>
+                      <a:headEnd type="none" w="med" len="med"/>
+                      <a:tailEnd type="none" w="med" len="med"/>
+                    </a:lnT>
+                    <a:lnB w="12700" cap="flat" cmpd="sng" algn="ctr">
+                      <a:solidFill>
+                        <a:srgbClr val="0DD2ED"/>
+                      </a:solidFill>
+                      <a:prstDash val="solid"/>
+                      <a:round/>
+                      <a:headEnd type="none" w="med" len="med"/>
+                      <a:tailEnd type="none" w="med" len="med"/>
+                    </a:lnB>
+                    <a:lnTlToBr w="12700" cmpd="sng">
+                      <a:noFill/>
+                      <a:prstDash val="solid"/>
+                    </a:lnTlToBr>
+                    <a:lnBlToTr w="12700" cmpd="sng">
+                      <a:noFill/>
+                      <a:prstDash val="solid"/>
+                    </a:lnBlToTr>
+                    <a:noFill/>
+                  </a:tcPr>
+                </a:tc>
+                <a:tc>
+                  <a:txBody>
+                    <a:bodyPr/>
+                    <a:lstStyle/>
+                    <a:p>
+                      <a:endParaRPr lang="en-US" dirty="0">
+                        <a:solidFill>
+                          <a:schemeClr val="tx1"/>
+                        </a:solidFill>
+                      </a:endParaRPr>
+                    </a:p>
+                  </a:txBody>
+                  <a:tcPr>
+                    <a:lnL w="12700" cap="flat" cmpd="sng" algn="ctr">
+                      <a:solidFill>
+                        <a:srgbClr val="0DD2ED"/>
+                      </a:solidFill>
+                      <a:prstDash val="solid"/>
+                      <a:round/>
+                      <a:headEnd type="none" w="med" len="med"/>
+                      <a:tailEnd type="none" w="med" len="med"/>
+                    </a:lnL>
+                    <a:lnR w="12700" cap="flat" cmpd="sng" algn="ctr">
+                      <a:solidFill>
+                        <a:srgbClr val="0DD2ED"/>
+                      </a:solidFill>
+                      <a:prstDash val="solid"/>
+                      <a:round/>
+                      <a:headEnd type="none" w="med" len="med"/>
+                      <a:tailEnd type="none" w="med" len="med"/>
+                    </a:lnR>
+                    <a:lnT w="12700" cap="flat" cmpd="sng" algn="ctr">
+                      <a:noFill/>
+                      <a:prstDash val="solid"/>
+                      <a:round/>
+                      <a:headEnd type="none" w="med" len="med"/>
+                      <a:tailEnd type="none" w="med" len="med"/>
+                    </a:lnT>
+                    <a:lnB w="12700" cap="flat" cmpd="sng" algn="ctr">
+                      <a:solidFill>
+                        <a:srgbClr val="0DD2ED"/>
+                      </a:solidFill>
+                      <a:prstDash val="solid"/>
+                      <a:round/>
+                      <a:headEnd type="none" w="med" len="med"/>
+                      <a:tailEnd type="none" w="med" len="med"/>
+                    </a:lnB>
+                    <a:lnTlToBr w="12700" cmpd="sng">
+                      <a:noFill/>
+                      <a:prstDash val="solid"/>
+                    </a:lnTlToBr>
+                    <a:lnBlToTr w="12700" cmpd="sng">
+                      <a:noFill/>
+                      <a:prstDash val="solid"/>
+                    </a:lnBlToTr>
+                    <a:noFill/>
+                  </a:tcPr>
+                </a:tc>
+                <a:tc>
+                  <a:txBody>
+                    <a:bodyPr/>
+                    <a:lstStyle/>
+                    <a:p>
+                      <a:endParaRPr lang="en-US" dirty="0">
+                        <a:solidFill>
+                          <a:schemeClr val="tx1"/>
+                        </a:solidFill>
+                      </a:endParaRPr>
+                    </a:p>
+                  </a:txBody>
+                  <a:tcPr>
+                    <a:lnL w="12700" cap="flat" cmpd="sng" algn="ctr">
+                      <a:solidFill>
+                        <a:srgbClr val="0DD2ED"/>
+                      </a:solidFill>
+                      <a:prstDash val="solid"/>
+                      <a:round/>
+                      <a:headEnd type="none" w="med" len="med"/>
+                      <a:tailEnd type="none" w="med" len="med"/>
+                    </a:lnL>
+                    <a:lnR w="12700" cap="flat" cmpd="sng" algn="ctr">
+                      <a:solidFill>
+                        <a:srgbClr val="0DD2ED"/>
+                      </a:solidFill>
+                      <a:prstDash val="solid"/>
+                      <a:round/>
+                      <a:headEnd type="none" w="med" len="med"/>
+                      <a:tailEnd type="none" w="med" len="med"/>
+                    </a:lnR>
+                    <a:lnT w="12700" cap="flat" cmpd="sng" algn="ctr">
+                      <a:noFill/>
+                      <a:prstDash val="solid"/>
+                      <a:round/>
+                      <a:headEnd type="none" w="med" len="med"/>
+                      <a:tailEnd type="none" w="med" len="med"/>
+                    </a:lnT>
+                    <a:lnB w="12700" cap="flat" cmpd="sng" algn="ctr">
+                      <a:solidFill>
+                        <a:srgbClr val="0DD2ED"/>
+                      </a:solidFill>
+                      <a:prstDash val="solid"/>
+                      <a:round/>
+                      <a:headEnd type="none" w="med" len="med"/>
+                      <a:tailEnd type="none" w="med" len="med"/>
+                    </a:lnB>
+                    <a:lnTlToBr w="12700" cmpd="sng">
+                      <a:noFill/>
+                      <a:prstDash val="solid"/>
+                    </a:lnTlToBr>
+                    <a:lnBlToTr w="12700" cmpd="sng">
+                      <a:noFill/>
+                      <a:prstDash val="solid"/>
+                    </a:lnBlToTr>
+                    <a:noFill/>
+                  </a:tcPr>
+                </a:tc>
+                <a:tc>
+                  <a:txBody>
+                    <a:bodyPr/>
+                    <a:lstStyle/>
+                    <a:p>
+                      <a:endParaRPr lang="en-US" dirty="0">
+                        <a:solidFill>
+                          <a:schemeClr val="tx1"/>
+                        </a:solidFill>
+                      </a:endParaRPr>
+                    </a:p>
+                  </a:txBody>
+                  <a:tcPr>
+                    <a:lnL w="12700" cap="flat" cmpd="sng" algn="ctr">
+                      <a:solidFill>
+                        <a:srgbClr val="0DD2ED"/>
+                      </a:solidFill>
+                      <a:prstDash val="solid"/>
+                      <a:round/>
+                      <a:headEnd type="none" w="med" len="med"/>
+                      <a:tailEnd type="none" w="med" len="med"/>
+                    </a:lnL>
+                    <a:lnR w="12700" cap="flat" cmpd="sng" algn="ctr">
+                      <a:solidFill>
+                        <a:srgbClr val="0DD2ED"/>
+                      </a:solidFill>
+                      <a:prstDash val="solid"/>
+                      <a:round/>
+                      <a:headEnd type="none" w="med" len="med"/>
+                      <a:tailEnd type="none" w="med" len="med"/>
+                    </a:lnR>
+                    <a:lnT w="12700" cap="flat" cmpd="sng" algn="ctr">
+                      <a:noFill/>
+                      <a:prstDash val="solid"/>
+                      <a:round/>
+                      <a:headEnd type="none" w="med" len="med"/>
+                      <a:tailEnd type="none" w="med" len="med"/>
+                    </a:lnT>
+                    <a:lnB w="12700" cap="flat" cmpd="sng" algn="ctr">
+                      <a:solidFill>
+                        <a:srgbClr val="0DD2ED"/>
+                      </a:solidFill>
+                      <a:prstDash val="solid"/>
+                      <a:round/>
+                      <a:headEnd type="none" w="med" len="med"/>
+                      <a:tailEnd type="none" w="med" len="med"/>
+                    </a:lnB>
+                    <a:lnTlToBr w="12700" cmpd="sng">
+                      <a:noFill/>
+                      <a:prstDash val="solid"/>
+                    </a:lnTlToBr>
+                    <a:lnBlToTr w="12700" cmpd="sng">
+                      <a:noFill/>
+                      <a:prstDash val="solid"/>
+                    </a:lnBlToTr>
+                    <a:noFill/>
+                  </a:tcPr>
+                </a:tc>
+                <a:tc>
+                  <a:txBody>
+                    <a:bodyPr/>
+                    <a:lstStyle/>
+                    <a:p>
+                      <a:endParaRPr lang="en-US" dirty="0">
+                        <a:solidFill>
+                          <a:schemeClr val="tx1"/>
+                        </a:solidFill>
+                      </a:endParaRPr>
+                    </a:p>
+                  </a:txBody>
+                  <a:tcPr>
+                    <a:lnL w="12700" cap="flat" cmpd="sng" algn="ctr">
+                      <a:solidFill>
+                        <a:srgbClr val="0DD2ED"/>
+                      </a:solidFill>
+                      <a:prstDash val="solid"/>
+                      <a:round/>
+                      <a:headEnd type="none" w="med" len="med"/>
+                      <a:tailEnd type="none" w="med" len="med"/>
+                    </a:lnL>
+                    <a:lnR w="12700" cap="flat" cmpd="sng" algn="ctr">
+                      <a:solidFill>
+                        <a:srgbClr val="0DD2ED"/>
+                      </a:solidFill>
+                      <a:prstDash val="solid"/>
+                      <a:round/>
+                      <a:headEnd type="none" w="med" len="med"/>
+                      <a:tailEnd type="none" w="med" len="med"/>
+                    </a:lnR>
+                    <a:lnT w="12700" cap="flat" cmpd="sng" algn="ctr">
+                      <a:noFill/>
+                      <a:prstDash val="solid"/>
+                      <a:round/>
+                      <a:headEnd type="none" w="med" len="med"/>
+                      <a:tailEnd type="none" w="med" len="med"/>
+                    </a:lnT>
+                    <a:lnB w="12700" cap="flat" cmpd="sng" algn="ctr">
+                      <a:solidFill>
+                        <a:srgbClr val="0DD2ED"/>
+                      </a:solidFill>
+                      <a:prstDash val="solid"/>
+                      <a:round/>
+                      <a:headEnd type="none" w="med" len="med"/>
+                      <a:tailEnd type="none" w="med" len="med"/>
+                    </a:lnB>
+                    <a:lnTlToBr w="12700" cmpd="sng">
+                      <a:noFill/>
+                      <a:prstDash val="solid"/>
+                    </a:lnTlToBr>
+                    <a:lnBlToTr w="12700" cmpd="sng">
+                      <a:noFill/>
+                      <a:prstDash val="solid"/>
+                    </a:lnBlToTr>
+                    <a:noFill/>
+                  </a:tcPr>
+                </a:tc>
+                <a:tc>
+                  <a:txBody>
+                    <a:bodyPr/>
+                    <a:lstStyle/>
+                    <a:p>
+                      <a:endParaRPr lang="en-US" dirty="0">
+                        <a:solidFill>
+                          <a:schemeClr val="tx1"/>
+                        </a:solidFill>
+                      </a:endParaRPr>
+                    </a:p>
+                  </a:txBody>
+                  <a:tcPr>
+                    <a:lnL w="12700" cap="flat" cmpd="sng" algn="ctr">
+                      <a:solidFill>
+                        <a:srgbClr val="0DD2ED"/>
+                      </a:solidFill>
+                      <a:prstDash val="solid"/>
+                      <a:round/>
+                      <a:headEnd type="none" w="med" len="med"/>
+                      <a:tailEnd type="none" w="med" len="med"/>
+                    </a:lnL>
+                    <a:lnR w="12700" cap="flat" cmpd="sng" algn="ctr">
+                      <a:solidFill>
+                        <a:srgbClr val="0DD2ED"/>
+                      </a:solidFill>
+                      <a:prstDash val="solid"/>
+                      <a:round/>
+                      <a:headEnd type="none" w="med" len="med"/>
+                      <a:tailEnd type="none" w="med" len="med"/>
+                    </a:lnR>
+                    <a:lnT w="12700" cap="flat" cmpd="sng" algn="ctr">
+                      <a:noFill/>
+                      <a:prstDash val="solid"/>
+                      <a:round/>
+                      <a:headEnd type="none" w="med" len="med"/>
+                      <a:tailEnd type="none" w="med" len="med"/>
+                    </a:lnT>
+                    <a:lnB w="12700" cap="flat" cmpd="sng" algn="ctr">
+                      <a:solidFill>
+                        <a:srgbClr val="0DD2ED"/>
+                      </a:solidFill>
+                      <a:prstDash val="solid"/>
+                      <a:round/>
+                      <a:headEnd type="none" w="med" len="med"/>
+                      <a:tailEnd type="none" w="med" len="med"/>
+                    </a:lnB>
+                    <a:lnTlToBr w="12700" cmpd="sng">
+                      <a:noFill/>
+                      <a:prstDash val="solid"/>
+                    </a:lnTlToBr>
+                    <a:lnBlToTr w="12700" cmpd="sng">
+                      <a:noFill/>
+                      <a:prstDash val="solid"/>
+                    </a:lnBlToTr>
+                    <a:noFill/>
+                  </a:tcPr>
+                </a:tc>
+                <a:tc>
+                  <a:txBody>
+                    <a:bodyPr/>
+                    <a:lstStyle/>
+                    <a:p>
+                      <a:endParaRPr lang="en-US" dirty="0">
+                        <a:solidFill>
+                          <a:schemeClr val="tx1"/>
+                        </a:solidFill>
+                      </a:endParaRPr>
+                    </a:p>
+                  </a:txBody>
+                  <a:tcPr>
+                    <a:lnL w="12700" cap="flat" cmpd="sng" algn="ctr">
+                      <a:solidFill>
+                        <a:srgbClr val="0DD2ED"/>
+                      </a:solidFill>
+                      <a:prstDash val="solid"/>
+                      <a:round/>
+                      <a:headEnd type="none" w="med" len="med"/>
+                      <a:tailEnd type="none" w="med" len="med"/>
+                    </a:lnL>
+                    <a:lnR w="12700" cap="flat" cmpd="sng" algn="ctr">
+                      <a:solidFill>
+                        <a:srgbClr val="0DD2ED"/>
+                      </a:solidFill>
+                      <a:prstDash val="solid"/>
+                      <a:round/>
+                      <a:headEnd type="none" w="med" len="med"/>
+                      <a:tailEnd type="none" w="med" len="med"/>
+                    </a:lnR>
+                    <a:lnT w="12700" cap="flat" cmpd="sng" algn="ctr">
+                      <a:noFill/>
+                      <a:prstDash val="solid"/>
+                      <a:round/>
+                      <a:headEnd type="none" w="med" len="med"/>
+                      <a:tailEnd type="none" w="med" len="med"/>
+                    </a:lnT>
+                    <a:lnB w="12700" cap="flat" cmpd="sng" algn="ctr">
+                      <a:solidFill>
+                        <a:srgbClr val="0DD2ED"/>
+                      </a:solidFill>
+                      <a:prstDash val="solid"/>
+                      <a:round/>
+                      <a:headEnd type="none" w="med" len="med"/>
+                      <a:tailEnd type="none" w="med" len="med"/>
+                    </a:lnB>
+                    <a:lnTlToBr w="12700" cmpd="sng">
+                      <a:noFill/>
+                      <a:prstDash val="solid"/>
+                    </a:lnTlToBr>
+                    <a:lnBlToTr w="12700" cmpd="sng">
+                      <a:noFill/>
+                      <a:prstDash val="solid"/>
+                    </a:lnBlToTr>
+                    <a:noFill/>
+                  </a:tcPr>
+                </a:tc>
+                <a:tc>
+                  <a:txBody>
+                    <a:bodyPr/>
+                    <a:lstStyle/>
+                    <a:p>
+                      <a:endParaRPr lang="en-US" dirty="0">
+                        <a:solidFill>
+                          <a:schemeClr val="tx1"/>
+                        </a:solidFill>
+                      </a:endParaRPr>
+                    </a:p>
+                  </a:txBody>
+                  <a:tcPr>
+                    <a:lnL w="12700" cap="flat" cmpd="sng" algn="ctr">
+                      <a:solidFill>
+                        <a:srgbClr val="0DD2ED"/>
+                      </a:solidFill>
+                      <a:prstDash val="solid"/>
+                      <a:round/>
+                      <a:headEnd type="none" w="med" len="med"/>
+                      <a:tailEnd type="none" w="med" len="med"/>
+                    </a:lnL>
+                    <a:lnR w="12700" cap="flat" cmpd="sng" algn="ctr">
+                      <a:noFill/>
+                      <a:prstDash val="solid"/>
+                      <a:round/>
+                      <a:headEnd type="none" w="med" len="med"/>
+                      <a:tailEnd type="none" w="med" len="med"/>
+                    </a:lnR>
+                    <a:lnT w="12700" cap="flat" cmpd="sng" algn="ctr">
+                      <a:noFill/>
+                      <a:prstDash val="solid"/>
+                      <a:round/>
+                      <a:headEnd type="none" w="med" len="med"/>
+                      <a:tailEnd type="none" w="med" len="med"/>
+                    </a:lnT>
+                    <a:lnB w="12700" cap="flat" cmpd="sng" algn="ctr">
+                      <a:solidFill>
+                        <a:srgbClr val="0DD2ED"/>
+                      </a:solidFill>
+                      <a:prstDash val="solid"/>
+                      <a:round/>
+                      <a:headEnd type="none" w="med" len="med"/>
+                      <a:tailEnd type="none" w="med" len="med"/>
+                    </a:lnB>
+                    <a:lnTlToBr w="12700" cmpd="sng">
+                      <a:noFill/>
+                      <a:prstDash val="solid"/>
+                    </a:lnTlToBr>
+                    <a:lnBlToTr w="12700" cmpd="sng">
+                      <a:noFill/>
+                      <a:prstDash val="solid"/>
+                    </a:lnBlToTr>
+                    <a:noFill/>
+                  </a:tcPr>
+                </a:tc>
+                <a:extLst>
+                  <a:ext uri="{0D108BD9-81ED-4DB2-BD59-A6C34878D82A}">
+                    <a16:rowId xmlns:a16="http://schemas.microsoft.com/office/drawing/2014/main" val="1709010828"/>
+                  </a:ext>
+                </a:extLst>
+              </a:tr>
+              <a:tr h="704203">
+                <a:tc>
+                  <a:txBody>
+                    <a:bodyPr/>
+                    <a:lstStyle/>
+                    <a:p>
+                      <a:endParaRPr lang="en-US">
+                        <a:solidFill>
+                          <a:schemeClr val="tx1"/>
+                        </a:solidFill>
+                      </a:endParaRPr>
+                    </a:p>
+                  </a:txBody>
+                  <a:tcPr>
+                    <a:lnL w="12700" cap="flat" cmpd="sng" algn="ctr">
+                      <a:noFill/>
+                      <a:prstDash val="solid"/>
+                      <a:round/>
+                      <a:headEnd type="none" w="med" len="med"/>
+                      <a:tailEnd type="none" w="med" len="med"/>
+                    </a:lnL>
+                    <a:lnR w="12700" cap="flat" cmpd="sng" algn="ctr">
+                      <a:solidFill>
+                        <a:srgbClr val="0DD2ED"/>
+                      </a:solidFill>
+                      <a:prstDash val="solid"/>
+                      <a:round/>
+                      <a:headEnd type="none" w="med" len="med"/>
+                      <a:tailEnd type="none" w="med" len="med"/>
+                    </a:lnR>
+                    <a:lnT w="12700" cap="flat" cmpd="sng" algn="ctr">
+                      <a:solidFill>
+                        <a:srgbClr val="0DD2ED"/>
+                      </a:solidFill>
+                      <a:prstDash val="solid"/>
+                      <a:round/>
+                      <a:headEnd type="none" w="med" len="med"/>
+                      <a:tailEnd type="none" w="med" len="med"/>
+                    </a:lnT>
+                    <a:lnB w="12700" cap="flat" cmpd="sng" algn="ctr">
+                      <a:solidFill>
+                        <a:srgbClr val="0DD2ED"/>
+                      </a:solidFill>
+                      <a:prstDash val="solid"/>
+                      <a:round/>
+                      <a:headEnd type="none" w="med" len="med"/>
+                      <a:tailEnd type="none" w="med" len="med"/>
+                    </a:lnB>
+                    <a:lnTlToBr w="12700" cmpd="sng">
+                      <a:noFill/>
+                      <a:prstDash val="solid"/>
+                    </a:lnTlToBr>
+                    <a:lnBlToTr w="12700" cmpd="sng">
+                      <a:noFill/>
+                      <a:prstDash val="solid"/>
+                    </a:lnBlToTr>
+                    <a:noFill/>
+                  </a:tcPr>
+                </a:tc>
+                <a:tc>
+                  <a:txBody>
+                    <a:bodyPr/>
+                    <a:lstStyle/>
+                    <a:p>
+                      <a:endParaRPr lang="en-US">
+                        <a:solidFill>
+                          <a:schemeClr val="tx1"/>
+                        </a:solidFill>
+                      </a:endParaRPr>
+                    </a:p>
+                  </a:txBody>
+                  <a:tcPr>
+                    <a:lnL w="12700" cap="flat" cmpd="sng" algn="ctr">
+                      <a:solidFill>
+                        <a:srgbClr val="0DD2ED"/>
+                      </a:solidFill>
+                      <a:prstDash val="solid"/>
+                      <a:round/>
+                      <a:headEnd type="none" w="med" len="med"/>
+                      <a:tailEnd type="none" w="med" len="med"/>
+                    </a:lnL>
+                    <a:lnR w="12700" cap="flat" cmpd="sng" algn="ctr">
+                      <a:solidFill>
+                        <a:srgbClr val="0DD2ED"/>
+                      </a:solidFill>
+                      <a:prstDash val="solid"/>
+                      <a:round/>
+                      <a:headEnd type="none" w="med" len="med"/>
+                      <a:tailEnd type="none" w="med" len="med"/>
+                    </a:lnR>
+                    <a:lnT w="12700" cap="flat" cmpd="sng" algn="ctr">
+                      <a:solidFill>
+                        <a:srgbClr val="0DD2ED"/>
+                      </a:solidFill>
+                      <a:prstDash val="solid"/>
+                      <a:round/>
+                      <a:headEnd type="none" w="med" len="med"/>
+                      <a:tailEnd type="none" w="med" len="med"/>
+                    </a:lnT>
+                    <a:lnB w="12700" cap="flat" cmpd="sng" algn="ctr">
+                      <a:solidFill>
+                        <a:srgbClr val="0DD2ED"/>
+                      </a:solidFill>
+                      <a:prstDash val="solid"/>
+                      <a:round/>
+                      <a:headEnd type="none" w="med" len="med"/>
+                      <a:tailEnd type="none" w="med" len="med"/>
+                    </a:lnB>
+                    <a:lnTlToBr w="12700" cmpd="sng">
+                      <a:noFill/>
+                      <a:prstDash val="solid"/>
+                    </a:lnTlToBr>
+                    <a:lnBlToTr w="12700" cmpd="sng">
+                      <a:noFill/>
+                      <a:prstDash val="solid"/>
+                    </a:lnBlToTr>
+                    <a:noFill/>
+                  </a:tcPr>
+                </a:tc>
+                <a:tc>
+                  <a:txBody>
+                    <a:bodyPr/>
+                    <a:lstStyle/>
+                    <a:p>
+                      <a:endParaRPr lang="en-US">
+                        <a:solidFill>
+                          <a:schemeClr val="tx1"/>
+                        </a:solidFill>
+                      </a:endParaRPr>
+                    </a:p>
+                  </a:txBody>
+                  <a:tcPr>
+                    <a:lnL w="12700" cap="flat" cmpd="sng" algn="ctr">
+                      <a:solidFill>
+                        <a:srgbClr val="0DD2ED"/>
+                      </a:solidFill>
+                      <a:prstDash val="solid"/>
+                      <a:round/>
+                      <a:headEnd type="none" w="med" len="med"/>
+                      <a:tailEnd type="none" w="med" len="med"/>
+                    </a:lnL>
+                    <a:lnR w="12700" cap="flat" cmpd="sng" algn="ctr">
+                      <a:solidFill>
+                        <a:srgbClr val="0DD2ED"/>
+                      </a:solidFill>
+                      <a:prstDash val="solid"/>
+                      <a:round/>
+                      <a:headEnd type="none" w="med" len="med"/>
+                      <a:tailEnd type="none" w="med" len="med"/>
+                    </a:lnR>
+                    <a:lnT w="12700" cap="flat" cmpd="sng" algn="ctr">
+                      <a:solidFill>
+                        <a:srgbClr val="0DD2ED"/>
+                      </a:solidFill>
+                      <a:prstDash val="solid"/>
+                      <a:round/>
+                      <a:headEnd type="none" w="med" len="med"/>
+                      <a:tailEnd type="none" w="med" len="med"/>
+                    </a:lnT>
+                    <a:lnB w="12700" cap="flat" cmpd="sng" algn="ctr">
+                      <a:solidFill>
+                        <a:srgbClr val="0DD2ED"/>
+                      </a:solidFill>
+                      <a:prstDash val="solid"/>
+                      <a:round/>
+                      <a:headEnd type="none" w="med" len="med"/>
+                      <a:tailEnd type="none" w="med" len="med"/>
+                    </a:lnB>
+                    <a:lnTlToBr w="12700" cmpd="sng">
+                      <a:noFill/>
+                      <a:prstDash val="solid"/>
+                    </a:lnTlToBr>
+                    <a:lnBlToTr w="12700" cmpd="sng">
+                      <a:noFill/>
+                      <a:prstDash val="solid"/>
+                    </a:lnBlToTr>
+                    <a:noFill/>
+                  </a:tcPr>
+                </a:tc>
+                <a:tc>
+                  <a:txBody>
+                    <a:bodyPr/>
+                    <a:lstStyle/>
+                    <a:p>
+                      <a:endParaRPr lang="en-US">
+                        <a:solidFill>
+                          <a:schemeClr val="tx1"/>
+                        </a:solidFill>
+                      </a:endParaRPr>
+                    </a:p>
+                  </a:txBody>
+                  <a:tcPr>
+                    <a:lnL w="12700" cap="flat" cmpd="sng" algn="ctr">
+                      <a:solidFill>
+                        <a:srgbClr val="0DD2ED"/>
+                      </a:solidFill>
+                      <a:prstDash val="solid"/>
+                      <a:round/>
+                      <a:headEnd type="none" w="med" len="med"/>
+                      <a:tailEnd type="none" w="med" len="med"/>
+                    </a:lnL>
+                    <a:lnR w="12700" cap="flat" cmpd="sng" algn="ctr">
+                      <a:solidFill>
+                        <a:srgbClr val="0DD2ED"/>
+                      </a:solidFill>
+                      <a:prstDash val="solid"/>
+                      <a:round/>
+                      <a:headEnd type="none" w="med" len="med"/>
+                      <a:tailEnd type="none" w="med" len="med"/>
+                    </a:lnR>
+                    <a:lnT w="12700" cap="flat" cmpd="sng" algn="ctr">
+                      <a:solidFill>
+                        <a:srgbClr val="0DD2ED"/>
+                      </a:solidFill>
+                      <a:prstDash val="solid"/>
+                      <a:round/>
+                      <a:headEnd type="none" w="med" len="med"/>
+                      <a:tailEnd type="none" w="med" len="med"/>
+                    </a:lnT>
+                    <a:lnB w="12700" cap="flat" cmpd="sng" algn="ctr">
+                      <a:solidFill>
+                        <a:srgbClr val="0DD2ED"/>
+                      </a:solidFill>
+                      <a:prstDash val="solid"/>
+                      <a:round/>
+                      <a:headEnd type="none" w="med" len="med"/>
+                      <a:tailEnd type="none" w="med" len="med"/>
+                    </a:lnB>
+                    <a:lnTlToBr w="12700" cmpd="sng">
+                      <a:noFill/>
+                      <a:prstDash val="solid"/>
+                    </a:lnTlToBr>
+                    <a:lnBlToTr w="12700" cmpd="sng">
+                      <a:noFill/>
+                      <a:prstDash val="solid"/>
+                    </a:lnBlToTr>
+                    <a:noFill/>
+                  </a:tcPr>
+                </a:tc>
+                <a:tc>
+                  <a:txBody>
+                    <a:bodyPr/>
+                    <a:lstStyle/>
+                    <a:p>
+                      <a:endParaRPr lang="en-US" dirty="0">
+                        <a:solidFill>
+                          <a:schemeClr val="tx1"/>
+                        </a:solidFill>
+                      </a:endParaRPr>
+                    </a:p>
+                  </a:txBody>
+                  <a:tcPr>
+                    <a:lnL w="12700" cap="flat" cmpd="sng" algn="ctr">
+                      <a:solidFill>
+                        <a:srgbClr val="0DD2ED"/>
+                      </a:solidFill>
+                      <a:prstDash val="solid"/>
+                      <a:round/>
+                      <a:headEnd type="none" w="med" len="med"/>
+                      <a:tailEnd type="none" w="med" len="med"/>
+                    </a:lnL>
+                    <a:lnR w="12700" cap="flat" cmpd="sng" algn="ctr">
+                      <a:solidFill>
+                        <a:srgbClr val="0DD2ED"/>
+                      </a:solidFill>
+                      <a:prstDash val="solid"/>
+                      <a:round/>
+                      <a:headEnd type="none" w="med" len="med"/>
+                      <a:tailEnd type="none" w="med" len="med"/>
+                    </a:lnR>
+                    <a:lnT w="12700" cap="flat" cmpd="sng" algn="ctr">
+                      <a:solidFill>
+                        <a:srgbClr val="0DD2ED"/>
+                      </a:solidFill>
+                      <a:prstDash val="solid"/>
+                      <a:round/>
+                      <a:headEnd type="none" w="med" len="med"/>
+                      <a:tailEnd type="none" w="med" len="med"/>
+                    </a:lnT>
+                    <a:lnB w="12700" cap="flat" cmpd="sng" algn="ctr">
+                      <a:solidFill>
+                        <a:srgbClr val="0DD2ED"/>
+                      </a:solidFill>
+                      <a:prstDash val="solid"/>
+                      <a:round/>
+                      <a:headEnd type="none" w="med" len="med"/>
+                      <a:tailEnd type="none" w="med" len="med"/>
+                    </a:lnB>
+                    <a:lnTlToBr w="12700" cmpd="sng">
+                      <a:noFill/>
+                      <a:prstDash val="solid"/>
+                    </a:lnTlToBr>
+                    <a:lnBlToTr w="12700" cmpd="sng">
+                      <a:noFill/>
+                      <a:prstDash val="solid"/>
+                    </a:lnBlToTr>
+                    <a:noFill/>
+                  </a:tcPr>
+                </a:tc>
+                <a:tc>
+                  <a:txBody>
+                    <a:bodyPr/>
+                    <a:lstStyle/>
+                    <a:p>
+                      <a:endParaRPr lang="en-US" dirty="0">
+                        <a:solidFill>
+                          <a:schemeClr val="tx1"/>
+                        </a:solidFill>
+                      </a:endParaRPr>
+                    </a:p>
+                  </a:txBody>
+                  <a:tcPr>
+                    <a:lnL w="12700" cap="flat" cmpd="sng" algn="ctr">
+                      <a:solidFill>
+                        <a:srgbClr val="0DD2ED"/>
+                      </a:solidFill>
+                      <a:prstDash val="solid"/>
+                      <a:round/>
+                      <a:headEnd type="none" w="med" len="med"/>
+                      <a:tailEnd type="none" w="med" len="med"/>
+                    </a:lnL>
+                    <a:lnR w="12700" cap="flat" cmpd="sng" algn="ctr">
+                      <a:solidFill>
+                        <a:srgbClr val="0DD2ED"/>
+                      </a:solidFill>
+                      <a:prstDash val="solid"/>
+                      <a:round/>
+                      <a:headEnd type="none" w="med" len="med"/>
+                      <a:tailEnd type="none" w="med" len="med"/>
+                    </a:lnR>
+                    <a:lnT w="12700" cap="flat" cmpd="sng" algn="ctr">
+                      <a:solidFill>
+                        <a:srgbClr val="0DD2ED"/>
+                      </a:solidFill>
+                      <a:prstDash val="solid"/>
+                      <a:round/>
+                      <a:headEnd type="none" w="med" len="med"/>
+                      <a:tailEnd type="none" w="med" len="med"/>
+                    </a:lnT>
+                    <a:lnB w="12700" cap="flat" cmpd="sng" algn="ctr">
+                      <a:solidFill>
+                        <a:srgbClr val="0DD2ED"/>
+                      </a:solidFill>
+                      <a:prstDash val="solid"/>
+                      <a:round/>
+                      <a:headEnd type="none" w="med" len="med"/>
+                      <a:tailEnd type="none" w="med" len="med"/>
+                    </a:lnB>
+                    <a:lnTlToBr w="12700" cmpd="sng">
+                      <a:noFill/>
+                      <a:prstDash val="solid"/>
+                    </a:lnTlToBr>
+                    <a:lnBlToTr w="12700" cmpd="sng">
+                      <a:noFill/>
+                      <a:prstDash val="solid"/>
+                    </a:lnBlToTr>
+                    <a:noFill/>
+                  </a:tcPr>
+                </a:tc>
+                <a:tc>
+                  <a:txBody>
+                    <a:bodyPr/>
+                    <a:lstStyle/>
+                    <a:p>
+                      <a:endParaRPr lang="en-US" dirty="0">
+                        <a:solidFill>
+                          <a:schemeClr val="tx1"/>
+                        </a:solidFill>
+                      </a:endParaRPr>
+                    </a:p>
+                  </a:txBody>
+                  <a:tcPr>
+                    <a:lnL w="12700" cap="flat" cmpd="sng" algn="ctr">
+                      <a:solidFill>
+                        <a:srgbClr val="0DD2ED"/>
+                      </a:solidFill>
+                      <a:prstDash val="solid"/>
+                      <a:round/>
+                      <a:headEnd type="none" w="med" len="med"/>
+                      <a:tailEnd type="none" w="med" len="med"/>
+                    </a:lnL>
+                    <a:lnR w="12700" cap="flat" cmpd="sng" algn="ctr">
+                      <a:solidFill>
+                        <a:srgbClr val="0DD2ED"/>
+                      </a:solidFill>
+                      <a:prstDash val="solid"/>
+                      <a:round/>
+                      <a:headEnd type="none" w="med" len="med"/>
+                      <a:tailEnd type="none" w="med" len="med"/>
+                    </a:lnR>
+                    <a:lnT w="12700" cap="flat" cmpd="sng" algn="ctr">
+                      <a:solidFill>
+                        <a:srgbClr val="0DD2ED"/>
+                      </a:solidFill>
+                      <a:prstDash val="solid"/>
+                      <a:round/>
+                      <a:headEnd type="none" w="med" len="med"/>
+                      <a:tailEnd type="none" w="med" len="med"/>
+                    </a:lnT>
+                    <a:lnB w="12700" cap="flat" cmpd="sng" algn="ctr">
+                      <a:solidFill>
+                        <a:srgbClr val="0DD2ED"/>
+                      </a:solidFill>
+                      <a:prstDash val="solid"/>
+                      <a:round/>
+                      <a:headEnd type="none" w="med" len="med"/>
+                      <a:tailEnd type="none" w="med" len="med"/>
+                    </a:lnB>
+                    <a:lnTlToBr w="12700" cmpd="sng">
+                      <a:noFill/>
+                      <a:prstDash val="solid"/>
+                    </a:lnTlToBr>
+                    <a:lnBlToTr w="12700" cmpd="sng">
+                      <a:noFill/>
+                      <a:prstDash val="solid"/>
+                    </a:lnBlToTr>
+                    <a:noFill/>
+                  </a:tcPr>
+                </a:tc>
+                <a:tc>
+                  <a:txBody>
+                    <a:bodyPr/>
+                    <a:lstStyle/>
+                    <a:p>
+                      <a:endParaRPr lang="en-US" dirty="0">
+                        <a:solidFill>
+                          <a:schemeClr val="tx1"/>
+                        </a:solidFill>
+                      </a:endParaRPr>
+                    </a:p>
+                  </a:txBody>
+                  <a:tcPr>
+                    <a:lnL w="12700" cap="flat" cmpd="sng" algn="ctr">
+                      <a:solidFill>
+                        <a:srgbClr val="0DD2ED"/>
+                      </a:solidFill>
+                      <a:prstDash val="solid"/>
+                      <a:round/>
+                      <a:headEnd type="none" w="med" len="med"/>
+                      <a:tailEnd type="none" w="med" len="med"/>
+                    </a:lnL>
+                    <a:lnR w="12700" cap="flat" cmpd="sng" algn="ctr">
+                      <a:solidFill>
+                        <a:srgbClr val="0DD2ED"/>
+                      </a:solidFill>
+                      <a:prstDash val="solid"/>
+                      <a:round/>
+                      <a:headEnd type="none" w="med" len="med"/>
+                      <a:tailEnd type="none" w="med" len="med"/>
+                    </a:lnR>
+                    <a:lnT w="12700" cap="flat" cmpd="sng" algn="ctr">
+                      <a:solidFill>
+                        <a:srgbClr val="0DD2ED"/>
+                      </a:solidFill>
+                      <a:prstDash val="solid"/>
+                      <a:round/>
+                      <a:headEnd type="none" w="med" len="med"/>
+                      <a:tailEnd type="none" w="med" len="med"/>
+                    </a:lnT>
+                    <a:lnB w="12700" cap="flat" cmpd="sng" algn="ctr">
+                      <a:solidFill>
+                        <a:srgbClr val="0DD2ED"/>
+                      </a:solidFill>
+                      <a:prstDash val="solid"/>
+                      <a:round/>
+                      <a:headEnd type="none" w="med" len="med"/>
+                      <a:tailEnd type="none" w="med" len="med"/>
+                    </a:lnB>
+                    <a:lnTlToBr w="12700" cmpd="sng">
+                      <a:noFill/>
+                      <a:prstDash val="solid"/>
+                    </a:lnTlToBr>
+                    <a:lnBlToTr w="12700" cmpd="sng">
+                      <a:noFill/>
+                      <a:prstDash val="solid"/>
+                    </a:lnBlToTr>
+                    <a:noFill/>
+                  </a:tcPr>
+                </a:tc>
+                <a:tc>
+                  <a:txBody>
+                    <a:bodyPr/>
+                    <a:lstStyle/>
+                    <a:p>
+                      <a:endParaRPr lang="en-US" dirty="0">
+                        <a:solidFill>
+                          <a:schemeClr val="tx1"/>
+                        </a:solidFill>
+                      </a:endParaRPr>
+                    </a:p>
+                  </a:txBody>
+                  <a:tcPr>
+                    <a:lnL w="12700" cap="flat" cmpd="sng" algn="ctr">
+                      <a:solidFill>
+                        <a:srgbClr val="0DD2ED"/>
+                      </a:solidFill>
+                      <a:prstDash val="solid"/>
+                      <a:round/>
+                      <a:headEnd type="none" w="med" len="med"/>
+                      <a:tailEnd type="none" w="med" len="med"/>
+                    </a:lnL>
+                    <a:lnR w="12700" cap="flat" cmpd="sng" algn="ctr">
+                      <a:solidFill>
+                        <a:srgbClr val="0DD2ED"/>
+                      </a:solidFill>
+                      <a:prstDash val="solid"/>
+                      <a:round/>
+                      <a:headEnd type="none" w="med" len="med"/>
+                      <a:tailEnd type="none" w="med" len="med"/>
+                    </a:lnR>
+                    <a:lnT w="12700" cap="flat" cmpd="sng" algn="ctr">
+                      <a:solidFill>
+                        <a:srgbClr val="0DD2ED"/>
+                      </a:solidFill>
+                      <a:prstDash val="solid"/>
+                      <a:round/>
+                      <a:headEnd type="none" w="med" len="med"/>
+                      <a:tailEnd type="none" w="med" len="med"/>
+                    </a:lnT>
+                    <a:lnB w="12700" cap="flat" cmpd="sng" algn="ctr">
+                      <a:solidFill>
+                        <a:srgbClr val="0DD2ED"/>
+                      </a:solidFill>
+                      <a:prstDash val="solid"/>
+                      <a:round/>
+                      <a:headEnd type="none" w="med" len="med"/>
+                      <a:tailEnd type="none" w="med" len="med"/>
+                    </a:lnB>
+                    <a:lnTlToBr w="12700" cmpd="sng">
+                      <a:noFill/>
+                      <a:prstDash val="solid"/>
+                    </a:lnTlToBr>
+                    <a:lnBlToTr w="12700" cmpd="sng">
+                      <a:noFill/>
+                      <a:prstDash val="solid"/>
+                    </a:lnBlToTr>
+                    <a:noFill/>
+                  </a:tcPr>
+                </a:tc>
+                <a:tc>
+                  <a:txBody>
+                    <a:bodyPr/>
+                    <a:lstStyle/>
+                    <a:p>
+                      <a:endParaRPr lang="en-US" dirty="0">
+                        <a:solidFill>
+                          <a:schemeClr val="tx1"/>
+                        </a:solidFill>
+                      </a:endParaRPr>
+                    </a:p>
+                  </a:txBody>
+                  <a:tcPr>
+                    <a:lnL w="12700" cap="flat" cmpd="sng" algn="ctr">
+                      <a:solidFill>
+                        <a:srgbClr val="0DD2ED"/>
+                      </a:solidFill>
+                      <a:prstDash val="solid"/>
+                      <a:round/>
+                      <a:headEnd type="none" w="med" len="med"/>
+                      <a:tailEnd type="none" w="med" len="med"/>
+                    </a:lnL>
+                    <a:lnR w="12700" cap="flat" cmpd="sng" algn="ctr">
+                      <a:noFill/>
+                      <a:prstDash val="solid"/>
+                      <a:round/>
+                      <a:headEnd type="none" w="med" len="med"/>
+                      <a:tailEnd type="none" w="med" len="med"/>
+                    </a:lnR>
+                    <a:lnT w="12700" cap="flat" cmpd="sng" algn="ctr">
+                      <a:solidFill>
+                        <a:srgbClr val="0DD2ED"/>
+                      </a:solidFill>
+                      <a:prstDash val="solid"/>
+                      <a:round/>
+                      <a:headEnd type="none" w="med" len="med"/>
+                      <a:tailEnd type="none" w="med" len="med"/>
+                    </a:lnT>
+                    <a:lnB w="12700" cap="flat" cmpd="sng" algn="ctr">
+                      <a:solidFill>
+                        <a:srgbClr val="0DD2ED"/>
+                      </a:solidFill>
+                      <a:prstDash val="solid"/>
+                      <a:round/>
+                      <a:headEnd type="none" w="med" len="med"/>
+                      <a:tailEnd type="none" w="med" len="med"/>
+                    </a:lnB>
+                    <a:lnTlToBr w="12700" cmpd="sng">
+                      <a:noFill/>
+                      <a:prstDash val="solid"/>
+                    </a:lnTlToBr>
+                    <a:lnBlToTr w="12700" cmpd="sng">
+                      <a:noFill/>
+                      <a:prstDash val="solid"/>
+                    </a:lnBlToTr>
+                    <a:noFill/>
+                  </a:tcPr>
+                </a:tc>
+                <a:extLst>
+                  <a:ext uri="{0D108BD9-81ED-4DB2-BD59-A6C34878D82A}">
+                    <a16:rowId xmlns:a16="http://schemas.microsoft.com/office/drawing/2014/main" val="2412045075"/>
+                  </a:ext>
+                </a:extLst>
+              </a:tr>
+              <a:tr h="704203">
+                <a:tc>
+                  <a:txBody>
+                    <a:bodyPr/>
+                    <a:lstStyle/>
+                    <a:p>
+                      <a:endParaRPr lang="en-US">
+                        <a:solidFill>
+                          <a:schemeClr val="tx1"/>
+                        </a:solidFill>
+                      </a:endParaRPr>
+                    </a:p>
+                  </a:txBody>
+                  <a:tcPr>
+                    <a:lnL w="12700" cap="flat" cmpd="sng" algn="ctr">
+                      <a:noFill/>
+                      <a:prstDash val="solid"/>
+                      <a:round/>
+                      <a:headEnd type="none" w="med" len="med"/>
+                      <a:tailEnd type="none" w="med" len="med"/>
+                    </a:lnL>
+                    <a:lnR w="12700" cap="flat" cmpd="sng" algn="ctr">
+                      <a:solidFill>
+                        <a:srgbClr val="0DD2ED"/>
+                      </a:solidFill>
+                      <a:prstDash val="solid"/>
+                      <a:round/>
+                      <a:headEnd type="none" w="med" len="med"/>
+                      <a:tailEnd type="none" w="med" len="med"/>
+                    </a:lnR>
+                    <a:lnT w="12700" cap="flat" cmpd="sng" algn="ctr">
+                      <a:solidFill>
+                        <a:srgbClr val="0DD2ED"/>
+                      </a:solidFill>
+                      <a:prstDash val="solid"/>
+                      <a:round/>
+                      <a:headEnd type="none" w="med" len="med"/>
+                      <a:tailEnd type="none" w="med" len="med"/>
+                    </a:lnT>
+                    <a:lnB w="12700" cap="flat" cmpd="sng" algn="ctr">
+                      <a:solidFill>
+                        <a:srgbClr val="0DD2ED"/>
+                      </a:solidFill>
+                      <a:prstDash val="solid"/>
+                      <a:round/>
+                      <a:headEnd type="none" w="med" len="med"/>
+                      <a:tailEnd type="none" w="med" len="med"/>
+                    </a:lnB>
+                    <a:lnTlToBr w="12700" cmpd="sng">
+                      <a:noFill/>
+                      <a:prstDash val="solid"/>
+                    </a:lnTlToBr>
+                    <a:lnBlToTr w="12700" cmpd="sng">
+                      <a:noFill/>
+                      <a:prstDash val="solid"/>
+                    </a:lnBlToTr>
+                    <a:noFill/>
+                  </a:tcPr>
+                </a:tc>
+                <a:tc>
+                  <a:txBody>
+                    <a:bodyPr/>
+                    <a:lstStyle/>
+                    <a:p>
+                      <a:endParaRPr lang="en-US">
+                        <a:solidFill>
+                          <a:schemeClr val="tx1"/>
+                        </a:solidFill>
+                      </a:endParaRPr>
+                    </a:p>
+                  </a:txBody>
+                  <a:tcPr>
+                    <a:lnL w="12700" cap="flat" cmpd="sng" algn="ctr">
+                      <a:solidFill>
+                        <a:srgbClr val="0DD2ED"/>
+                      </a:solidFill>
+                      <a:prstDash val="solid"/>
+                      <a:round/>
+                      <a:headEnd type="none" w="med" len="med"/>
+                      <a:tailEnd type="none" w="med" len="med"/>
+                    </a:lnL>
+                    <a:lnR w="12700" cap="flat" cmpd="sng" algn="ctr">
+                      <a:solidFill>
+                        <a:srgbClr val="0DD2ED"/>
+                      </a:solidFill>
+                      <a:prstDash val="solid"/>
+                      <a:round/>
+                      <a:headEnd type="none" w="med" len="med"/>
+                      <a:tailEnd type="none" w="med" len="med"/>
+                    </a:lnR>
+                    <a:lnT w="12700" cap="flat" cmpd="sng" algn="ctr">
+                      <a:solidFill>
+                        <a:srgbClr val="0DD2ED"/>
+                      </a:solidFill>
+                      <a:prstDash val="solid"/>
+                      <a:round/>
+                      <a:headEnd type="none" w="med" len="med"/>
+                      <a:tailEnd type="none" w="med" len="med"/>
+                    </a:lnT>
+                    <a:lnB w="12700" cap="flat" cmpd="sng" algn="ctr">
+                      <a:solidFill>
+                        <a:srgbClr val="0DD2ED"/>
+                      </a:solidFill>
+                      <a:prstDash val="solid"/>
+                      <a:round/>
+                      <a:headEnd type="none" w="med" len="med"/>
+                      <a:tailEnd type="none" w="med" len="med"/>
+                    </a:lnB>
+                    <a:lnTlToBr w="12700" cmpd="sng">
+                      <a:noFill/>
+                      <a:prstDash val="solid"/>
+                    </a:lnTlToBr>
+                    <a:lnBlToTr w="12700" cmpd="sng">
+                      <a:noFill/>
+                      <a:prstDash val="solid"/>
+                    </a:lnBlToTr>
+                    <a:noFill/>
+                  </a:tcPr>
+                </a:tc>
+                <a:tc>
+                  <a:txBody>
+                    <a:bodyPr/>
+                    <a:lstStyle/>
+                    <a:p>
+                      <a:endParaRPr lang="en-US">
+                        <a:solidFill>
+                          <a:schemeClr val="tx1"/>
+                        </a:solidFill>
+                      </a:endParaRPr>
+                    </a:p>
+                  </a:txBody>
+                  <a:tcPr>
+                    <a:lnL w="12700" cap="flat" cmpd="sng" algn="ctr">
+                      <a:solidFill>
+                        <a:srgbClr val="0DD2ED"/>
+                      </a:solidFill>
+                      <a:prstDash val="solid"/>
+                      <a:round/>
+                      <a:headEnd type="none" w="med" len="med"/>
+                      <a:tailEnd type="none" w="med" len="med"/>
+                    </a:lnL>
+                    <a:lnR w="12700" cap="flat" cmpd="sng" algn="ctr">
+                      <a:solidFill>
+                        <a:srgbClr val="0DD2ED"/>
+                      </a:solidFill>
+                      <a:prstDash val="solid"/>
+                      <a:round/>
+                      <a:headEnd type="none" w="med" len="med"/>
+                      <a:tailEnd type="none" w="med" len="med"/>
+                    </a:lnR>
+                    <a:lnT w="12700" cap="flat" cmpd="sng" algn="ctr">
+                      <a:solidFill>
+                        <a:srgbClr val="0DD2ED"/>
+                      </a:solidFill>
+                      <a:prstDash val="solid"/>
+                      <a:round/>
+                      <a:headEnd type="none" w="med" len="med"/>
+                      <a:tailEnd type="none" w="med" len="med"/>
+                    </a:lnT>
+                    <a:lnB w="12700" cap="flat" cmpd="sng" algn="ctr">
+                      <a:solidFill>
+                        <a:srgbClr val="0DD2ED"/>
+                      </a:solidFill>
+                      <a:prstDash val="solid"/>
+                      <a:round/>
+                      <a:headEnd type="none" w="med" len="med"/>
+                      <a:tailEnd type="none" w="med" len="med"/>
+                    </a:lnB>
+                    <a:lnTlToBr w="12700" cmpd="sng">
+                      <a:noFill/>
+                      <a:prstDash val="solid"/>
+                    </a:lnTlToBr>
+                    <a:lnBlToTr w="12700" cmpd="sng">
+                      <a:noFill/>
+                      <a:prstDash val="solid"/>
+                    </a:lnBlToTr>
+                    <a:noFill/>
+                  </a:tcPr>
+                </a:tc>
+                <a:tc>
+                  <a:txBody>
+                    <a:bodyPr/>
+                    <a:lstStyle/>
+                    <a:p>
+                      <a:endParaRPr lang="en-US">
+                        <a:solidFill>
+                          <a:schemeClr val="tx1"/>
+                        </a:solidFill>
+                      </a:endParaRPr>
+                    </a:p>
+                  </a:txBody>
+                  <a:tcPr>
+                    <a:lnL w="12700" cap="flat" cmpd="sng" algn="ctr">
+                      <a:solidFill>
+                        <a:srgbClr val="0DD2ED"/>
+                      </a:solidFill>
+                      <a:prstDash val="solid"/>
+                      <a:round/>
+                      <a:headEnd type="none" w="med" len="med"/>
+                      <a:tailEnd type="none" w="med" len="med"/>
+                    </a:lnL>
+                    <a:lnR w="12700" cap="flat" cmpd="sng" algn="ctr">
+                      <a:solidFill>
+                        <a:srgbClr val="0DD2ED"/>
+                      </a:solidFill>
+                      <a:prstDash val="solid"/>
+                      <a:round/>
+                      <a:headEnd type="none" w="med" len="med"/>
+                      <a:tailEnd type="none" w="med" len="med"/>
+                    </a:lnR>
+                    <a:lnT w="12700" cap="flat" cmpd="sng" algn="ctr">
+                      <a:solidFill>
+                        <a:srgbClr val="0DD2ED"/>
+                      </a:solidFill>
+                      <a:prstDash val="solid"/>
+                      <a:round/>
+                      <a:headEnd type="none" w="med" len="med"/>
+                      <a:tailEnd type="none" w="med" len="med"/>
+                    </a:lnT>
+                    <a:lnB w="12700" cap="flat" cmpd="sng" algn="ctr">
+                      <a:solidFill>
+                        <a:srgbClr val="0DD2ED"/>
+                      </a:solidFill>
+                      <a:prstDash val="solid"/>
+                      <a:round/>
+                      <a:headEnd type="none" w="med" len="med"/>
+                      <a:tailEnd type="none" w="med" len="med"/>
+                    </a:lnB>
+                    <a:lnTlToBr w="12700" cmpd="sng">
+                      <a:noFill/>
+                      <a:prstDash val="solid"/>
+                    </a:lnTlToBr>
+                    <a:lnBlToTr w="12700" cmpd="sng">
+                      <a:noFill/>
+                      <a:prstDash val="solid"/>
+                    </a:lnBlToTr>
+                    <a:noFill/>
+                  </a:tcPr>
+                </a:tc>
+                <a:tc>
+                  <a:txBody>
+                    <a:bodyPr/>
+                    <a:lstStyle/>
+                    <a:p>
+                      <a:endParaRPr lang="en-US">
+                        <a:solidFill>
+                          <a:schemeClr val="tx1"/>
+                        </a:solidFill>
+                      </a:endParaRPr>
+                    </a:p>
+                  </a:txBody>
+                  <a:tcPr>
+                    <a:lnL w="12700" cap="flat" cmpd="sng" algn="ctr">
+                      <a:solidFill>
+                        <a:srgbClr val="0DD2ED"/>
+                      </a:solidFill>
+                      <a:prstDash val="solid"/>
+                      <a:round/>
+                      <a:headEnd type="none" w="med" len="med"/>
+                      <a:tailEnd type="none" w="med" len="med"/>
+                    </a:lnL>
+                    <a:lnR w="12700" cap="flat" cmpd="sng" algn="ctr">
+                      <a:solidFill>
+                        <a:srgbClr val="0DD2ED"/>
+                      </a:solidFill>
+                      <a:prstDash val="solid"/>
+                      <a:round/>
+                      <a:headEnd type="none" w="med" len="med"/>
+                      <a:tailEnd type="none" w="med" len="med"/>
+                    </a:lnR>
+                    <a:lnT w="12700" cap="flat" cmpd="sng" algn="ctr">
+                      <a:solidFill>
+                        <a:srgbClr val="0DD2ED"/>
+                      </a:solidFill>
+                      <a:prstDash val="solid"/>
+                      <a:round/>
+                      <a:headEnd type="none" w="med" len="med"/>
+                      <a:tailEnd type="none" w="med" len="med"/>
+                    </a:lnT>
+                    <a:lnB w="12700" cap="flat" cmpd="sng" algn="ctr">
+                      <a:solidFill>
+                        <a:srgbClr val="0DD2ED"/>
+                      </a:solidFill>
+                      <a:prstDash val="solid"/>
+                      <a:round/>
+                      <a:headEnd type="none" w="med" len="med"/>
+                      <a:tailEnd type="none" w="med" len="med"/>
+                    </a:lnB>
+                    <a:lnTlToBr w="12700" cmpd="sng">
+                      <a:noFill/>
+                      <a:prstDash val="solid"/>
+                    </a:lnTlToBr>
+                    <a:lnBlToTr w="12700" cmpd="sng">
+                      <a:noFill/>
+                      <a:prstDash val="solid"/>
+                    </a:lnBlToTr>
+                    <a:noFill/>
+                  </a:tcPr>
+                </a:tc>
+                <a:tc>
+                  <a:txBody>
+                    <a:bodyPr/>
+                    <a:lstStyle/>
+                    <a:p>
+                      <a:endParaRPr lang="en-US" dirty="0">
+                        <a:solidFill>
+                          <a:schemeClr val="tx1"/>
+                        </a:solidFill>
+                      </a:endParaRPr>
+                    </a:p>
+                  </a:txBody>
+                  <a:tcPr>
+                    <a:lnL w="12700" cap="flat" cmpd="sng" algn="ctr">
+                      <a:solidFill>
+                        <a:srgbClr val="0DD2ED"/>
+                      </a:solidFill>
+                      <a:prstDash val="solid"/>
+                      <a:round/>
+                      <a:headEnd type="none" w="med" len="med"/>
+                      <a:tailEnd type="none" w="med" len="med"/>
+                    </a:lnL>
+                    <a:lnR w="12700" cap="flat" cmpd="sng" algn="ctr">
+                      <a:solidFill>
+                        <a:srgbClr val="0DD2ED"/>
+                      </a:solidFill>
+                      <a:prstDash val="solid"/>
+                      <a:round/>
+                      <a:headEnd type="none" w="med" len="med"/>
+                      <a:tailEnd type="none" w="med" len="med"/>
+                    </a:lnR>
+                    <a:lnT w="12700" cap="flat" cmpd="sng" algn="ctr">
+                      <a:solidFill>
+                        <a:srgbClr val="0DD2ED"/>
+                      </a:solidFill>
+                      <a:prstDash val="solid"/>
+                      <a:round/>
+                      <a:headEnd type="none" w="med" len="med"/>
+                      <a:tailEnd type="none" w="med" len="med"/>
+                    </a:lnT>
+                    <a:lnB w="12700" cap="flat" cmpd="sng" algn="ctr">
+                      <a:solidFill>
+                        <a:srgbClr val="0DD2ED"/>
+                      </a:solidFill>
+                      <a:prstDash val="solid"/>
+                      <a:round/>
+                      <a:headEnd type="none" w="med" len="med"/>
+                      <a:tailEnd type="none" w="med" len="med"/>
+                    </a:lnB>
+                    <a:lnTlToBr w="12700" cmpd="sng">
+                      <a:noFill/>
+                      <a:prstDash val="solid"/>
+                    </a:lnTlToBr>
+                    <a:lnBlToTr w="12700" cmpd="sng">
+                      <a:noFill/>
+                      <a:prstDash val="solid"/>
+                    </a:lnBlToTr>
+                    <a:noFill/>
+                  </a:tcPr>
+                </a:tc>
+                <a:tc>
+                  <a:txBody>
+                    <a:bodyPr/>
+                    <a:lstStyle/>
+                    <a:p>
+                      <a:endParaRPr lang="en-US" dirty="0">
+                        <a:solidFill>
+                          <a:schemeClr val="tx1"/>
+                        </a:solidFill>
+                      </a:endParaRPr>
+                    </a:p>
+                  </a:txBody>
+                  <a:tcPr>
+                    <a:lnL w="12700" cap="flat" cmpd="sng" algn="ctr">
+                      <a:solidFill>
+                        <a:srgbClr val="0DD2ED"/>
+                      </a:solidFill>
+                      <a:prstDash val="solid"/>
+                      <a:round/>
+                      <a:headEnd type="none" w="med" len="med"/>
+                      <a:tailEnd type="none" w="med" len="med"/>
+                    </a:lnL>
+                    <a:lnR w="12700" cap="flat" cmpd="sng" algn="ctr">
+                      <a:solidFill>
+                        <a:srgbClr val="0DD2ED"/>
+                      </a:solidFill>
+                      <a:prstDash val="solid"/>
+                      <a:round/>
+                      <a:headEnd type="none" w="med" len="med"/>
+                      <a:tailEnd type="none" w="med" len="med"/>
+                    </a:lnR>
+                    <a:lnT w="12700" cap="flat" cmpd="sng" algn="ctr">
+                      <a:solidFill>
+                        <a:srgbClr val="0DD2ED"/>
+                      </a:solidFill>
+                      <a:prstDash val="solid"/>
+                      <a:round/>
+                      <a:headEnd type="none" w="med" len="med"/>
+                      <a:tailEnd type="none" w="med" len="med"/>
+                    </a:lnT>
+                    <a:lnB w="12700" cap="flat" cmpd="sng" algn="ctr">
+                      <a:solidFill>
+                        <a:srgbClr val="0DD2ED"/>
+                      </a:solidFill>
+                      <a:prstDash val="solid"/>
+                      <a:round/>
+                      <a:headEnd type="none" w="med" len="med"/>
+                      <a:tailEnd type="none" w="med" len="med"/>
+                    </a:lnB>
+                    <a:lnTlToBr w="12700" cmpd="sng">
+                      <a:noFill/>
+                      <a:prstDash val="solid"/>
+                    </a:lnTlToBr>
+                    <a:lnBlToTr w="12700" cmpd="sng">
+                      <a:noFill/>
+                      <a:prstDash val="solid"/>
+                    </a:lnBlToTr>
+                    <a:noFill/>
+                  </a:tcPr>
+                </a:tc>
+                <a:tc>
+                  <a:txBody>
+                    <a:bodyPr/>
+                    <a:lstStyle/>
+                    <a:p>
+                      <a:endParaRPr lang="en-US">
+                        <a:solidFill>
+                          <a:schemeClr val="tx1"/>
+                        </a:solidFill>
+                      </a:endParaRPr>
+                    </a:p>
+                  </a:txBody>
+                  <a:tcPr>
+                    <a:lnL w="12700" cap="flat" cmpd="sng" algn="ctr">
+                      <a:solidFill>
+                        <a:srgbClr val="0DD2ED"/>
+                      </a:solidFill>
+                      <a:prstDash val="solid"/>
+                      <a:round/>
+                      <a:headEnd type="none" w="med" len="med"/>
+                      <a:tailEnd type="none" w="med" len="med"/>
+                    </a:lnL>
+                    <a:lnR w="12700" cap="flat" cmpd="sng" algn="ctr">
+                      <a:solidFill>
+                        <a:srgbClr val="0DD2ED"/>
+                      </a:solidFill>
+                      <a:prstDash val="solid"/>
+                      <a:round/>
+                      <a:headEnd type="none" w="med" len="med"/>
+                      <a:tailEnd type="none" w="med" len="med"/>
+                    </a:lnR>
+                    <a:lnT w="12700" cap="flat" cmpd="sng" algn="ctr">
+                      <a:solidFill>
+                        <a:srgbClr val="0DD2ED"/>
+                      </a:solidFill>
+                      <a:prstDash val="solid"/>
+                      <a:round/>
+                      <a:headEnd type="none" w="med" len="med"/>
+                      <a:tailEnd type="none" w="med" len="med"/>
+                    </a:lnT>
+                    <a:lnB w="12700" cap="flat" cmpd="sng" algn="ctr">
+                      <a:solidFill>
+                        <a:srgbClr val="0DD2ED"/>
+                      </a:solidFill>
+                      <a:prstDash val="solid"/>
+                      <a:round/>
+                      <a:headEnd type="none" w="med" len="med"/>
+                      <a:tailEnd type="none" w="med" len="med"/>
+                    </a:lnB>
+                    <a:lnTlToBr w="12700" cmpd="sng">
+                      <a:noFill/>
+                      <a:prstDash val="solid"/>
+                    </a:lnTlToBr>
+                    <a:lnBlToTr w="12700" cmpd="sng">
+                      <a:noFill/>
+                      <a:prstDash val="solid"/>
+                    </a:lnBlToTr>
+                    <a:noFill/>
+                  </a:tcPr>
+                </a:tc>
+                <a:tc>
+                  <a:txBody>
+                    <a:bodyPr/>
+                    <a:lstStyle/>
+                    <a:p>
+                      <a:endParaRPr lang="en-US">
+                        <a:solidFill>
+                          <a:schemeClr val="tx1"/>
+                        </a:solidFill>
+                      </a:endParaRPr>
+                    </a:p>
+                  </a:txBody>
+                  <a:tcPr>
+                    <a:lnL w="12700" cap="flat" cmpd="sng" algn="ctr">
+                      <a:solidFill>
+                        <a:srgbClr val="0DD2ED"/>
+                      </a:solidFill>
+                      <a:prstDash val="solid"/>
+                      <a:round/>
+                      <a:headEnd type="none" w="med" len="med"/>
+                      <a:tailEnd type="none" w="med" len="med"/>
+                    </a:lnL>
+                    <a:lnR w="12700" cap="flat" cmpd="sng" algn="ctr">
+                      <a:solidFill>
+                        <a:srgbClr val="0DD2ED"/>
+                      </a:solidFill>
+                      <a:prstDash val="solid"/>
+                      <a:round/>
+                      <a:headEnd type="none" w="med" len="med"/>
+                      <a:tailEnd type="none" w="med" len="med"/>
+                    </a:lnR>
+                    <a:lnT w="12700" cap="flat" cmpd="sng" algn="ctr">
+                      <a:solidFill>
+                        <a:srgbClr val="0DD2ED"/>
+                      </a:solidFill>
+                      <a:prstDash val="solid"/>
+                      <a:round/>
+                      <a:headEnd type="none" w="med" len="med"/>
+                      <a:tailEnd type="none" w="med" len="med"/>
+                    </a:lnT>
+                    <a:lnB w="12700" cap="flat" cmpd="sng" algn="ctr">
+                      <a:solidFill>
+                        <a:srgbClr val="0DD2ED"/>
+                      </a:solidFill>
+                      <a:prstDash val="solid"/>
+                      <a:round/>
+                      <a:headEnd type="none" w="med" len="med"/>
+                      <a:tailEnd type="none" w="med" len="med"/>
+                    </a:lnB>
+                    <a:lnTlToBr w="12700" cmpd="sng">
+                      <a:noFill/>
+                      <a:prstDash val="solid"/>
+                    </a:lnTlToBr>
+                    <a:lnBlToTr w="12700" cmpd="sng">
+                      <a:noFill/>
+                      <a:prstDash val="solid"/>
+                    </a:lnBlToTr>
+                    <a:noFill/>
+                  </a:tcPr>
+                </a:tc>
+                <a:tc>
+                  <a:txBody>
+                    <a:bodyPr/>
+                    <a:lstStyle/>
+                    <a:p>
+                      <a:endParaRPr lang="en-US" dirty="0">
+                        <a:solidFill>
+                          <a:schemeClr val="tx1"/>
+                        </a:solidFill>
+                      </a:endParaRPr>
+                    </a:p>
+                  </a:txBody>
+                  <a:tcPr>
+                    <a:lnL w="12700" cap="flat" cmpd="sng" algn="ctr">
+                      <a:solidFill>
+                        <a:srgbClr val="0DD2ED"/>
+                      </a:solidFill>
+                      <a:prstDash val="solid"/>
+                      <a:round/>
+                      <a:headEnd type="none" w="med" len="med"/>
+                      <a:tailEnd type="none" w="med" len="med"/>
+                    </a:lnL>
+                    <a:lnR w="12700" cap="flat" cmpd="sng" algn="ctr">
+                      <a:noFill/>
+                      <a:prstDash val="solid"/>
+                      <a:round/>
+                      <a:headEnd type="none" w="med" len="med"/>
+                      <a:tailEnd type="none" w="med" len="med"/>
+                    </a:lnR>
+                    <a:lnT w="12700" cap="flat" cmpd="sng" algn="ctr">
+                      <a:solidFill>
+                        <a:srgbClr val="0DD2ED"/>
+                      </a:solidFill>
+                      <a:prstDash val="solid"/>
+                      <a:round/>
+                      <a:headEnd type="none" w="med" len="med"/>
+                      <a:tailEnd type="none" w="med" len="med"/>
+                    </a:lnT>
+                    <a:lnB w="12700" cap="flat" cmpd="sng" algn="ctr">
+                      <a:solidFill>
+                        <a:srgbClr val="0DD2ED"/>
+                      </a:solidFill>
+                      <a:prstDash val="solid"/>
+                      <a:round/>
+                      <a:headEnd type="none" w="med" len="med"/>
+                      <a:tailEnd type="none" w="med" len="med"/>
+                    </a:lnB>
+                    <a:lnTlToBr w="12700" cmpd="sng">
+                      <a:noFill/>
+                      <a:prstDash val="solid"/>
+                    </a:lnTlToBr>
+                    <a:lnBlToTr w="12700" cmpd="sng">
+                      <a:noFill/>
+                      <a:prstDash val="solid"/>
+                    </a:lnBlToTr>
+                    <a:noFill/>
+                  </a:tcPr>
+                </a:tc>
+                <a:extLst>
+                  <a:ext uri="{0D108BD9-81ED-4DB2-BD59-A6C34878D82A}">
+                    <a16:rowId xmlns:a16="http://schemas.microsoft.com/office/drawing/2014/main" val="576548882"/>
+                  </a:ext>
+                </a:extLst>
+              </a:tr>
+              <a:tr h="704203">
+                <a:tc>
+                  <a:txBody>
+                    <a:bodyPr/>
+                    <a:lstStyle/>
+                    <a:p>
+                      <a:endParaRPr lang="en-US">
+                        <a:solidFill>
+                          <a:schemeClr val="tx1"/>
+                        </a:solidFill>
+                      </a:endParaRPr>
+                    </a:p>
+                  </a:txBody>
+                  <a:tcPr>
+                    <a:lnL w="12700" cap="flat" cmpd="sng" algn="ctr">
+                      <a:noFill/>
+                      <a:prstDash val="solid"/>
+                      <a:round/>
+                      <a:headEnd type="none" w="med" len="med"/>
+                      <a:tailEnd type="none" w="med" len="med"/>
+                    </a:lnL>
+                    <a:lnR w="12700" cap="flat" cmpd="sng" algn="ctr">
+                      <a:solidFill>
+                        <a:srgbClr val="0DD2ED"/>
+                      </a:solidFill>
+                      <a:prstDash val="solid"/>
+                      <a:round/>
+                      <a:headEnd type="none" w="med" len="med"/>
+                      <a:tailEnd type="none" w="med" len="med"/>
+                    </a:lnR>
+                    <a:lnT w="12700" cap="flat" cmpd="sng" algn="ctr">
+                      <a:solidFill>
+                        <a:srgbClr val="0DD2ED"/>
+                      </a:solidFill>
+                      <a:prstDash val="solid"/>
+                      <a:round/>
+                      <a:headEnd type="none" w="med" len="med"/>
+                      <a:tailEnd type="none" w="med" len="med"/>
+                    </a:lnT>
+                    <a:lnB w="12700" cap="flat" cmpd="sng" algn="ctr">
+                      <a:solidFill>
+                        <a:srgbClr val="0DD2ED"/>
+                      </a:solidFill>
+                      <a:prstDash val="solid"/>
+                      <a:round/>
+                      <a:headEnd type="none" w="med" len="med"/>
+                      <a:tailEnd type="none" w="med" len="med"/>
+                    </a:lnB>
+                    <a:lnTlToBr w="12700" cmpd="sng">
+                      <a:noFill/>
+                      <a:prstDash val="solid"/>
+                    </a:lnTlToBr>
+                    <a:lnBlToTr w="12700" cmpd="sng">
+                      <a:noFill/>
+                      <a:prstDash val="solid"/>
+                    </a:lnBlToTr>
+                    <a:noFill/>
+                  </a:tcPr>
+                </a:tc>
+                <a:tc>
+                  <a:txBody>
+                    <a:bodyPr/>
+                    <a:lstStyle/>
+                    <a:p>
+                      <a:endParaRPr lang="en-US">
+                        <a:solidFill>
+                          <a:schemeClr val="tx1"/>
+                        </a:solidFill>
+                      </a:endParaRPr>
+                    </a:p>
+                  </a:txBody>
+                  <a:tcPr>
+                    <a:lnL w="12700" cap="flat" cmpd="sng" algn="ctr">
+                      <a:solidFill>
+                        <a:srgbClr val="0DD2ED"/>
+                      </a:solidFill>
+                      <a:prstDash val="solid"/>
+                      <a:round/>
+                      <a:headEnd type="none" w="med" len="med"/>
+                      <a:tailEnd type="none" w="med" len="med"/>
+                    </a:lnL>
+                    <a:lnR w="12700" cap="flat" cmpd="sng" algn="ctr">
+                      <a:solidFill>
+                        <a:srgbClr val="0DD2ED"/>
+                      </a:solidFill>
+                      <a:prstDash val="solid"/>
+                      <a:round/>
+                      <a:headEnd type="none" w="med" len="med"/>
+                      <a:tailEnd type="none" w="med" len="med"/>
+                    </a:lnR>
+                    <a:lnT w="12700" cap="flat" cmpd="sng" algn="ctr">
+                      <a:solidFill>
+                        <a:srgbClr val="0DD2ED"/>
+                      </a:solidFill>
+                      <a:prstDash val="solid"/>
+                      <a:round/>
+                      <a:headEnd type="none" w="med" len="med"/>
+                      <a:tailEnd type="none" w="med" len="med"/>
+                    </a:lnT>
+                    <a:lnB w="12700" cap="flat" cmpd="sng" algn="ctr">
+                      <a:solidFill>
+                        <a:srgbClr val="0DD2ED"/>
+                      </a:solidFill>
+                      <a:prstDash val="solid"/>
+                      <a:round/>
+                      <a:headEnd type="none" w="med" len="med"/>
+                      <a:tailEnd type="none" w="med" len="med"/>
+                    </a:lnB>
+                    <a:lnTlToBr w="12700" cmpd="sng">
+                      <a:noFill/>
+                      <a:prstDash val="solid"/>
+                    </a:lnTlToBr>
+                    <a:lnBlToTr w="12700" cmpd="sng">
+                      <a:noFill/>
+                      <a:prstDash val="solid"/>
+                    </a:lnBlToTr>
+                    <a:noFill/>
+                  </a:tcPr>
+                </a:tc>
+                <a:tc>
+                  <a:txBody>
+                    <a:bodyPr/>
+                    <a:lstStyle/>
+                    <a:p>
+                      <a:endParaRPr lang="en-US">
+                        <a:solidFill>
+                          <a:schemeClr val="tx1"/>
+                        </a:solidFill>
+                      </a:endParaRPr>
+                    </a:p>
+                  </a:txBody>
+                  <a:tcPr>
+                    <a:lnL w="12700" cap="flat" cmpd="sng" algn="ctr">
+                      <a:solidFill>
+                        <a:srgbClr val="0DD2ED"/>
+                      </a:solidFill>
+                      <a:prstDash val="solid"/>
+                      <a:round/>
+                      <a:headEnd type="none" w="med" len="med"/>
+                      <a:tailEnd type="none" w="med" len="med"/>
+                    </a:lnL>
+                    <a:lnR w="12700" cap="flat" cmpd="sng" algn="ctr">
+                      <a:solidFill>
+                        <a:srgbClr val="0DD2ED"/>
+                      </a:solidFill>
+                      <a:prstDash val="solid"/>
+                      <a:round/>
+                      <a:headEnd type="none" w="med" len="med"/>
+                      <a:tailEnd type="none" w="med" len="med"/>
+                    </a:lnR>
+                    <a:lnT w="12700" cap="flat" cmpd="sng" algn="ctr">
+                      <a:solidFill>
+                        <a:srgbClr val="0DD2ED"/>
+                      </a:solidFill>
+                      <a:prstDash val="solid"/>
+                      <a:round/>
+                      <a:headEnd type="none" w="med" len="med"/>
+                      <a:tailEnd type="none" w="med" len="med"/>
+                    </a:lnT>
+                    <a:lnB w="12700" cap="flat" cmpd="sng" algn="ctr">
+                      <a:solidFill>
+                        <a:srgbClr val="0DD2ED"/>
+                      </a:solidFill>
+                      <a:prstDash val="solid"/>
+                      <a:round/>
+                      <a:headEnd type="none" w="med" len="med"/>
+                      <a:tailEnd type="none" w="med" len="med"/>
+                    </a:lnB>
+                    <a:lnTlToBr w="12700" cmpd="sng">
+                      <a:noFill/>
+                      <a:prstDash val="solid"/>
+                    </a:lnTlToBr>
+                    <a:lnBlToTr w="12700" cmpd="sng">
+                      <a:noFill/>
+                      <a:prstDash val="solid"/>
+                    </a:lnBlToTr>
+                    <a:noFill/>
+                  </a:tcPr>
+                </a:tc>
+                <a:tc>
+                  <a:txBody>
+                    <a:bodyPr/>
+                    <a:lstStyle/>
+                    <a:p>
+                      <a:endParaRPr lang="en-US">
+                        <a:solidFill>
+                          <a:schemeClr val="tx1"/>
+                        </a:solidFill>
+                      </a:endParaRPr>
+                    </a:p>
+                  </a:txBody>
+                  <a:tcPr>
+                    <a:lnL w="12700" cap="flat" cmpd="sng" algn="ctr">
+                      <a:solidFill>
+                        <a:srgbClr val="0DD2ED"/>
+                      </a:solidFill>
+                      <a:prstDash val="solid"/>
+                      <a:round/>
+                      <a:headEnd type="none" w="med" len="med"/>
+                      <a:tailEnd type="none" w="med" len="med"/>
+                    </a:lnL>
+                    <a:lnR w="12700" cap="flat" cmpd="sng" algn="ctr">
+                      <a:solidFill>
+                        <a:srgbClr val="0DD2ED"/>
+                      </a:solidFill>
+                      <a:prstDash val="solid"/>
+                      <a:round/>
+                      <a:headEnd type="none" w="med" len="med"/>
+                      <a:tailEnd type="none" w="med" len="med"/>
+                    </a:lnR>
+                    <a:lnT w="12700" cap="flat" cmpd="sng" algn="ctr">
+                      <a:solidFill>
+                        <a:srgbClr val="0DD2ED"/>
+                      </a:solidFill>
+                      <a:prstDash val="solid"/>
+                      <a:round/>
+                      <a:headEnd type="none" w="med" len="med"/>
+                      <a:tailEnd type="none" w="med" len="med"/>
+                    </a:lnT>
+                    <a:lnB w="12700" cap="flat" cmpd="sng" algn="ctr">
+                      <a:solidFill>
+                        <a:srgbClr val="0DD2ED"/>
+                      </a:solidFill>
+                      <a:prstDash val="solid"/>
+                      <a:round/>
+                      <a:headEnd type="none" w="med" len="med"/>
+                      <a:tailEnd type="none" w="med" len="med"/>
+                    </a:lnB>
+                    <a:lnTlToBr w="12700" cmpd="sng">
+                      <a:noFill/>
+                      <a:prstDash val="solid"/>
+                    </a:lnTlToBr>
+                    <a:lnBlToTr w="12700" cmpd="sng">
+                      <a:noFill/>
+                      <a:prstDash val="solid"/>
+                    </a:lnBlToTr>
+                    <a:noFill/>
+                  </a:tcPr>
+                </a:tc>
+                <a:tc>
+                  <a:txBody>
+                    <a:bodyPr/>
+                    <a:lstStyle/>
+                    <a:p>
+                      <a:endParaRPr lang="en-US">
+                        <a:solidFill>
+                          <a:schemeClr val="tx1"/>
+                        </a:solidFill>
+                      </a:endParaRPr>
+                    </a:p>
+                  </a:txBody>
+                  <a:tcPr>
+                    <a:lnL w="12700" cap="flat" cmpd="sng" algn="ctr">
+                      <a:solidFill>
+                        <a:srgbClr val="0DD2ED"/>
+                      </a:solidFill>
+                      <a:prstDash val="solid"/>
+                      <a:round/>
+                      <a:headEnd type="none" w="med" len="med"/>
+                      <a:tailEnd type="none" w="med" len="med"/>
+                    </a:lnL>
+                    <a:lnR w="12700" cap="flat" cmpd="sng" algn="ctr">
+                      <a:solidFill>
+                        <a:srgbClr val="0DD2ED"/>
+                      </a:solidFill>
+                      <a:prstDash val="solid"/>
+                      <a:round/>
+                      <a:headEnd type="none" w="med" len="med"/>
+                      <a:tailEnd type="none" w="med" len="med"/>
+                    </a:lnR>
+                    <a:lnT w="12700" cap="flat" cmpd="sng" algn="ctr">
+                      <a:solidFill>
+                        <a:srgbClr val="0DD2ED"/>
+                      </a:solidFill>
+                      <a:prstDash val="solid"/>
+                      <a:round/>
+                      <a:headEnd type="none" w="med" len="med"/>
+                      <a:tailEnd type="none" w="med" len="med"/>
+                    </a:lnT>
+                    <a:lnB w="12700" cap="flat" cmpd="sng" algn="ctr">
+                      <a:solidFill>
+                        <a:srgbClr val="0DD2ED"/>
+                      </a:solidFill>
+                      <a:prstDash val="solid"/>
+                      <a:round/>
+                      <a:headEnd type="none" w="med" len="med"/>
+                      <a:tailEnd type="none" w="med" len="med"/>
+                    </a:lnB>
+                    <a:lnTlToBr w="12700" cmpd="sng">
+                      <a:noFill/>
+                      <a:prstDash val="solid"/>
+                    </a:lnTlToBr>
+                    <a:lnBlToTr w="12700" cmpd="sng">
+                      <a:noFill/>
+                      <a:prstDash val="solid"/>
+                    </a:lnBlToTr>
+                    <a:noFill/>
+                  </a:tcPr>
+                </a:tc>
+                <a:tc>
+                  <a:txBody>
+                    <a:bodyPr/>
+                    <a:lstStyle/>
+                    <a:p>
+                      <a:endParaRPr lang="en-US">
+                        <a:solidFill>
+                          <a:schemeClr val="tx1"/>
+                        </a:solidFill>
+                      </a:endParaRPr>
+                    </a:p>
+                  </a:txBody>
+                  <a:tcPr>
+                    <a:lnL w="12700" cap="flat" cmpd="sng" algn="ctr">
+                      <a:solidFill>
+                        <a:srgbClr val="0DD2ED"/>
+                      </a:solidFill>
+                      <a:prstDash val="solid"/>
+                      <a:round/>
+                      <a:headEnd type="none" w="med" len="med"/>
+                      <a:tailEnd type="none" w="med" len="med"/>
+                    </a:lnL>
+                    <a:lnR w="12700" cap="flat" cmpd="sng" algn="ctr">
+                      <a:solidFill>
+                        <a:srgbClr val="0DD2ED"/>
+                      </a:solidFill>
+                      <a:prstDash val="solid"/>
+                      <a:round/>
+                      <a:headEnd type="none" w="med" len="med"/>
+                      <a:tailEnd type="none" w="med" len="med"/>
+                    </a:lnR>
+                    <a:lnT w="12700" cap="flat" cmpd="sng" algn="ctr">
+                      <a:solidFill>
+                        <a:srgbClr val="0DD2ED"/>
+                      </a:solidFill>
+                      <a:prstDash val="solid"/>
+                      <a:round/>
+                      <a:headEnd type="none" w="med" len="med"/>
+                      <a:tailEnd type="none" w="med" len="med"/>
+                    </a:lnT>
+                    <a:lnB w="12700" cap="flat" cmpd="sng" algn="ctr">
+                      <a:solidFill>
+                        <a:srgbClr val="0DD2ED"/>
+                      </a:solidFill>
+                      <a:prstDash val="solid"/>
+                      <a:round/>
+                      <a:headEnd type="none" w="med" len="med"/>
+                      <a:tailEnd type="none" w="med" len="med"/>
+                    </a:lnB>
+                    <a:lnTlToBr w="12700" cmpd="sng">
+                      <a:noFill/>
+                      <a:prstDash val="solid"/>
+                    </a:lnTlToBr>
+                    <a:lnBlToTr w="12700" cmpd="sng">
+                      <a:noFill/>
+                      <a:prstDash val="solid"/>
+                    </a:lnBlToTr>
+                    <a:noFill/>
+                  </a:tcPr>
+                </a:tc>
+                <a:tc>
+                  <a:txBody>
+                    <a:bodyPr/>
+                    <a:lstStyle/>
+                    <a:p>
+                      <a:endParaRPr lang="en-US">
+                        <a:solidFill>
+                          <a:schemeClr val="tx1"/>
+                        </a:solidFill>
+                      </a:endParaRPr>
+                    </a:p>
+                  </a:txBody>
+                  <a:tcPr>
+                    <a:lnL w="12700" cap="flat" cmpd="sng" algn="ctr">
+                      <a:solidFill>
+                        <a:srgbClr val="0DD2ED"/>
+                      </a:solidFill>
+                      <a:prstDash val="solid"/>
+                      <a:round/>
+                      <a:headEnd type="none" w="med" len="med"/>
+                      <a:tailEnd type="none" w="med" len="med"/>
+                    </a:lnL>
+                    <a:lnR w="12700" cap="flat" cmpd="sng" algn="ctr">
+                      <a:solidFill>
+                        <a:srgbClr val="0DD2ED"/>
+                      </a:solidFill>
+                      <a:prstDash val="solid"/>
+                      <a:round/>
+                      <a:headEnd type="none" w="med" len="med"/>
+                      <a:tailEnd type="none" w="med" len="med"/>
+                    </a:lnR>
+                    <a:lnT w="12700" cap="flat" cmpd="sng" algn="ctr">
+                      <a:solidFill>
+                        <a:srgbClr val="0DD2ED"/>
+                      </a:solidFill>
+                      <a:prstDash val="solid"/>
+                      <a:round/>
+                      <a:headEnd type="none" w="med" len="med"/>
+                      <a:tailEnd type="none" w="med" len="med"/>
+                    </a:lnT>
+                    <a:lnB w="12700" cap="flat" cmpd="sng" algn="ctr">
+                      <a:solidFill>
+                        <a:srgbClr val="0DD2ED"/>
+                      </a:solidFill>
+                      <a:prstDash val="solid"/>
+                      <a:round/>
+                      <a:headEnd type="none" w="med" len="med"/>
+                      <a:tailEnd type="none" w="med" len="med"/>
+                    </a:lnB>
+                    <a:lnTlToBr w="12700" cmpd="sng">
+                      <a:noFill/>
+                      <a:prstDash val="solid"/>
+                    </a:lnTlToBr>
+                    <a:lnBlToTr w="12700" cmpd="sng">
+                      <a:noFill/>
+                      <a:prstDash val="solid"/>
+                    </a:lnBlToTr>
+                    <a:noFill/>
+                  </a:tcPr>
+                </a:tc>
+                <a:tc>
+                  <a:txBody>
+                    <a:bodyPr/>
+                    <a:lstStyle/>
+                    <a:p>
+                      <a:endParaRPr lang="en-US">
+                        <a:solidFill>
+                          <a:schemeClr val="tx1"/>
+                        </a:solidFill>
+                      </a:endParaRPr>
+                    </a:p>
+                  </a:txBody>
+                  <a:tcPr>
+                    <a:lnL w="12700" cap="flat" cmpd="sng" algn="ctr">
+                      <a:solidFill>
+                        <a:srgbClr val="0DD2ED"/>
+                      </a:solidFill>
+                      <a:prstDash val="solid"/>
+                      <a:round/>
+                      <a:headEnd type="none" w="med" len="med"/>
+                      <a:tailEnd type="none" w="med" len="med"/>
+                    </a:lnL>
+                    <a:lnR w="12700" cap="flat" cmpd="sng" algn="ctr">
+                      <a:solidFill>
+                        <a:srgbClr val="0DD2ED"/>
+                      </a:solidFill>
+                      <a:prstDash val="solid"/>
+                      <a:round/>
+                      <a:headEnd type="none" w="med" len="med"/>
+                      <a:tailEnd type="none" w="med" len="med"/>
+                    </a:lnR>
+                    <a:lnT w="12700" cap="flat" cmpd="sng" algn="ctr">
+                      <a:solidFill>
+                        <a:srgbClr val="0DD2ED"/>
+                      </a:solidFill>
+                      <a:prstDash val="solid"/>
+                      <a:round/>
+                      <a:headEnd type="none" w="med" len="med"/>
+                      <a:tailEnd type="none" w="med" len="med"/>
+                    </a:lnT>
+                    <a:lnB w="12700" cap="flat" cmpd="sng" algn="ctr">
+                      <a:solidFill>
+                        <a:srgbClr val="0DD2ED"/>
+                      </a:solidFill>
+                      <a:prstDash val="solid"/>
+                      <a:round/>
+                      <a:headEnd type="none" w="med" len="med"/>
+                      <a:tailEnd type="none" w="med" len="med"/>
+                    </a:lnB>
+                    <a:lnTlToBr w="12700" cmpd="sng">
+                      <a:noFill/>
+                      <a:prstDash val="solid"/>
+                    </a:lnTlToBr>
+                    <a:lnBlToTr w="12700" cmpd="sng">
+                      <a:noFill/>
+                      <a:prstDash val="solid"/>
+                    </a:lnBlToTr>
+                    <a:noFill/>
+                  </a:tcPr>
+                </a:tc>
+                <a:tc>
+                  <a:txBody>
+                    <a:bodyPr/>
+                    <a:lstStyle/>
+                    <a:p>
+                      <a:endParaRPr lang="en-US" dirty="0">
+                        <a:solidFill>
+                          <a:schemeClr val="tx1"/>
+                        </a:solidFill>
+                      </a:endParaRPr>
+                    </a:p>
+                  </a:txBody>
+                  <a:tcPr>
+                    <a:lnL w="12700" cap="flat" cmpd="sng" algn="ctr">
+                      <a:solidFill>
+                        <a:srgbClr val="0DD2ED"/>
+                      </a:solidFill>
+                      <a:prstDash val="solid"/>
+                      <a:round/>
+                      <a:headEnd type="none" w="med" len="med"/>
+                      <a:tailEnd type="none" w="med" len="med"/>
+                    </a:lnL>
+                    <a:lnR w="12700" cap="flat" cmpd="sng" algn="ctr">
+                      <a:solidFill>
+                        <a:srgbClr val="0DD2ED"/>
+                      </a:solidFill>
+                      <a:prstDash val="solid"/>
+                      <a:round/>
+                      <a:headEnd type="none" w="med" len="med"/>
+                      <a:tailEnd type="none" w="med" len="med"/>
+                    </a:lnR>
+                    <a:lnT w="12700" cap="flat" cmpd="sng" algn="ctr">
+                      <a:solidFill>
+                        <a:srgbClr val="0DD2ED"/>
+                      </a:solidFill>
+                      <a:prstDash val="solid"/>
+                      <a:round/>
+                      <a:headEnd type="none" w="med" len="med"/>
+                      <a:tailEnd type="none" w="med" len="med"/>
+                    </a:lnT>
+                    <a:lnB w="12700" cap="flat" cmpd="sng" algn="ctr">
+                      <a:solidFill>
+                        <a:srgbClr val="0DD2ED"/>
+                      </a:solidFill>
+                      <a:prstDash val="solid"/>
+                      <a:round/>
+                      <a:headEnd type="none" w="med" len="med"/>
+                      <a:tailEnd type="none" w="med" len="med"/>
+                    </a:lnB>
+                    <a:lnTlToBr w="12700" cmpd="sng">
+                      <a:noFill/>
+                      <a:prstDash val="solid"/>
+                    </a:lnTlToBr>
+                    <a:lnBlToTr w="12700" cmpd="sng">
+                      <a:noFill/>
+                      <a:prstDash val="solid"/>
+                    </a:lnBlToTr>
+                    <a:noFill/>
+                  </a:tcPr>
+                </a:tc>
+                <a:tc>
+                  <a:txBody>
+                    <a:bodyPr/>
+                    <a:lstStyle/>
+                    <a:p>
+                      <a:endParaRPr lang="en-US" dirty="0">
+                        <a:solidFill>
+                          <a:schemeClr val="tx1"/>
+                        </a:solidFill>
+                      </a:endParaRPr>
+                    </a:p>
+                  </a:txBody>
+                  <a:tcPr>
+                    <a:lnL w="12700" cap="flat" cmpd="sng" algn="ctr">
+                      <a:solidFill>
+                        <a:srgbClr val="0DD2ED"/>
+                      </a:solidFill>
+                      <a:prstDash val="solid"/>
+                      <a:round/>
+                      <a:headEnd type="none" w="med" len="med"/>
+                      <a:tailEnd type="none" w="med" len="med"/>
+                    </a:lnL>
+                    <a:lnR w="12700" cap="flat" cmpd="sng" algn="ctr">
+                      <a:noFill/>
+                      <a:prstDash val="solid"/>
+                      <a:round/>
+                      <a:headEnd type="none" w="med" len="med"/>
+                      <a:tailEnd type="none" w="med" len="med"/>
+                    </a:lnR>
+                    <a:lnT w="12700" cap="flat" cmpd="sng" algn="ctr">
+                      <a:solidFill>
+                        <a:srgbClr val="0DD2ED"/>
+                      </a:solidFill>
+                      <a:prstDash val="solid"/>
+                      <a:round/>
+                      <a:headEnd type="none" w="med" len="med"/>
+                      <a:tailEnd type="none" w="med" len="med"/>
+                    </a:lnT>
+                    <a:lnB w="12700" cap="flat" cmpd="sng" algn="ctr">
+                      <a:solidFill>
+                        <a:srgbClr val="0DD2ED"/>
+                      </a:solidFill>
+                      <a:prstDash val="solid"/>
+                      <a:round/>
+                      <a:headEnd type="none" w="med" len="med"/>
+                      <a:tailEnd type="none" w="med" len="med"/>
+                    </a:lnB>
+                    <a:lnTlToBr w="12700" cmpd="sng">
+                      <a:noFill/>
+                      <a:prstDash val="solid"/>
+                    </a:lnTlToBr>
+                    <a:lnBlToTr w="12700" cmpd="sng">
+                      <a:noFill/>
+                      <a:prstDash val="solid"/>
+                    </a:lnBlToTr>
+                    <a:noFill/>
+                  </a:tcPr>
+                </a:tc>
+                <a:extLst>
+                  <a:ext uri="{0D108BD9-81ED-4DB2-BD59-A6C34878D82A}">
+                    <a16:rowId xmlns:a16="http://schemas.microsoft.com/office/drawing/2014/main" val="90852334"/>
+                  </a:ext>
+                </a:extLst>
+              </a:tr>
+              <a:tr h="704203">
+                <a:tc>
+                  <a:txBody>
+                    <a:bodyPr/>
+                    <a:lstStyle/>
+                    <a:p>
+                      <a:endParaRPr lang="en-US">
+                        <a:solidFill>
+                          <a:schemeClr val="tx1"/>
+                        </a:solidFill>
+                      </a:endParaRPr>
+                    </a:p>
+                  </a:txBody>
+                  <a:tcPr>
+                    <a:lnL w="12700" cap="flat" cmpd="sng" algn="ctr">
+                      <a:noFill/>
+                      <a:prstDash val="solid"/>
+                      <a:round/>
+                      <a:headEnd type="none" w="med" len="med"/>
+                      <a:tailEnd type="none" w="med" len="med"/>
+                    </a:lnL>
+                    <a:lnR w="12700" cap="flat" cmpd="sng" algn="ctr">
+                      <a:solidFill>
+                        <a:srgbClr val="0DD2ED"/>
+                      </a:solidFill>
+                      <a:prstDash val="solid"/>
+                      <a:round/>
+                      <a:headEnd type="none" w="med" len="med"/>
+                      <a:tailEnd type="none" w="med" len="med"/>
+                    </a:lnR>
+                    <a:lnT w="12700" cap="flat" cmpd="sng" algn="ctr">
+                      <a:solidFill>
+                        <a:srgbClr val="0DD2ED"/>
+                      </a:solidFill>
+                      <a:prstDash val="solid"/>
+                      <a:round/>
+                      <a:headEnd type="none" w="med" len="med"/>
+                      <a:tailEnd type="none" w="med" len="med"/>
+                    </a:lnT>
+                    <a:lnB w="12700" cap="flat" cmpd="sng" algn="ctr">
+                      <a:solidFill>
+                        <a:srgbClr val="0DD2ED"/>
+                      </a:solidFill>
+                      <a:prstDash val="solid"/>
+                      <a:round/>
+                      <a:headEnd type="none" w="med" len="med"/>
+                      <a:tailEnd type="none" w="med" len="med"/>
+                    </a:lnB>
+                    <a:lnTlToBr w="12700" cmpd="sng">
+                      <a:noFill/>
+                      <a:prstDash val="solid"/>
+                    </a:lnTlToBr>
+                    <a:lnBlToTr w="12700" cmpd="sng">
+                      <a:noFill/>
+                      <a:prstDash val="solid"/>
+                    </a:lnBlToTr>
+                    <a:noFill/>
+                  </a:tcPr>
+                </a:tc>
+                <a:tc>
+                  <a:txBody>
+                    <a:bodyPr/>
+                    <a:lstStyle/>
+                    <a:p>
+                      <a:endParaRPr lang="en-US">
+                        <a:solidFill>
+                          <a:schemeClr val="tx1"/>
+                        </a:solidFill>
+                      </a:endParaRPr>
+                    </a:p>
+                  </a:txBody>
+                  <a:tcPr>
+                    <a:lnL w="12700" cap="flat" cmpd="sng" algn="ctr">
+                      <a:solidFill>
+                        <a:srgbClr val="0DD2ED"/>
+                      </a:solidFill>
+                      <a:prstDash val="solid"/>
+                      <a:round/>
+                      <a:headEnd type="none" w="med" len="med"/>
+                      <a:tailEnd type="none" w="med" len="med"/>
+                    </a:lnL>
+                    <a:lnR w="12700" cap="flat" cmpd="sng" algn="ctr">
+                      <a:solidFill>
+                        <a:srgbClr val="0DD2ED"/>
+                      </a:solidFill>
+                      <a:prstDash val="solid"/>
+                      <a:round/>
+                      <a:headEnd type="none" w="med" len="med"/>
+                      <a:tailEnd type="none" w="med" len="med"/>
+                    </a:lnR>
+                    <a:lnT w="12700" cap="flat" cmpd="sng" algn="ctr">
+                      <a:solidFill>
+                        <a:srgbClr val="0DD2ED"/>
+                      </a:solidFill>
+                      <a:prstDash val="solid"/>
+                      <a:round/>
+                      <a:headEnd type="none" w="med" len="med"/>
+                      <a:tailEnd type="none" w="med" len="med"/>
+                    </a:lnT>
+                    <a:lnB w="12700" cap="flat" cmpd="sng" algn="ctr">
+                      <a:solidFill>
+                        <a:srgbClr val="0DD2ED"/>
+                      </a:solidFill>
+                      <a:prstDash val="solid"/>
+                      <a:round/>
+                      <a:headEnd type="none" w="med" len="med"/>
+                      <a:tailEnd type="none" w="med" len="med"/>
+                    </a:lnB>
+                    <a:lnTlToBr w="12700" cmpd="sng">
+                      <a:noFill/>
+                      <a:prstDash val="solid"/>
+                    </a:lnTlToBr>
+                    <a:lnBlToTr w="12700" cmpd="sng">
+                      <a:noFill/>
+                      <a:prstDash val="solid"/>
+                    </a:lnBlToTr>
+                    <a:noFill/>
+                  </a:tcPr>
+                </a:tc>
+                <a:tc>
+                  <a:txBody>
+                    <a:bodyPr/>
+                    <a:lstStyle/>
+                    <a:p>
+                      <a:endParaRPr lang="en-US">
+                        <a:solidFill>
+                          <a:schemeClr val="tx1"/>
+                        </a:solidFill>
+                      </a:endParaRPr>
+                    </a:p>
+                  </a:txBody>
+                  <a:tcPr>
+                    <a:lnL w="12700" cap="flat" cmpd="sng" algn="ctr">
+                      <a:solidFill>
+                        <a:srgbClr val="0DD2ED"/>
+                      </a:solidFill>
+                      <a:prstDash val="solid"/>
+                      <a:round/>
+                      <a:headEnd type="none" w="med" len="med"/>
+                      <a:tailEnd type="none" w="med" len="med"/>
+                    </a:lnL>
+                    <a:lnR w="12700" cap="flat" cmpd="sng" algn="ctr">
+                      <a:solidFill>
+                        <a:srgbClr val="0DD2ED"/>
+                      </a:solidFill>
+                      <a:prstDash val="solid"/>
+                      <a:round/>
+                      <a:headEnd type="none" w="med" len="med"/>
+                      <a:tailEnd type="none" w="med" len="med"/>
+                    </a:lnR>
+                    <a:lnT w="12700" cap="flat" cmpd="sng" algn="ctr">
+                      <a:solidFill>
+                        <a:srgbClr val="0DD2ED"/>
+                      </a:solidFill>
+                      <a:prstDash val="solid"/>
+                      <a:round/>
+                      <a:headEnd type="none" w="med" len="med"/>
+                      <a:tailEnd type="none" w="med" len="med"/>
+                    </a:lnT>
+                    <a:lnB w="12700" cap="flat" cmpd="sng" algn="ctr">
+                      <a:solidFill>
+                        <a:srgbClr val="0DD2ED"/>
+                      </a:solidFill>
+                      <a:prstDash val="solid"/>
+                      <a:round/>
+                      <a:headEnd type="none" w="med" len="med"/>
+                      <a:tailEnd type="none" w="med" len="med"/>
+                    </a:lnB>
+                    <a:lnTlToBr w="12700" cmpd="sng">
+                      <a:noFill/>
+                      <a:prstDash val="solid"/>
+                    </a:lnTlToBr>
+                    <a:lnBlToTr w="12700" cmpd="sng">
+                      <a:noFill/>
+                      <a:prstDash val="solid"/>
+                    </a:lnBlToTr>
+                    <a:noFill/>
+                  </a:tcPr>
+                </a:tc>
+                <a:tc>
+                  <a:txBody>
+                    <a:bodyPr/>
+                    <a:lstStyle/>
+                    <a:p>
+                      <a:endParaRPr lang="en-US">
+                        <a:solidFill>
+                          <a:schemeClr val="tx1"/>
+                        </a:solidFill>
+                      </a:endParaRPr>
+                    </a:p>
+                  </a:txBody>
+                  <a:tcPr>
+                    <a:lnL w="12700" cap="flat" cmpd="sng" algn="ctr">
+                      <a:solidFill>
+                        <a:srgbClr val="0DD2ED"/>
+                      </a:solidFill>
+                      <a:prstDash val="solid"/>
+                      <a:round/>
+                      <a:headEnd type="none" w="med" len="med"/>
+                      <a:tailEnd type="none" w="med" len="med"/>
+                    </a:lnL>
+                    <a:lnR w="12700" cap="flat" cmpd="sng" algn="ctr">
+                      <a:solidFill>
+                        <a:srgbClr val="0DD2ED"/>
+                      </a:solidFill>
+                      <a:prstDash val="solid"/>
+                      <a:round/>
+                      <a:headEnd type="none" w="med" len="med"/>
+                      <a:tailEnd type="none" w="med" len="med"/>
+                    </a:lnR>
+                    <a:lnT w="12700" cap="flat" cmpd="sng" algn="ctr">
+                      <a:solidFill>
+                        <a:srgbClr val="0DD2ED"/>
+                      </a:solidFill>
+                      <a:prstDash val="solid"/>
+                      <a:round/>
+                      <a:headEnd type="none" w="med" len="med"/>
+                      <a:tailEnd type="none" w="med" len="med"/>
+                    </a:lnT>
+                    <a:lnB w="12700" cap="flat" cmpd="sng" algn="ctr">
+                      <a:solidFill>
+                        <a:srgbClr val="0DD2ED"/>
+                      </a:solidFill>
+                      <a:prstDash val="solid"/>
+                      <a:round/>
+                      <a:headEnd type="none" w="med" len="med"/>
+                      <a:tailEnd type="none" w="med" len="med"/>
+                    </a:lnB>
+                    <a:lnTlToBr w="12700" cmpd="sng">
+                      <a:noFill/>
+                      <a:prstDash val="solid"/>
+                    </a:lnTlToBr>
+                    <a:lnBlToTr w="12700" cmpd="sng">
+                      <a:noFill/>
+                      <a:prstDash val="solid"/>
+                    </a:lnBlToTr>
+                    <a:noFill/>
+                  </a:tcPr>
+                </a:tc>
+                <a:tc>
+                  <a:txBody>
+                    <a:bodyPr/>
+                    <a:lstStyle/>
+                    <a:p>
+                      <a:endParaRPr lang="en-US">
+                        <a:solidFill>
+                          <a:schemeClr val="tx1"/>
+                        </a:solidFill>
+                      </a:endParaRPr>
+                    </a:p>
+                  </a:txBody>
+                  <a:tcPr>
+                    <a:lnL w="12700" cap="flat" cmpd="sng" algn="ctr">
+                      <a:solidFill>
+                        <a:srgbClr val="0DD2ED"/>
+                      </a:solidFill>
+                      <a:prstDash val="solid"/>
+                      <a:round/>
+                      <a:headEnd type="none" w="med" len="med"/>
+                      <a:tailEnd type="none" w="med" len="med"/>
+                    </a:lnL>
+                    <a:lnR w="12700" cap="flat" cmpd="sng" algn="ctr">
+                      <a:solidFill>
+                        <a:srgbClr val="0DD2ED"/>
+                      </a:solidFill>
+                      <a:prstDash val="solid"/>
+                      <a:round/>
+                      <a:headEnd type="none" w="med" len="med"/>
+                      <a:tailEnd type="none" w="med" len="med"/>
+                    </a:lnR>
+                    <a:lnT w="12700" cap="flat" cmpd="sng" algn="ctr">
+                      <a:solidFill>
+                        <a:srgbClr val="0DD2ED"/>
+                      </a:solidFill>
+                      <a:prstDash val="solid"/>
+                      <a:round/>
+                      <a:headEnd type="none" w="med" len="med"/>
+                      <a:tailEnd type="none" w="med" len="med"/>
+                    </a:lnT>
+                    <a:lnB w="12700" cap="flat" cmpd="sng" algn="ctr">
+                      <a:solidFill>
+                        <a:srgbClr val="0DD2ED"/>
+                      </a:solidFill>
+                      <a:prstDash val="solid"/>
+                      <a:round/>
+                      <a:headEnd type="none" w="med" len="med"/>
+                      <a:tailEnd type="none" w="med" len="med"/>
+                    </a:lnB>
+                    <a:lnTlToBr w="12700" cmpd="sng">
+                      <a:noFill/>
+                      <a:prstDash val="solid"/>
+                    </a:lnTlToBr>
+                    <a:lnBlToTr w="12700" cmpd="sng">
+                      <a:noFill/>
+                      <a:prstDash val="solid"/>
+                    </a:lnBlToTr>
+                    <a:noFill/>
+                  </a:tcPr>
+                </a:tc>
+                <a:tc>
+                  <a:txBody>
+                    <a:bodyPr/>
+                    <a:lstStyle/>
+                    <a:p>
+                      <a:endParaRPr lang="en-US">
+                        <a:solidFill>
+                          <a:schemeClr val="tx1"/>
+                        </a:solidFill>
+                      </a:endParaRPr>
+                    </a:p>
+                  </a:txBody>
+                  <a:tcPr>
+                    <a:lnL w="12700" cap="flat" cmpd="sng" algn="ctr">
+                      <a:solidFill>
+                        <a:srgbClr val="0DD2ED"/>
+                      </a:solidFill>
+                      <a:prstDash val="solid"/>
+                      <a:round/>
+                      <a:headEnd type="none" w="med" len="med"/>
+                      <a:tailEnd type="none" w="med" len="med"/>
+                    </a:lnL>
+                    <a:lnR w="12700" cap="flat" cmpd="sng" algn="ctr">
+                      <a:solidFill>
+                        <a:srgbClr val="0DD2ED"/>
+                      </a:solidFill>
+                      <a:prstDash val="solid"/>
+                      <a:round/>
+                      <a:headEnd type="none" w="med" len="med"/>
+                      <a:tailEnd type="none" w="med" len="med"/>
+                    </a:lnR>
+                    <a:lnT w="12700" cap="flat" cmpd="sng" algn="ctr">
+                      <a:solidFill>
+                        <a:srgbClr val="0DD2ED"/>
+                      </a:solidFill>
+                      <a:prstDash val="solid"/>
+                      <a:round/>
+                      <a:headEnd type="none" w="med" len="med"/>
+                      <a:tailEnd type="none" w="med" len="med"/>
+                    </a:lnT>
+                    <a:lnB w="12700" cap="flat" cmpd="sng" algn="ctr">
+                      <a:solidFill>
+                        <a:srgbClr val="0DD2ED"/>
+                      </a:solidFill>
+                      <a:prstDash val="solid"/>
+                      <a:round/>
+                      <a:headEnd type="none" w="med" len="med"/>
+                      <a:tailEnd type="none" w="med" len="med"/>
+                    </a:lnB>
+                    <a:lnTlToBr w="12700" cmpd="sng">
+                      <a:noFill/>
+                      <a:prstDash val="solid"/>
+                    </a:lnTlToBr>
+                    <a:lnBlToTr w="12700" cmpd="sng">
+                      <a:noFill/>
+                      <a:prstDash val="solid"/>
+                    </a:lnBlToTr>
+                    <a:noFill/>
+                  </a:tcPr>
+                </a:tc>
+                <a:tc>
+                  <a:txBody>
+                    <a:bodyPr/>
+                    <a:lstStyle/>
+                    <a:p>
+                      <a:endParaRPr lang="en-US">
+                        <a:solidFill>
+                          <a:schemeClr val="tx1"/>
+                        </a:solidFill>
+                      </a:endParaRPr>
+                    </a:p>
+                  </a:txBody>
+                  <a:tcPr>
+                    <a:lnL w="12700" cap="flat" cmpd="sng" algn="ctr">
+                      <a:solidFill>
+                        <a:srgbClr val="0DD2ED"/>
+                      </a:solidFill>
+                      <a:prstDash val="solid"/>
+                      <a:round/>
+                      <a:headEnd type="none" w="med" len="med"/>
+                      <a:tailEnd type="none" w="med" len="med"/>
+                    </a:lnL>
+                    <a:lnR w="12700" cap="flat" cmpd="sng" algn="ctr">
+                      <a:solidFill>
+                        <a:srgbClr val="0DD2ED"/>
+                      </a:solidFill>
+                      <a:prstDash val="solid"/>
+                      <a:round/>
+                      <a:headEnd type="none" w="med" len="med"/>
+                      <a:tailEnd type="none" w="med" len="med"/>
+                    </a:lnR>
+                    <a:lnT w="12700" cap="flat" cmpd="sng" algn="ctr">
+                      <a:solidFill>
+                        <a:srgbClr val="0DD2ED"/>
+                      </a:solidFill>
+                      <a:prstDash val="solid"/>
+                      <a:round/>
+                      <a:headEnd type="none" w="med" len="med"/>
+                      <a:tailEnd type="none" w="med" len="med"/>
+                    </a:lnT>
+                    <a:lnB w="12700" cap="flat" cmpd="sng" algn="ctr">
+                      <a:solidFill>
+                        <a:srgbClr val="0DD2ED"/>
+                      </a:solidFill>
+                      <a:prstDash val="solid"/>
+                      <a:round/>
+                      <a:headEnd type="none" w="med" len="med"/>
+                      <a:tailEnd type="none" w="med" len="med"/>
+                    </a:lnB>
+                    <a:lnTlToBr w="12700" cmpd="sng">
+                      <a:noFill/>
+                      <a:prstDash val="solid"/>
+                    </a:lnTlToBr>
+                    <a:lnBlToTr w="12700" cmpd="sng">
+                      <a:noFill/>
+                      <a:prstDash val="solid"/>
+                    </a:lnBlToTr>
+                    <a:noFill/>
+                  </a:tcPr>
+                </a:tc>
+                <a:tc>
+                  <a:txBody>
+                    <a:bodyPr/>
+                    <a:lstStyle/>
+                    <a:p>
+                      <a:endParaRPr lang="en-US">
+                        <a:solidFill>
+                          <a:schemeClr val="tx1"/>
+                        </a:solidFill>
+                      </a:endParaRPr>
+                    </a:p>
+                  </a:txBody>
+                  <a:tcPr>
+                    <a:lnL w="12700" cap="flat" cmpd="sng" algn="ctr">
+                      <a:solidFill>
+                        <a:srgbClr val="0DD2ED"/>
+                      </a:solidFill>
+                      <a:prstDash val="solid"/>
+                      <a:round/>
+                      <a:headEnd type="none" w="med" len="med"/>
+                      <a:tailEnd type="none" w="med" len="med"/>
+                    </a:lnL>
+                    <a:lnR w="12700" cap="flat" cmpd="sng" algn="ctr">
+                      <a:solidFill>
+                        <a:srgbClr val="0DD2ED"/>
+                      </a:solidFill>
+                      <a:prstDash val="solid"/>
+                      <a:round/>
+                      <a:headEnd type="none" w="med" len="med"/>
+                      <a:tailEnd type="none" w="med" len="med"/>
+                    </a:lnR>
+                    <a:lnT w="12700" cap="flat" cmpd="sng" algn="ctr">
+                      <a:solidFill>
+                        <a:srgbClr val="0DD2ED"/>
+                      </a:solidFill>
+                      <a:prstDash val="solid"/>
+                      <a:round/>
+                      <a:headEnd type="none" w="med" len="med"/>
+                      <a:tailEnd type="none" w="med" len="med"/>
+                    </a:lnT>
+                    <a:lnB w="12700" cap="flat" cmpd="sng" algn="ctr">
+                      <a:solidFill>
+                        <a:srgbClr val="0DD2ED"/>
+                      </a:solidFill>
+                      <a:prstDash val="solid"/>
+                      <a:round/>
+                      <a:headEnd type="none" w="med" len="med"/>
+                      <a:tailEnd type="none" w="med" len="med"/>
+                    </a:lnB>
+                    <a:lnTlToBr w="12700" cmpd="sng">
+                      <a:noFill/>
+                      <a:prstDash val="solid"/>
+                    </a:lnTlToBr>
+                    <a:lnBlToTr w="12700" cmpd="sng">
+                      <a:noFill/>
+                      <a:prstDash val="solid"/>
+                    </a:lnBlToTr>
+                    <a:noFill/>
+                  </a:tcPr>
+                </a:tc>
+                <a:tc>
+                  <a:txBody>
+                    <a:bodyPr/>
+                    <a:lstStyle/>
+                    <a:p>
+                      <a:endParaRPr lang="en-US">
+                        <a:solidFill>
+                          <a:schemeClr val="tx1"/>
+                        </a:solidFill>
+                      </a:endParaRPr>
+                    </a:p>
+                  </a:txBody>
+                  <a:tcPr>
+                    <a:lnL w="12700" cap="flat" cmpd="sng" algn="ctr">
+                      <a:solidFill>
+                        <a:srgbClr val="0DD2ED"/>
+                      </a:solidFill>
+                      <a:prstDash val="solid"/>
+                      <a:round/>
+                      <a:headEnd type="none" w="med" len="med"/>
+                      <a:tailEnd type="none" w="med" len="med"/>
+                    </a:lnL>
+                    <a:lnR w="12700" cap="flat" cmpd="sng" algn="ctr">
+                      <a:solidFill>
+                        <a:srgbClr val="0DD2ED"/>
+                      </a:solidFill>
+                      <a:prstDash val="solid"/>
+                      <a:round/>
+                      <a:headEnd type="none" w="med" len="med"/>
+                      <a:tailEnd type="none" w="med" len="med"/>
+                    </a:lnR>
+                    <a:lnT w="12700" cap="flat" cmpd="sng" algn="ctr">
+                      <a:solidFill>
+                        <a:srgbClr val="0DD2ED"/>
+                      </a:solidFill>
+                      <a:prstDash val="solid"/>
+                      <a:round/>
+                      <a:headEnd type="none" w="med" len="med"/>
+                      <a:tailEnd type="none" w="med" len="med"/>
+                    </a:lnT>
+                    <a:lnB w="12700" cap="flat" cmpd="sng" algn="ctr">
+                      <a:solidFill>
+                        <a:srgbClr val="0DD2ED"/>
+                      </a:solidFill>
+                      <a:prstDash val="solid"/>
+                      <a:round/>
+                      <a:headEnd type="none" w="med" len="med"/>
+                      <a:tailEnd type="none" w="med" len="med"/>
+                    </a:lnB>
+                    <a:lnTlToBr w="12700" cmpd="sng">
+                      <a:noFill/>
+                      <a:prstDash val="solid"/>
+                    </a:lnTlToBr>
+                    <a:lnBlToTr w="12700" cmpd="sng">
+                      <a:noFill/>
+                      <a:prstDash val="solid"/>
+                    </a:lnBlToTr>
+                    <a:noFill/>
+                  </a:tcPr>
+                </a:tc>
+                <a:tc>
+                  <a:txBody>
+                    <a:bodyPr/>
+                    <a:lstStyle/>
+                    <a:p>
+                      <a:endParaRPr lang="en-US" dirty="0">
+                        <a:solidFill>
+                          <a:schemeClr val="tx1"/>
+                        </a:solidFill>
+                      </a:endParaRPr>
+                    </a:p>
+                  </a:txBody>
+                  <a:tcPr>
+                    <a:lnL w="12700" cap="flat" cmpd="sng" algn="ctr">
+                      <a:solidFill>
+                        <a:srgbClr val="0DD2ED"/>
+                      </a:solidFill>
+                      <a:prstDash val="solid"/>
+                      <a:round/>
+                      <a:headEnd type="none" w="med" len="med"/>
+                      <a:tailEnd type="none" w="med" len="med"/>
+                    </a:lnL>
+                    <a:lnR w="12700" cap="flat" cmpd="sng" algn="ctr">
+                      <a:noFill/>
+                      <a:prstDash val="solid"/>
+                      <a:round/>
+                      <a:headEnd type="none" w="med" len="med"/>
+                      <a:tailEnd type="none" w="med" len="med"/>
+                    </a:lnR>
+                    <a:lnT w="12700" cap="flat" cmpd="sng" algn="ctr">
+                      <a:solidFill>
+                        <a:srgbClr val="0DD2ED"/>
+                      </a:solidFill>
+                      <a:prstDash val="solid"/>
+                      <a:round/>
+                      <a:headEnd type="none" w="med" len="med"/>
+                      <a:tailEnd type="none" w="med" len="med"/>
+                    </a:lnT>
+                    <a:lnB w="12700" cap="flat" cmpd="sng" algn="ctr">
+                      <a:solidFill>
+                        <a:srgbClr val="0DD2ED"/>
+                      </a:solidFill>
+                      <a:prstDash val="solid"/>
+                      <a:round/>
+                      <a:headEnd type="none" w="med" len="med"/>
+                      <a:tailEnd type="none" w="med" len="med"/>
+                    </a:lnB>
+                    <a:lnTlToBr w="12700" cmpd="sng">
+                      <a:noFill/>
+                      <a:prstDash val="solid"/>
+                    </a:lnTlToBr>
+                    <a:lnBlToTr w="12700" cmpd="sng">
+                      <a:noFill/>
+                      <a:prstDash val="solid"/>
+                    </a:lnBlToTr>
+                    <a:noFill/>
+                  </a:tcPr>
+                </a:tc>
+                <a:extLst>
+                  <a:ext uri="{0D108BD9-81ED-4DB2-BD59-A6C34878D82A}">
+                    <a16:rowId xmlns:a16="http://schemas.microsoft.com/office/drawing/2014/main" val="29778704"/>
+                  </a:ext>
+                </a:extLst>
+              </a:tr>
+              <a:tr h="704203">
+                <a:tc>
+                  <a:txBody>
+                    <a:bodyPr/>
+                    <a:lstStyle/>
+                    <a:p>
+                      <a:endParaRPr lang="en-US">
+                        <a:solidFill>
+                          <a:schemeClr val="tx1"/>
+                        </a:solidFill>
+                      </a:endParaRPr>
+                    </a:p>
+                  </a:txBody>
+                  <a:tcPr>
+                    <a:lnL w="12700" cap="flat" cmpd="sng" algn="ctr">
+                      <a:noFill/>
+                      <a:prstDash val="solid"/>
+                      <a:round/>
+                      <a:headEnd type="none" w="med" len="med"/>
+                      <a:tailEnd type="none" w="med" len="med"/>
+                    </a:lnL>
+                    <a:lnR w="12700" cap="flat" cmpd="sng" algn="ctr">
+                      <a:solidFill>
+                        <a:srgbClr val="0DD2ED"/>
+                      </a:solidFill>
+                      <a:prstDash val="solid"/>
+                      <a:round/>
+                      <a:headEnd type="none" w="med" len="med"/>
+                      <a:tailEnd type="none" w="med" len="med"/>
+                    </a:lnR>
+                    <a:lnT w="12700" cap="flat" cmpd="sng" algn="ctr">
+                      <a:solidFill>
+                        <a:srgbClr val="0DD2ED"/>
+                      </a:solidFill>
+                      <a:prstDash val="solid"/>
+                      <a:round/>
+                      <a:headEnd type="none" w="med" len="med"/>
+                      <a:tailEnd type="none" w="med" len="med"/>
+                    </a:lnT>
+                    <a:lnB w="12700" cap="flat" cmpd="sng" algn="ctr">
+                      <a:solidFill>
+                        <a:srgbClr val="0DD2ED"/>
+                      </a:solidFill>
+                      <a:prstDash val="solid"/>
+                      <a:round/>
+                      <a:headEnd type="none" w="med" len="med"/>
+                      <a:tailEnd type="none" w="med" len="med"/>
+                    </a:lnB>
+                    <a:lnTlToBr w="12700" cmpd="sng">
+                      <a:noFill/>
+                      <a:prstDash val="solid"/>
+                    </a:lnTlToBr>
+                    <a:lnBlToTr w="12700" cmpd="sng">
+                      <a:noFill/>
+                      <a:prstDash val="solid"/>
+                    </a:lnBlToTr>
+                    <a:noFill/>
+                  </a:tcPr>
+                </a:tc>
+                <a:tc>
+                  <a:txBody>
+                    <a:bodyPr/>
+                    <a:lstStyle/>
+                    <a:p>
+                      <a:endParaRPr lang="en-US">
+                        <a:solidFill>
+                          <a:schemeClr val="tx1"/>
+                        </a:solidFill>
+                      </a:endParaRPr>
+                    </a:p>
+                  </a:txBody>
+                  <a:tcPr>
+                    <a:lnL w="12700" cap="flat" cmpd="sng" algn="ctr">
+                      <a:solidFill>
+                        <a:srgbClr val="0DD2ED"/>
+                      </a:solidFill>
+                      <a:prstDash val="solid"/>
+                      <a:round/>
+                      <a:headEnd type="none" w="med" len="med"/>
+                      <a:tailEnd type="none" w="med" len="med"/>
+                    </a:lnL>
+                    <a:lnR w="12700" cap="flat" cmpd="sng" algn="ctr">
+                      <a:solidFill>
+                        <a:srgbClr val="0DD2ED"/>
+                      </a:solidFill>
+                      <a:prstDash val="solid"/>
+                      <a:round/>
+                      <a:headEnd type="none" w="med" len="med"/>
+                      <a:tailEnd type="none" w="med" len="med"/>
+                    </a:lnR>
+                    <a:lnT w="12700" cap="flat" cmpd="sng" algn="ctr">
+                      <a:solidFill>
+                        <a:srgbClr val="0DD2ED"/>
+                      </a:solidFill>
+                      <a:prstDash val="solid"/>
+                      <a:round/>
+                      <a:headEnd type="none" w="med" len="med"/>
+                      <a:tailEnd type="none" w="med" len="med"/>
+                    </a:lnT>
+                    <a:lnB w="12700" cap="flat" cmpd="sng" algn="ctr">
+                      <a:solidFill>
+                        <a:srgbClr val="0DD2ED"/>
+                      </a:solidFill>
+                      <a:prstDash val="solid"/>
+                      <a:round/>
+                      <a:headEnd type="none" w="med" len="med"/>
+                      <a:tailEnd type="none" w="med" len="med"/>
+                    </a:lnB>
+                    <a:lnTlToBr w="12700" cmpd="sng">
+                      <a:noFill/>
+                      <a:prstDash val="solid"/>
+                    </a:lnTlToBr>
+                    <a:lnBlToTr w="12700" cmpd="sng">
+                      <a:noFill/>
+                      <a:prstDash val="solid"/>
+                    </a:lnBlToTr>
+                    <a:noFill/>
+                  </a:tcPr>
+                </a:tc>
+                <a:tc>
+                  <a:txBody>
+                    <a:bodyPr/>
+                    <a:lstStyle/>
+                    <a:p>
+                      <a:endParaRPr lang="en-US">
+                        <a:solidFill>
+                          <a:schemeClr val="tx1"/>
+                        </a:solidFill>
+                      </a:endParaRPr>
+                    </a:p>
+                  </a:txBody>
+                  <a:tcPr>
+                    <a:lnL w="12700" cap="flat" cmpd="sng" algn="ctr">
+                      <a:solidFill>
+                        <a:srgbClr val="0DD2ED"/>
+                      </a:solidFill>
+                      <a:prstDash val="solid"/>
+                      <a:round/>
+                      <a:headEnd type="none" w="med" len="med"/>
+                      <a:tailEnd type="none" w="med" len="med"/>
+                    </a:lnL>
+                    <a:lnR w="12700" cap="flat" cmpd="sng" algn="ctr">
+                      <a:solidFill>
+                        <a:srgbClr val="0DD2ED"/>
+                      </a:solidFill>
+                      <a:prstDash val="solid"/>
+                      <a:round/>
+                      <a:headEnd type="none" w="med" len="med"/>
+                      <a:tailEnd type="none" w="med" len="med"/>
+                    </a:lnR>
+                    <a:lnT w="12700" cap="flat" cmpd="sng" algn="ctr">
+                      <a:solidFill>
+                        <a:srgbClr val="0DD2ED"/>
+                      </a:solidFill>
+                      <a:prstDash val="solid"/>
+                      <a:round/>
+                      <a:headEnd type="none" w="med" len="med"/>
+                      <a:tailEnd type="none" w="med" len="med"/>
+                    </a:lnT>
+                    <a:lnB w="12700" cap="flat" cmpd="sng" algn="ctr">
+                      <a:solidFill>
+                        <a:srgbClr val="0DD2ED"/>
+                      </a:solidFill>
+                      <a:prstDash val="solid"/>
+                      <a:round/>
+                      <a:headEnd type="none" w="med" len="med"/>
+                      <a:tailEnd type="none" w="med" len="med"/>
+                    </a:lnB>
+                    <a:lnTlToBr w="12700" cmpd="sng">
+                      <a:noFill/>
+                      <a:prstDash val="solid"/>
+                    </a:lnTlToBr>
+                    <a:lnBlToTr w="12700" cmpd="sng">
+                      <a:noFill/>
+                      <a:prstDash val="solid"/>
+                    </a:lnBlToTr>
+                    <a:noFill/>
+                  </a:tcPr>
+                </a:tc>
+                <a:tc>
+                  <a:txBody>
+                    <a:bodyPr/>
+                    <a:lstStyle/>
+                    <a:p>
+                      <a:endParaRPr lang="en-US">
+                        <a:solidFill>
+                          <a:schemeClr val="tx1"/>
+                        </a:solidFill>
+                      </a:endParaRPr>
+                    </a:p>
+                  </a:txBody>
+                  <a:tcPr>
+                    <a:lnL w="12700" cap="flat" cmpd="sng" algn="ctr">
+                      <a:solidFill>
+                        <a:srgbClr val="0DD2ED"/>
+                      </a:solidFill>
+                      <a:prstDash val="solid"/>
+                      <a:round/>
+                      <a:headEnd type="none" w="med" len="med"/>
+                      <a:tailEnd type="none" w="med" len="med"/>
+                    </a:lnL>
+                    <a:lnR w="12700" cap="flat" cmpd="sng" algn="ctr">
+                      <a:solidFill>
+                        <a:srgbClr val="0DD2ED"/>
+                      </a:solidFill>
+                      <a:prstDash val="solid"/>
+                      <a:round/>
+                      <a:headEnd type="none" w="med" len="med"/>
+                      <a:tailEnd type="none" w="med" len="med"/>
+                    </a:lnR>
+                    <a:lnT w="12700" cap="flat" cmpd="sng" algn="ctr">
+                      <a:solidFill>
+                        <a:srgbClr val="0DD2ED"/>
+                      </a:solidFill>
+                      <a:prstDash val="solid"/>
+                      <a:round/>
+                      <a:headEnd type="none" w="med" len="med"/>
+                      <a:tailEnd type="none" w="med" len="med"/>
+                    </a:lnT>
+                    <a:lnB w="12700" cap="flat" cmpd="sng" algn="ctr">
+                      <a:solidFill>
+                        <a:srgbClr val="0DD2ED"/>
+                      </a:solidFill>
+                      <a:prstDash val="solid"/>
+                      <a:round/>
+                      <a:headEnd type="none" w="med" len="med"/>
+                      <a:tailEnd type="none" w="med" len="med"/>
+                    </a:lnB>
+                    <a:lnTlToBr w="12700" cmpd="sng">
+                      <a:noFill/>
+                      <a:prstDash val="solid"/>
+                    </a:lnTlToBr>
+                    <a:lnBlToTr w="12700" cmpd="sng">
+                      <a:noFill/>
+                      <a:prstDash val="solid"/>
+                    </a:lnBlToTr>
+                    <a:noFill/>
+                  </a:tcPr>
+                </a:tc>
+                <a:tc>
+                  <a:txBody>
+                    <a:bodyPr/>
+                    <a:lstStyle/>
+                    <a:p>
+                      <a:endParaRPr lang="en-US">
+                        <a:solidFill>
+                          <a:schemeClr val="tx1"/>
+                        </a:solidFill>
+                      </a:endParaRPr>
+                    </a:p>
+                  </a:txBody>
+                  <a:tcPr>
+                    <a:lnL w="12700" cap="flat" cmpd="sng" algn="ctr">
+                      <a:solidFill>
+                        <a:srgbClr val="0DD2ED"/>
+                      </a:solidFill>
+                      <a:prstDash val="solid"/>
+                      <a:round/>
+                      <a:headEnd type="none" w="med" len="med"/>
+                      <a:tailEnd type="none" w="med" len="med"/>
+                    </a:lnL>
+                    <a:lnR w="12700" cap="flat" cmpd="sng" algn="ctr">
+                      <a:solidFill>
+                        <a:srgbClr val="0DD2ED"/>
+                      </a:solidFill>
+                      <a:prstDash val="solid"/>
+                      <a:round/>
+                      <a:headEnd type="none" w="med" len="med"/>
+                      <a:tailEnd type="none" w="med" len="med"/>
+                    </a:lnR>
+                    <a:lnT w="12700" cap="flat" cmpd="sng" algn="ctr">
+                      <a:solidFill>
+                        <a:srgbClr val="0DD2ED"/>
+                      </a:solidFill>
+                      <a:prstDash val="solid"/>
+                      <a:round/>
+                      <a:headEnd type="none" w="med" len="med"/>
+                      <a:tailEnd type="none" w="med" len="med"/>
+                    </a:lnT>
+                    <a:lnB w="12700" cap="flat" cmpd="sng" algn="ctr">
+                      <a:solidFill>
+                        <a:srgbClr val="0DD2ED"/>
+                      </a:solidFill>
+                      <a:prstDash val="solid"/>
+                      <a:round/>
+                      <a:headEnd type="none" w="med" len="med"/>
+                      <a:tailEnd type="none" w="med" len="med"/>
+                    </a:lnB>
+                    <a:lnTlToBr w="12700" cmpd="sng">
+                      <a:noFill/>
+                      <a:prstDash val="solid"/>
+                    </a:lnTlToBr>
+                    <a:lnBlToTr w="12700" cmpd="sng">
+                      <a:noFill/>
+                      <a:prstDash val="solid"/>
+                    </a:lnBlToTr>
+                    <a:noFill/>
+                  </a:tcPr>
+                </a:tc>
+                <a:tc>
+                  <a:txBody>
+                    <a:bodyPr/>
+                    <a:lstStyle/>
+                    <a:p>
+                      <a:endParaRPr lang="en-US">
+                        <a:solidFill>
+                          <a:schemeClr val="tx1"/>
+                        </a:solidFill>
+                      </a:endParaRPr>
+                    </a:p>
+                  </a:txBody>
+                  <a:tcPr>
+                    <a:lnL w="12700" cap="flat" cmpd="sng" algn="ctr">
+                      <a:solidFill>
+                        <a:srgbClr val="0DD2ED"/>
+                      </a:solidFill>
+                      <a:prstDash val="solid"/>
+                      <a:round/>
+                      <a:headEnd type="none" w="med" len="med"/>
+                      <a:tailEnd type="none" w="med" len="med"/>
+                    </a:lnL>
+                    <a:lnR w="12700" cap="flat" cmpd="sng" algn="ctr">
+                      <a:solidFill>
+                        <a:srgbClr val="0DD2ED"/>
+                      </a:solidFill>
+                      <a:prstDash val="solid"/>
+                      <a:round/>
+                      <a:headEnd type="none" w="med" len="med"/>
+                      <a:tailEnd type="none" w="med" len="med"/>
+                    </a:lnR>
+                    <a:lnT w="12700" cap="flat" cmpd="sng" algn="ctr">
+                      <a:solidFill>
+                        <a:srgbClr val="0DD2ED"/>
+                      </a:solidFill>
+                      <a:prstDash val="solid"/>
+                      <a:round/>
+                      <a:headEnd type="none" w="med" len="med"/>
+                      <a:tailEnd type="none" w="med" len="med"/>
+                    </a:lnT>
+                    <a:lnB w="12700" cap="flat" cmpd="sng" algn="ctr">
+                      <a:solidFill>
+                        <a:srgbClr val="0DD2ED"/>
+                      </a:solidFill>
+                      <a:prstDash val="solid"/>
+                      <a:round/>
+                      <a:headEnd type="none" w="med" len="med"/>
+                      <a:tailEnd type="none" w="med" len="med"/>
+                    </a:lnB>
+                    <a:lnTlToBr w="12700" cmpd="sng">
+                      <a:noFill/>
+                      <a:prstDash val="solid"/>
+                    </a:lnTlToBr>
+                    <a:lnBlToTr w="12700" cmpd="sng">
+                      <a:noFill/>
+                      <a:prstDash val="solid"/>
+                    </a:lnBlToTr>
+                    <a:noFill/>
+                  </a:tcPr>
+                </a:tc>
+                <a:tc>
+                  <a:txBody>
+                    <a:bodyPr/>
+                    <a:lstStyle/>
+                    <a:p>
+                      <a:endParaRPr lang="en-US">
+                        <a:solidFill>
+                          <a:schemeClr val="tx1"/>
+                        </a:solidFill>
+                      </a:endParaRPr>
+                    </a:p>
+                  </a:txBody>
+                  <a:tcPr>
+                    <a:lnL w="12700" cap="flat" cmpd="sng" algn="ctr">
+                      <a:solidFill>
+                        <a:srgbClr val="0DD2ED"/>
+                      </a:solidFill>
+                      <a:prstDash val="solid"/>
+                      <a:round/>
+                      <a:headEnd type="none" w="med" len="med"/>
+                      <a:tailEnd type="none" w="med" len="med"/>
+                    </a:lnL>
+                    <a:lnR w="12700" cap="flat" cmpd="sng" algn="ctr">
+                      <a:solidFill>
+                        <a:srgbClr val="0DD2ED"/>
+                      </a:solidFill>
+                      <a:prstDash val="solid"/>
+                      <a:round/>
+                      <a:headEnd type="none" w="med" len="med"/>
+                      <a:tailEnd type="none" w="med" len="med"/>
+                    </a:lnR>
+                    <a:lnT w="12700" cap="flat" cmpd="sng" algn="ctr">
+                      <a:solidFill>
+                        <a:srgbClr val="0DD2ED"/>
+                      </a:solidFill>
+                      <a:prstDash val="solid"/>
+                      <a:round/>
+                      <a:headEnd type="none" w="med" len="med"/>
+                      <a:tailEnd type="none" w="med" len="med"/>
+                    </a:lnT>
+                    <a:lnB w="12700" cap="flat" cmpd="sng" algn="ctr">
+                      <a:solidFill>
+                        <a:srgbClr val="0DD2ED"/>
+                      </a:solidFill>
+                      <a:prstDash val="solid"/>
+                      <a:round/>
+                      <a:headEnd type="none" w="med" len="med"/>
+                      <a:tailEnd type="none" w="med" len="med"/>
+                    </a:lnB>
+                    <a:lnTlToBr w="12700" cmpd="sng">
+                      <a:noFill/>
+                      <a:prstDash val="solid"/>
+                    </a:lnTlToBr>
+                    <a:lnBlToTr w="12700" cmpd="sng">
+                      <a:noFill/>
+                      <a:prstDash val="solid"/>
+                    </a:lnBlToTr>
+                    <a:noFill/>
+                  </a:tcPr>
+                </a:tc>
+                <a:tc>
+                  <a:txBody>
+                    <a:bodyPr/>
+                    <a:lstStyle/>
+                    <a:p>
+                      <a:endParaRPr lang="en-US">
+                        <a:solidFill>
+                          <a:schemeClr val="tx1"/>
+                        </a:solidFill>
+                      </a:endParaRPr>
+                    </a:p>
+                  </a:txBody>
+                  <a:tcPr>
+                    <a:lnL w="12700" cap="flat" cmpd="sng" algn="ctr">
+                      <a:solidFill>
+                        <a:srgbClr val="0DD2ED"/>
+                      </a:solidFill>
+                      <a:prstDash val="solid"/>
+                      <a:round/>
+                      <a:headEnd type="none" w="med" len="med"/>
+                      <a:tailEnd type="none" w="med" len="med"/>
+                    </a:lnL>
+                    <a:lnR w="12700" cap="flat" cmpd="sng" algn="ctr">
+                      <a:solidFill>
+                        <a:srgbClr val="0DD2ED"/>
+                      </a:solidFill>
+                      <a:prstDash val="solid"/>
+                      <a:round/>
+                      <a:headEnd type="none" w="med" len="med"/>
+                      <a:tailEnd type="none" w="med" len="med"/>
+                    </a:lnR>
+                    <a:lnT w="12700" cap="flat" cmpd="sng" algn="ctr">
+                      <a:solidFill>
+                        <a:srgbClr val="0DD2ED"/>
+                      </a:solidFill>
+                      <a:prstDash val="solid"/>
+                      <a:round/>
+                      <a:headEnd type="none" w="med" len="med"/>
+                      <a:tailEnd type="none" w="med" len="med"/>
+                    </a:lnT>
+                    <a:lnB w="12700" cap="flat" cmpd="sng" algn="ctr">
+                      <a:solidFill>
+                        <a:srgbClr val="0DD2ED"/>
+                      </a:solidFill>
+                      <a:prstDash val="solid"/>
+                      <a:round/>
+                      <a:headEnd type="none" w="med" len="med"/>
+                      <a:tailEnd type="none" w="med" len="med"/>
+                    </a:lnB>
+                    <a:lnTlToBr w="12700" cmpd="sng">
+                      <a:noFill/>
+                      <a:prstDash val="solid"/>
+                    </a:lnTlToBr>
+                    <a:lnBlToTr w="12700" cmpd="sng">
+                      <a:noFill/>
+                      <a:prstDash val="solid"/>
+                    </a:lnBlToTr>
+                    <a:noFill/>
+                  </a:tcPr>
+                </a:tc>
+                <a:tc>
+                  <a:txBody>
+                    <a:bodyPr/>
+                    <a:lstStyle/>
+                    <a:p>
+                      <a:endParaRPr lang="en-US" dirty="0">
+                        <a:solidFill>
+                          <a:schemeClr val="tx1"/>
+                        </a:solidFill>
+                      </a:endParaRPr>
+                    </a:p>
+                  </a:txBody>
+                  <a:tcPr>
+                    <a:lnL w="12700" cap="flat" cmpd="sng" algn="ctr">
+                      <a:solidFill>
+                        <a:srgbClr val="0DD2ED"/>
+                      </a:solidFill>
+                      <a:prstDash val="solid"/>
+                      <a:round/>
+                      <a:headEnd type="none" w="med" len="med"/>
+                      <a:tailEnd type="none" w="med" len="med"/>
+                    </a:lnL>
+                    <a:lnR w="12700" cap="flat" cmpd="sng" algn="ctr">
+                      <a:solidFill>
+                        <a:srgbClr val="0DD2ED"/>
+                      </a:solidFill>
+                      <a:prstDash val="solid"/>
+                      <a:round/>
+                      <a:headEnd type="none" w="med" len="med"/>
+                      <a:tailEnd type="none" w="med" len="med"/>
+                    </a:lnR>
+                    <a:lnT w="12700" cap="flat" cmpd="sng" algn="ctr">
+                      <a:solidFill>
+                        <a:srgbClr val="0DD2ED"/>
+                      </a:solidFill>
+                      <a:prstDash val="solid"/>
+                      <a:round/>
+                      <a:headEnd type="none" w="med" len="med"/>
+                      <a:tailEnd type="none" w="med" len="med"/>
+                    </a:lnT>
+                    <a:lnB w="12700" cap="flat" cmpd="sng" algn="ctr">
+                      <a:solidFill>
+                        <a:srgbClr val="0DD2ED"/>
+                      </a:solidFill>
+                      <a:prstDash val="solid"/>
+                      <a:round/>
+                      <a:headEnd type="none" w="med" len="med"/>
+                      <a:tailEnd type="none" w="med" len="med"/>
+                    </a:lnB>
+                    <a:lnTlToBr w="12700" cmpd="sng">
+                      <a:noFill/>
+                      <a:prstDash val="solid"/>
+                    </a:lnTlToBr>
+                    <a:lnBlToTr w="12700" cmpd="sng">
+                      <a:noFill/>
+                      <a:prstDash val="solid"/>
+                    </a:lnBlToTr>
+                    <a:noFill/>
+                  </a:tcPr>
+                </a:tc>
+                <a:tc>
+                  <a:txBody>
+                    <a:bodyPr/>
+                    <a:lstStyle/>
+                    <a:p>
+                      <a:endParaRPr lang="en-US">
+                        <a:solidFill>
+                          <a:schemeClr val="tx1"/>
+                        </a:solidFill>
+                      </a:endParaRPr>
+                    </a:p>
+                  </a:txBody>
+                  <a:tcPr>
+                    <a:lnL w="12700" cap="flat" cmpd="sng" algn="ctr">
+                      <a:solidFill>
+                        <a:srgbClr val="0DD2ED"/>
+                      </a:solidFill>
+                      <a:prstDash val="solid"/>
+                      <a:round/>
+                      <a:headEnd type="none" w="med" len="med"/>
+                      <a:tailEnd type="none" w="med" len="med"/>
+                    </a:lnL>
+                    <a:lnR w="12700" cap="flat" cmpd="sng" algn="ctr">
+                      <a:noFill/>
+                      <a:prstDash val="solid"/>
+                      <a:round/>
+                      <a:headEnd type="none" w="med" len="med"/>
+                      <a:tailEnd type="none" w="med" len="med"/>
+                    </a:lnR>
+                    <a:lnT w="12700" cap="flat" cmpd="sng" algn="ctr">
+                      <a:solidFill>
+                        <a:srgbClr val="0DD2ED"/>
+                      </a:solidFill>
+                      <a:prstDash val="solid"/>
+                      <a:round/>
+                      <a:headEnd type="none" w="med" len="med"/>
+                      <a:tailEnd type="none" w="med" len="med"/>
+                    </a:lnT>
+                    <a:lnB w="12700" cap="flat" cmpd="sng" algn="ctr">
+                      <a:solidFill>
+                        <a:srgbClr val="0DD2ED"/>
+                      </a:solidFill>
+                      <a:prstDash val="solid"/>
+                      <a:round/>
+                      <a:headEnd type="none" w="med" len="med"/>
+                      <a:tailEnd type="none" w="med" len="med"/>
+                    </a:lnB>
+                    <a:lnTlToBr w="12700" cmpd="sng">
+                      <a:noFill/>
+                      <a:prstDash val="solid"/>
+                    </a:lnTlToBr>
+                    <a:lnBlToTr w="12700" cmpd="sng">
+                      <a:noFill/>
+                      <a:prstDash val="solid"/>
+                    </a:lnBlToTr>
+                    <a:noFill/>
+                  </a:tcPr>
+                </a:tc>
+                <a:extLst>
+                  <a:ext uri="{0D108BD9-81ED-4DB2-BD59-A6C34878D82A}">
+                    <a16:rowId xmlns:a16="http://schemas.microsoft.com/office/drawing/2014/main" val="3528245346"/>
+                  </a:ext>
+                </a:extLst>
+              </a:tr>
+              <a:tr h="704203">
+                <a:tc>
+                  <a:txBody>
+                    <a:bodyPr/>
+                    <a:lstStyle/>
+                    <a:p>
+                      <a:endParaRPr lang="en-US">
+                        <a:solidFill>
+                          <a:schemeClr val="tx1"/>
+                        </a:solidFill>
+                      </a:endParaRPr>
+                    </a:p>
+                  </a:txBody>
+                  <a:tcPr>
+                    <a:lnL w="12700" cap="flat" cmpd="sng" algn="ctr">
+                      <a:noFill/>
+                      <a:prstDash val="solid"/>
+                      <a:round/>
+                      <a:headEnd type="none" w="med" len="med"/>
+                      <a:tailEnd type="none" w="med" len="med"/>
+                    </a:lnL>
+                    <a:lnR w="12700" cap="flat" cmpd="sng" algn="ctr">
+                      <a:solidFill>
+                        <a:srgbClr val="0DD2ED"/>
+                      </a:solidFill>
+                      <a:prstDash val="solid"/>
+                      <a:round/>
+                      <a:headEnd type="none" w="med" len="med"/>
+                      <a:tailEnd type="none" w="med" len="med"/>
+                    </a:lnR>
+                    <a:lnT w="12700" cap="flat" cmpd="sng" algn="ctr">
+                      <a:solidFill>
+                        <a:srgbClr val="0DD2ED"/>
+                      </a:solidFill>
+                      <a:prstDash val="solid"/>
+                      <a:round/>
+                      <a:headEnd type="none" w="med" len="med"/>
+                      <a:tailEnd type="none" w="med" len="med"/>
+                    </a:lnT>
+                    <a:lnB w="12700" cap="flat" cmpd="sng" algn="ctr">
+                      <a:noFill/>
+                      <a:prstDash val="solid"/>
+                      <a:round/>
+                      <a:headEnd type="none" w="med" len="med"/>
+                      <a:tailEnd type="none" w="med" len="med"/>
+                    </a:lnB>
+                    <a:lnTlToBr w="12700" cmpd="sng">
+                      <a:noFill/>
+                      <a:prstDash val="solid"/>
+                    </a:lnTlToBr>
+                    <a:lnBlToTr w="12700" cmpd="sng">
+                      <a:noFill/>
+                      <a:prstDash val="solid"/>
+                    </a:lnBlToTr>
+                    <a:noFill/>
+                  </a:tcPr>
+                </a:tc>
+                <a:tc>
+                  <a:txBody>
+                    <a:bodyPr/>
+                    <a:lstStyle/>
+                    <a:p>
+                      <a:endParaRPr lang="en-US">
+                        <a:solidFill>
+                          <a:schemeClr val="tx1"/>
+                        </a:solidFill>
+                      </a:endParaRPr>
+                    </a:p>
+                  </a:txBody>
+                  <a:tcPr>
+                    <a:lnL w="12700" cap="flat" cmpd="sng" algn="ctr">
+                      <a:solidFill>
+                        <a:srgbClr val="0DD2ED"/>
+                      </a:solidFill>
+                      <a:prstDash val="solid"/>
+                      <a:round/>
+                      <a:headEnd type="none" w="med" len="med"/>
+                      <a:tailEnd type="none" w="med" len="med"/>
+                    </a:lnL>
+                    <a:lnR w="12700" cap="flat" cmpd="sng" algn="ctr">
+                      <a:solidFill>
+                        <a:srgbClr val="0DD2ED"/>
+                      </a:solidFill>
+                      <a:prstDash val="solid"/>
+                      <a:round/>
+                      <a:headEnd type="none" w="med" len="med"/>
+                      <a:tailEnd type="none" w="med" len="med"/>
+                    </a:lnR>
+                    <a:lnT w="12700" cap="flat" cmpd="sng" algn="ctr">
+                      <a:solidFill>
+                        <a:srgbClr val="0DD2ED"/>
+                      </a:solidFill>
+                      <a:prstDash val="solid"/>
+                      <a:round/>
+                      <a:headEnd type="none" w="med" len="med"/>
+                      <a:tailEnd type="none" w="med" len="med"/>
+                    </a:lnT>
+                    <a:lnB w="12700" cap="flat" cmpd="sng" algn="ctr">
+                      <a:noFill/>
+                      <a:prstDash val="solid"/>
+                      <a:round/>
+                      <a:headEnd type="none" w="med" len="med"/>
+                      <a:tailEnd type="none" w="med" len="med"/>
+                    </a:lnB>
+                    <a:lnTlToBr w="12700" cmpd="sng">
+                      <a:noFill/>
+                      <a:prstDash val="solid"/>
+                    </a:lnTlToBr>
+                    <a:lnBlToTr w="12700" cmpd="sng">
+                      <a:noFill/>
+                      <a:prstDash val="solid"/>
+                    </a:lnBlToTr>
+                    <a:noFill/>
+                  </a:tcPr>
+                </a:tc>
+                <a:tc>
+                  <a:txBody>
+                    <a:bodyPr/>
+                    <a:lstStyle/>
+                    <a:p>
+                      <a:endParaRPr lang="en-US">
+                        <a:solidFill>
+                          <a:schemeClr val="tx1"/>
+                        </a:solidFill>
+                      </a:endParaRPr>
+                    </a:p>
+                  </a:txBody>
+                  <a:tcPr>
+                    <a:lnL w="12700" cap="flat" cmpd="sng" algn="ctr">
+                      <a:solidFill>
+                        <a:srgbClr val="0DD2ED"/>
+                      </a:solidFill>
+                      <a:prstDash val="solid"/>
+                      <a:round/>
+                      <a:headEnd type="none" w="med" len="med"/>
+                      <a:tailEnd type="none" w="med" len="med"/>
+                    </a:lnL>
+                    <a:lnR w="12700" cap="flat" cmpd="sng" algn="ctr">
+                      <a:solidFill>
+                        <a:srgbClr val="0DD2ED"/>
+                      </a:solidFill>
+                      <a:prstDash val="solid"/>
+                      <a:round/>
+                      <a:headEnd type="none" w="med" len="med"/>
+                      <a:tailEnd type="none" w="med" len="med"/>
+                    </a:lnR>
+                    <a:lnT w="12700" cap="flat" cmpd="sng" algn="ctr">
+                      <a:solidFill>
+                        <a:srgbClr val="0DD2ED"/>
+                      </a:solidFill>
+                      <a:prstDash val="solid"/>
+                      <a:round/>
+                      <a:headEnd type="none" w="med" len="med"/>
+                      <a:tailEnd type="none" w="med" len="med"/>
+                    </a:lnT>
+                    <a:lnB w="12700" cap="flat" cmpd="sng" algn="ctr">
+                      <a:noFill/>
+                      <a:prstDash val="solid"/>
+                      <a:round/>
+                      <a:headEnd type="none" w="med" len="med"/>
+                      <a:tailEnd type="none" w="med" len="med"/>
+                    </a:lnB>
+                    <a:lnTlToBr w="12700" cmpd="sng">
+                      <a:noFill/>
+                      <a:prstDash val="solid"/>
+                    </a:lnTlToBr>
+                    <a:lnBlToTr w="12700" cmpd="sng">
+                      <a:noFill/>
+                      <a:prstDash val="solid"/>
+                    </a:lnBlToTr>
+                    <a:noFill/>
+                  </a:tcPr>
+                </a:tc>
+                <a:tc>
+                  <a:txBody>
+                    <a:bodyPr/>
+                    <a:lstStyle/>
+                    <a:p>
+                      <a:endParaRPr lang="en-US">
+                        <a:solidFill>
+                          <a:schemeClr val="tx1"/>
+                        </a:solidFill>
+                      </a:endParaRPr>
+                    </a:p>
+                  </a:txBody>
+                  <a:tcPr>
+                    <a:lnL w="12700" cap="flat" cmpd="sng" algn="ctr">
+                      <a:solidFill>
+                        <a:srgbClr val="0DD2ED"/>
+                      </a:solidFill>
+                      <a:prstDash val="solid"/>
+                      <a:round/>
+                      <a:headEnd type="none" w="med" len="med"/>
+                      <a:tailEnd type="none" w="med" len="med"/>
+                    </a:lnL>
+                    <a:lnR w="12700" cap="flat" cmpd="sng" algn="ctr">
+                      <a:solidFill>
+                        <a:srgbClr val="0DD2ED"/>
+                      </a:solidFill>
+                      <a:prstDash val="solid"/>
+                      <a:round/>
+                      <a:headEnd type="none" w="med" len="med"/>
+                      <a:tailEnd type="none" w="med" len="med"/>
+                    </a:lnR>
+                    <a:lnT w="12700" cap="flat" cmpd="sng" algn="ctr">
+                      <a:solidFill>
+                        <a:srgbClr val="0DD2ED"/>
+                      </a:solidFill>
+                      <a:prstDash val="solid"/>
+                      <a:round/>
+                      <a:headEnd type="none" w="med" len="med"/>
+                      <a:tailEnd type="none" w="med" len="med"/>
+                    </a:lnT>
+                    <a:lnB w="12700" cap="flat" cmpd="sng" algn="ctr">
+                      <a:noFill/>
+                      <a:prstDash val="solid"/>
+                      <a:round/>
+                      <a:headEnd type="none" w="med" len="med"/>
+                      <a:tailEnd type="none" w="med" len="med"/>
+                    </a:lnB>
+                    <a:lnTlToBr w="12700" cmpd="sng">
+                      <a:noFill/>
+                      <a:prstDash val="solid"/>
+                    </a:lnTlToBr>
+                    <a:lnBlToTr w="12700" cmpd="sng">
+                      <a:noFill/>
+                      <a:prstDash val="solid"/>
+                    </a:lnBlToTr>
+                    <a:noFill/>
+                  </a:tcPr>
+                </a:tc>
+                <a:tc>
+                  <a:txBody>
+                    <a:bodyPr/>
+                    <a:lstStyle/>
+                    <a:p>
+                      <a:endParaRPr lang="en-US">
+                        <a:solidFill>
+                          <a:schemeClr val="tx1"/>
+                        </a:solidFill>
+                      </a:endParaRPr>
+                    </a:p>
+                  </a:txBody>
+                  <a:tcPr>
+                    <a:lnL w="12700" cap="flat" cmpd="sng" algn="ctr">
+                      <a:solidFill>
+                        <a:srgbClr val="0DD2ED"/>
+                      </a:solidFill>
+                      <a:prstDash val="solid"/>
+                      <a:round/>
+                      <a:headEnd type="none" w="med" len="med"/>
+                      <a:tailEnd type="none" w="med" len="med"/>
+                    </a:lnL>
+                    <a:lnR w="12700" cap="flat" cmpd="sng" algn="ctr">
+                      <a:solidFill>
+                        <a:srgbClr val="0DD2ED"/>
+                      </a:solidFill>
+                      <a:prstDash val="solid"/>
+                      <a:round/>
+                      <a:headEnd type="none" w="med" len="med"/>
+                      <a:tailEnd type="none" w="med" len="med"/>
+                    </a:lnR>
+                    <a:lnT w="12700" cap="flat" cmpd="sng" algn="ctr">
+                      <a:solidFill>
+                        <a:srgbClr val="0DD2ED"/>
+                      </a:solidFill>
+                      <a:prstDash val="solid"/>
+                      <a:round/>
+                      <a:headEnd type="none" w="med" len="med"/>
+                      <a:tailEnd type="none" w="med" len="med"/>
+                    </a:lnT>
+                    <a:lnB w="12700" cap="flat" cmpd="sng" algn="ctr">
+                      <a:noFill/>
+                      <a:prstDash val="solid"/>
+                      <a:round/>
+                      <a:headEnd type="none" w="med" len="med"/>
+                      <a:tailEnd type="none" w="med" len="med"/>
+                    </a:lnB>
+                    <a:lnTlToBr w="12700" cmpd="sng">
+                      <a:noFill/>
+                      <a:prstDash val="solid"/>
+                    </a:lnTlToBr>
+                    <a:lnBlToTr w="12700" cmpd="sng">
+                      <a:noFill/>
+                      <a:prstDash val="solid"/>
+                    </a:lnBlToTr>
+                    <a:noFill/>
+                  </a:tcPr>
+                </a:tc>
+                <a:tc>
+                  <a:txBody>
+                    <a:bodyPr/>
+                    <a:lstStyle/>
+                    <a:p>
+                      <a:endParaRPr lang="en-US">
+                        <a:solidFill>
+                          <a:schemeClr val="tx1"/>
+                        </a:solidFill>
+                      </a:endParaRPr>
+                    </a:p>
+                  </a:txBody>
+                  <a:tcPr>
+                    <a:lnL w="12700" cap="flat" cmpd="sng" algn="ctr">
+                      <a:solidFill>
+                        <a:srgbClr val="0DD2ED"/>
+                      </a:solidFill>
+                      <a:prstDash val="solid"/>
+                      <a:round/>
+                      <a:headEnd type="none" w="med" len="med"/>
+                      <a:tailEnd type="none" w="med" len="med"/>
+                    </a:lnL>
+                    <a:lnR w="12700" cap="flat" cmpd="sng" algn="ctr">
+                      <a:solidFill>
+                        <a:srgbClr val="0DD2ED"/>
+                      </a:solidFill>
+                      <a:prstDash val="solid"/>
+                      <a:round/>
+                      <a:headEnd type="none" w="med" len="med"/>
+                      <a:tailEnd type="none" w="med" len="med"/>
+                    </a:lnR>
+                    <a:lnT w="12700" cap="flat" cmpd="sng" algn="ctr">
+                      <a:solidFill>
+                        <a:srgbClr val="0DD2ED"/>
+                      </a:solidFill>
+                      <a:prstDash val="solid"/>
+                      <a:round/>
+                      <a:headEnd type="none" w="med" len="med"/>
+                      <a:tailEnd type="none" w="med" len="med"/>
+                    </a:lnT>
+                    <a:lnB w="12700" cap="flat" cmpd="sng" algn="ctr">
+                      <a:noFill/>
+                      <a:prstDash val="solid"/>
+                      <a:round/>
+                      <a:headEnd type="none" w="med" len="med"/>
+                      <a:tailEnd type="none" w="med" len="med"/>
+                    </a:lnB>
+                    <a:lnTlToBr w="12700" cmpd="sng">
+                      <a:noFill/>
+                      <a:prstDash val="solid"/>
+                    </a:lnTlToBr>
+                    <a:lnBlToTr w="12700" cmpd="sng">
+                      <a:noFill/>
+                      <a:prstDash val="solid"/>
+                    </a:lnBlToTr>
+                    <a:noFill/>
+                  </a:tcPr>
+                </a:tc>
+                <a:tc>
+                  <a:txBody>
+                    <a:bodyPr/>
+                    <a:lstStyle/>
+                    <a:p>
+                      <a:endParaRPr lang="en-US">
+                        <a:solidFill>
+                          <a:schemeClr val="tx1"/>
+                        </a:solidFill>
+                      </a:endParaRPr>
+                    </a:p>
+                  </a:txBody>
+                  <a:tcPr>
+                    <a:lnL w="12700" cap="flat" cmpd="sng" algn="ctr">
+                      <a:solidFill>
+                        <a:srgbClr val="0DD2ED"/>
+                      </a:solidFill>
+                      <a:prstDash val="solid"/>
+                      <a:round/>
+                      <a:headEnd type="none" w="med" len="med"/>
+                      <a:tailEnd type="none" w="med" len="med"/>
+                    </a:lnL>
+                    <a:lnR w="12700" cap="flat" cmpd="sng" algn="ctr">
+                      <a:solidFill>
+                        <a:srgbClr val="0DD2ED"/>
+                      </a:solidFill>
+                      <a:prstDash val="solid"/>
+                      <a:round/>
+                      <a:headEnd type="none" w="med" len="med"/>
+                      <a:tailEnd type="none" w="med" len="med"/>
+                    </a:lnR>
+                    <a:lnT w="12700" cap="flat" cmpd="sng" algn="ctr">
+                      <a:solidFill>
+                        <a:srgbClr val="0DD2ED"/>
+                      </a:solidFill>
+                      <a:prstDash val="solid"/>
+                      <a:round/>
+                      <a:headEnd type="none" w="med" len="med"/>
+                      <a:tailEnd type="none" w="med" len="med"/>
+                    </a:lnT>
+                    <a:lnB w="12700" cap="flat" cmpd="sng" algn="ctr">
+                      <a:noFill/>
+                      <a:prstDash val="solid"/>
+                      <a:round/>
+                      <a:headEnd type="none" w="med" len="med"/>
+                      <a:tailEnd type="none" w="med" len="med"/>
+                    </a:lnB>
+                    <a:lnTlToBr w="12700" cmpd="sng">
+                      <a:noFill/>
+                      <a:prstDash val="solid"/>
+                    </a:lnTlToBr>
+                    <a:lnBlToTr w="12700" cmpd="sng">
+                      <a:noFill/>
+                      <a:prstDash val="solid"/>
+                    </a:lnBlToTr>
+                    <a:noFill/>
+                  </a:tcPr>
+                </a:tc>
+                <a:tc>
+                  <a:txBody>
+                    <a:bodyPr/>
+                    <a:lstStyle/>
+                    <a:p>
+                      <a:endParaRPr lang="en-US">
+                        <a:solidFill>
+                          <a:schemeClr val="tx1"/>
+                        </a:solidFill>
+                      </a:endParaRPr>
+                    </a:p>
+                  </a:txBody>
+                  <a:tcPr>
+                    <a:lnL w="12700" cap="flat" cmpd="sng" algn="ctr">
+                      <a:solidFill>
+                        <a:srgbClr val="0DD2ED"/>
+                      </a:solidFill>
+                      <a:prstDash val="solid"/>
+                      <a:round/>
+                      <a:headEnd type="none" w="med" len="med"/>
+                      <a:tailEnd type="none" w="med" len="med"/>
+                    </a:lnL>
+                    <a:lnR w="12700" cap="flat" cmpd="sng" algn="ctr">
+                      <a:solidFill>
+                        <a:srgbClr val="0DD2ED"/>
+                      </a:solidFill>
+                      <a:prstDash val="solid"/>
+                      <a:round/>
+                      <a:headEnd type="none" w="med" len="med"/>
+                      <a:tailEnd type="none" w="med" len="med"/>
+                    </a:lnR>
+                    <a:lnT w="12700" cap="flat" cmpd="sng" algn="ctr">
+                      <a:solidFill>
+                        <a:srgbClr val="0DD2ED"/>
+                      </a:solidFill>
+                      <a:prstDash val="solid"/>
+                      <a:round/>
+                      <a:headEnd type="none" w="med" len="med"/>
+                      <a:tailEnd type="none" w="med" len="med"/>
+                    </a:lnT>
+                    <a:lnB w="12700" cap="flat" cmpd="sng" algn="ctr">
+                      <a:noFill/>
+                      <a:prstDash val="solid"/>
+                      <a:round/>
+                      <a:headEnd type="none" w="med" len="med"/>
+                      <a:tailEnd type="none" w="med" len="med"/>
+                    </a:lnB>
+                    <a:lnTlToBr w="12700" cmpd="sng">
+                      <a:noFill/>
+                      <a:prstDash val="solid"/>
+                    </a:lnTlToBr>
+                    <a:lnBlToTr w="12700" cmpd="sng">
+                      <a:noFill/>
+                      <a:prstDash val="solid"/>
+                    </a:lnBlToTr>
+                    <a:noFill/>
+                  </a:tcPr>
+                </a:tc>
+                <a:tc>
+                  <a:txBody>
+                    <a:bodyPr/>
+                    <a:lstStyle/>
+                    <a:p>
+                      <a:endParaRPr lang="en-US" dirty="0">
+                        <a:solidFill>
+                          <a:schemeClr val="tx1"/>
+                        </a:solidFill>
+                      </a:endParaRPr>
+                    </a:p>
+                  </a:txBody>
+                  <a:tcPr>
+                    <a:lnL w="12700" cap="flat" cmpd="sng" algn="ctr">
+                      <a:solidFill>
+                        <a:srgbClr val="0DD2ED"/>
+                      </a:solidFill>
+                      <a:prstDash val="solid"/>
+                      <a:round/>
+                      <a:headEnd type="none" w="med" len="med"/>
+                      <a:tailEnd type="none" w="med" len="med"/>
+                    </a:lnL>
+                    <a:lnR w="12700" cap="flat" cmpd="sng" algn="ctr">
+                      <a:solidFill>
+                        <a:srgbClr val="0DD2ED"/>
+                      </a:solidFill>
+                      <a:prstDash val="solid"/>
+                      <a:round/>
+                      <a:headEnd type="none" w="med" len="med"/>
+                      <a:tailEnd type="none" w="med" len="med"/>
+                    </a:lnR>
+                    <a:lnT w="12700" cap="flat" cmpd="sng" algn="ctr">
+                      <a:solidFill>
+                        <a:srgbClr val="0DD2ED"/>
+                      </a:solidFill>
+                      <a:prstDash val="solid"/>
+                      <a:round/>
+                      <a:headEnd type="none" w="med" len="med"/>
+                      <a:tailEnd type="none" w="med" len="med"/>
+                    </a:lnT>
+                    <a:lnB w="12700" cap="flat" cmpd="sng" algn="ctr">
+                      <a:noFill/>
+                      <a:prstDash val="solid"/>
+                      <a:round/>
+                      <a:headEnd type="none" w="med" len="med"/>
+                      <a:tailEnd type="none" w="med" len="med"/>
+                    </a:lnB>
+                    <a:lnTlToBr w="12700" cmpd="sng">
+                      <a:noFill/>
+                      <a:prstDash val="solid"/>
+                    </a:lnTlToBr>
+                    <a:lnBlToTr w="12700" cmpd="sng">
+                      <a:noFill/>
+                      <a:prstDash val="solid"/>
+                    </a:lnBlToTr>
+                    <a:noFill/>
+                  </a:tcPr>
+                </a:tc>
+                <a:tc>
+                  <a:txBody>
+                    <a:bodyPr/>
+                    <a:lstStyle/>
+                    <a:p>
+                      <a:endParaRPr lang="en-US" dirty="0">
+                        <a:solidFill>
+                          <a:schemeClr val="tx1"/>
+                        </a:solidFill>
+                      </a:endParaRPr>
+                    </a:p>
+                  </a:txBody>
+                  <a:tcPr>
+                    <a:lnL w="12700" cap="flat" cmpd="sng" algn="ctr">
+                      <a:solidFill>
+                        <a:srgbClr val="0DD2ED"/>
+                      </a:solidFill>
+                      <a:prstDash val="solid"/>
+                      <a:round/>
+                      <a:headEnd type="none" w="med" len="med"/>
+                      <a:tailEnd type="none" w="med" len="med"/>
+                    </a:lnL>
+                    <a:lnR w="12700" cap="flat" cmpd="sng" algn="ctr">
+                      <a:noFill/>
+                      <a:prstDash val="solid"/>
+                      <a:round/>
+                      <a:headEnd type="none" w="med" len="med"/>
+                      <a:tailEnd type="none" w="med" len="med"/>
+                    </a:lnR>
+                    <a:lnT w="12700" cap="flat" cmpd="sng" algn="ctr">
+                      <a:solidFill>
+                        <a:srgbClr val="0DD2ED"/>
+                      </a:solidFill>
+                      <a:prstDash val="solid"/>
+                      <a:round/>
+                      <a:headEnd type="none" w="med" len="med"/>
+                      <a:tailEnd type="none" w="med" len="med"/>
+                    </a:lnT>
+                    <a:lnB w="12700" cap="flat" cmpd="sng" algn="ctr">
+                      <a:noFill/>
+                      <a:prstDash val="solid"/>
+                      <a:round/>
+                      <a:headEnd type="none" w="med" len="med"/>
+                      <a:tailEnd type="none" w="med" len="med"/>
+                    </a:lnB>
+                    <a:lnTlToBr w="12700" cmpd="sng">
+                      <a:noFill/>
+                      <a:prstDash val="solid"/>
+                    </a:lnTlToBr>
+                    <a:lnBlToTr w="12700" cmpd="sng">
+                      <a:noFill/>
+                      <a:prstDash val="solid"/>
+                    </a:lnBlToTr>
+                    <a:noFill/>
+                  </a:tcPr>
+                </a:tc>
+                <a:extLst>
+                  <a:ext uri="{0D108BD9-81ED-4DB2-BD59-A6C34878D82A}">
+                    <a16:rowId xmlns:a16="http://schemas.microsoft.com/office/drawing/2014/main" val="2369501385"/>
+                  </a:ext>
+                </a:extLst>
+              </a:tr>
+            </a:tbl>
+          </a:graphicData>
+        </a:graphic>
+      </p:graphicFrame>
+      <p:pic>
+        <p:nvPicPr>
+          <p:cNvPr id="15" name="Graphic 14" descr="Open folder">
+            <a:extLst>
+              <a:ext uri="{FF2B5EF4-FFF2-40B4-BE49-F238E27FC236}">
+                <a16:creationId xmlns:a16="http://schemas.microsoft.com/office/drawing/2014/main" id="{67DCB9C3-35F5-442C-BE31-25D542A0CB2B}"/>
+              </a:ext>
+            </a:extLst>
+          </p:cNvPr>
+          <p:cNvPicPr>
+            <a:picLocks noChangeAspect="1"/>
+          </p:cNvPicPr>
+          <p:nvPr/>
+        </p:nvPicPr>
+        <p:blipFill>
+          <a:blip r:embed="rId2">
+            <a:extLst>
+              <a:ext uri="{28A0092B-C50C-407E-A947-70E740481C1C}">
+                <a14:useLocalDpi xmlns:a14="http://schemas.microsoft.com/office/drawing/2010/main" val="0"/>
+              </a:ext>
+              <a:ext uri="{96DAC541-7B7A-43D3-8B79-37D633B846F1}">
+                <asvg:svgBlip xmlns:asvg="http://schemas.microsoft.com/office/drawing/2016/SVG/main" r:embed="rId3"/>
+              </a:ext>
+            </a:extLst>
+          </a:blip>
+          <a:stretch>
+            <a:fillRect/>
+          </a:stretch>
+        </p:blipFill>
+        <p:spPr>
+          <a:xfrm>
+            <a:off x="5270844" y="1036171"/>
+            <a:ext cx="546815" cy="546815"/>
+          </a:xfrm>
+          <a:prstGeom prst="rect">
+            <a:avLst/>
+          </a:prstGeom>
+        </p:spPr>
+      </p:pic>
+      <p:pic>
+        <p:nvPicPr>
+          <p:cNvPr id="17" name="Graphic 16" descr="Map with pin">
+            <a:extLst>
+              <a:ext uri="{FF2B5EF4-FFF2-40B4-BE49-F238E27FC236}">
+                <a16:creationId xmlns:a16="http://schemas.microsoft.com/office/drawing/2014/main" id="{79C6EF5D-6D7E-4A2C-A221-557A9E5A2BB7}"/>
+              </a:ext>
+            </a:extLst>
+          </p:cNvPr>
+          <p:cNvPicPr>
+            <a:picLocks noChangeAspect="1"/>
+          </p:cNvPicPr>
+          <p:nvPr/>
+        </p:nvPicPr>
+        <p:blipFill>
+          <a:blip r:embed="rId4">
+            <a:extLst>
+              <a:ext uri="{28A0092B-C50C-407E-A947-70E740481C1C}">
+                <a14:useLocalDpi xmlns:a14="http://schemas.microsoft.com/office/drawing/2010/main" val="0"/>
+              </a:ext>
+              <a:ext uri="{96DAC541-7B7A-43D3-8B79-37D633B846F1}">
+                <asvg:svgBlip xmlns:asvg="http://schemas.microsoft.com/office/drawing/2016/SVG/main" r:embed="rId5"/>
+              </a:ext>
+            </a:extLst>
+          </a:blip>
+          <a:stretch>
+            <a:fillRect/>
+          </a:stretch>
+        </p:blipFill>
+        <p:spPr>
+          <a:xfrm>
+            <a:off x="1568278" y="2316491"/>
+            <a:ext cx="1457129" cy="1457129"/>
+          </a:xfrm>
+          <a:prstGeom prst="rect">
+            <a:avLst/>
+          </a:prstGeom>
+        </p:spPr>
+      </p:pic>
+      <p:pic>
+        <p:nvPicPr>
+          <p:cNvPr id="19" name="Graphic 18" descr="Map compass">
+            <a:extLst>
+              <a:ext uri="{FF2B5EF4-FFF2-40B4-BE49-F238E27FC236}">
+                <a16:creationId xmlns:a16="http://schemas.microsoft.com/office/drawing/2014/main" id="{A39AD24D-4408-4795-A250-0868B2A3ECEF}"/>
+              </a:ext>
+            </a:extLst>
+          </p:cNvPr>
+          <p:cNvPicPr>
+            <a:picLocks noChangeAspect="1"/>
+          </p:cNvPicPr>
+          <p:nvPr/>
+        </p:nvPicPr>
+        <p:blipFill>
+          <a:blip r:embed="rId6">
+            <a:extLst>
+              <a:ext uri="{28A0092B-C50C-407E-A947-70E740481C1C}">
+                <a14:useLocalDpi xmlns:a14="http://schemas.microsoft.com/office/drawing/2010/main" val="0"/>
+              </a:ext>
+              <a:ext uri="{96DAC541-7B7A-43D3-8B79-37D633B846F1}">
+                <asvg:svgBlip xmlns:asvg="http://schemas.microsoft.com/office/drawing/2016/SVG/main" r:embed="rId7"/>
+              </a:ext>
+            </a:extLst>
+          </a:blip>
+          <a:stretch>
+            <a:fillRect/>
+          </a:stretch>
+        </p:blipFill>
+        <p:spPr>
+          <a:xfrm>
+            <a:off x="6143535" y="1750952"/>
+            <a:ext cx="596414" cy="596414"/>
+          </a:xfrm>
+          <a:prstGeom prst="rect">
+            <a:avLst/>
+          </a:prstGeom>
+        </p:spPr>
+      </p:pic>
+      <p:pic>
+        <p:nvPicPr>
+          <p:cNvPr id="23" name="Graphic 22" descr="Hamburger Menu Icon">
+            <a:extLst>
+              <a:ext uri="{FF2B5EF4-FFF2-40B4-BE49-F238E27FC236}">
+                <a16:creationId xmlns:a16="http://schemas.microsoft.com/office/drawing/2014/main" id="{6421F105-A636-4568-9094-959BC4A689A3}"/>
+              </a:ext>
+            </a:extLst>
+          </p:cNvPr>
+          <p:cNvPicPr>
+            <a:picLocks noChangeAspect="1"/>
+          </p:cNvPicPr>
+          <p:nvPr/>
+        </p:nvPicPr>
+        <p:blipFill>
+          <a:blip r:embed="rId8">
+            <a:extLst>
+              <a:ext uri="{28A0092B-C50C-407E-A947-70E740481C1C}">
+                <a14:useLocalDpi xmlns:a14="http://schemas.microsoft.com/office/drawing/2010/main" val="0"/>
+              </a:ext>
+              <a:ext uri="{96DAC541-7B7A-43D3-8B79-37D633B846F1}">
+                <asvg:svgBlip xmlns:asvg="http://schemas.microsoft.com/office/drawing/2016/SVG/main" r:embed="rId9"/>
+              </a:ext>
+            </a:extLst>
+          </a:blip>
+          <a:stretch>
+            <a:fillRect/>
+          </a:stretch>
+        </p:blipFill>
+        <p:spPr>
+          <a:xfrm>
+            <a:off x="413928" y="5426724"/>
+            <a:ext cx="651027" cy="651027"/>
+          </a:xfrm>
+          <a:prstGeom prst="rect">
+            <a:avLst/>
+          </a:prstGeom>
+          <a:effectLst>
+            <a:outerShdw blurRad="50800" dist="38100" dir="5400000" algn="t" rotWithShape="0">
+              <a:prstClr val="black">
+                <a:alpha val="40000"/>
+              </a:prstClr>
+            </a:outerShdw>
+          </a:effectLst>
+        </p:spPr>
+      </p:pic>
+      <p:pic>
+        <p:nvPicPr>
+          <p:cNvPr id="27" name="Graphic 26" descr="Aperture">
+            <a:extLst>
+              <a:ext uri="{FF2B5EF4-FFF2-40B4-BE49-F238E27FC236}">
+                <a16:creationId xmlns:a16="http://schemas.microsoft.com/office/drawing/2014/main" id="{6930170D-0491-4DBD-8FA3-53EF30F03054}"/>
+              </a:ext>
+            </a:extLst>
+          </p:cNvPr>
+          <p:cNvPicPr>
+            <a:picLocks noChangeAspect="1"/>
+          </p:cNvPicPr>
+          <p:nvPr/>
+        </p:nvPicPr>
+        <p:blipFill>
+          <a:blip r:embed="rId10">
+            <a:extLst>
+              <a:ext uri="{28A0092B-C50C-407E-A947-70E740481C1C}">
+                <a14:useLocalDpi xmlns:a14="http://schemas.microsoft.com/office/drawing/2010/main" val="0"/>
+              </a:ext>
+              <a:ext uri="{96DAC541-7B7A-43D3-8B79-37D633B846F1}">
+                <asvg:svgBlip xmlns:asvg="http://schemas.microsoft.com/office/drawing/2016/SVG/main" r:embed="rId11"/>
+              </a:ext>
+            </a:extLst>
+          </a:blip>
+          <a:stretch>
+            <a:fillRect/>
+          </a:stretch>
+        </p:blipFill>
+        <p:spPr>
+          <a:xfrm>
+            <a:off x="3570986" y="2405891"/>
+            <a:ext cx="2020204" cy="2020204"/>
+          </a:xfrm>
+          <a:prstGeom prst="rect">
+            <a:avLst/>
+          </a:prstGeom>
+        </p:spPr>
+      </p:pic>
+      <p:sp>
+        <p:nvSpPr>
+          <p:cNvPr id="28" name="TextBox 27">
+            <a:extLst>
+              <a:ext uri="{FF2B5EF4-FFF2-40B4-BE49-F238E27FC236}">
+                <a16:creationId xmlns:a16="http://schemas.microsoft.com/office/drawing/2014/main" id="{C2E4CD59-29F4-421A-AA9A-094B56083CCD}"/>
+              </a:ext>
+            </a:extLst>
+          </p:cNvPr>
+          <p:cNvSpPr txBox="1"/>
+          <p:nvPr/>
+        </p:nvSpPr>
+        <p:spPr>
+          <a:xfrm>
+            <a:off x="1087642" y="590173"/>
+            <a:ext cx="1015067" cy="584775"/>
+          </a:xfrm>
+          <a:prstGeom prst="rect">
+            <a:avLst/>
+          </a:prstGeom>
+          <a:noFill/>
+        </p:spPr>
+        <p:txBody>
+          <a:bodyPr wrap="square" rtlCol="0">
+            <a:spAutoFit/>
+          </a:bodyPr>
+          <a:lstStyle/>
+          <a:p>
+            <a:r>
+              <a:rPr lang="en-US" sz="3200" i="1" dirty="0">
+                <a:solidFill>
+                  <a:srgbClr val="F7E609"/>
+                </a:solidFill>
+                <a:effectLst>
+                  <a:outerShdw blurRad="50800" dist="38100" dir="8100000" algn="tr" rotWithShape="0">
+                    <a:prstClr val="black">
+                      <a:alpha val="40000"/>
+                    </a:prstClr>
+                  </a:outerShdw>
+                </a:effectLst>
+                <a:latin typeface="AngsanaUPC" panose="02020603050405020304" pitchFamily="18" charset="-34"/>
+                <a:cs typeface="AngsanaUPC" panose="02020603050405020304" pitchFamily="18" charset="-34"/>
+              </a:rPr>
+              <a:t>Canvas</a:t>
+            </a:r>
+          </a:p>
+        </p:txBody>
+      </p:sp>
+      <p:sp>
+        <p:nvSpPr>
+          <p:cNvPr id="29" name="TextBox 28">
+            <a:extLst>
+              <a:ext uri="{FF2B5EF4-FFF2-40B4-BE49-F238E27FC236}">
+                <a16:creationId xmlns:a16="http://schemas.microsoft.com/office/drawing/2014/main" id="{34A5A16C-681B-4CFA-9830-B26BDB3A4B3A}"/>
+              </a:ext>
+            </a:extLst>
+          </p:cNvPr>
+          <p:cNvSpPr txBox="1"/>
+          <p:nvPr/>
+        </p:nvSpPr>
+        <p:spPr>
+          <a:xfrm>
+            <a:off x="2170898" y="892817"/>
+            <a:ext cx="1663984" cy="584775"/>
+          </a:xfrm>
+          <a:prstGeom prst="rect">
+            <a:avLst/>
+          </a:prstGeom>
+          <a:noFill/>
+        </p:spPr>
+        <p:txBody>
+          <a:bodyPr wrap="square" rtlCol="0">
+            <a:spAutoFit/>
+          </a:bodyPr>
+          <a:lstStyle/>
+          <a:p>
+            <a:r>
+              <a:rPr lang="en-US" sz="3200" i="1" dirty="0">
+                <a:solidFill>
+                  <a:srgbClr val="F7E609"/>
+                </a:solidFill>
+                <a:effectLst>
+                  <a:outerShdw blurRad="50800" dist="38100" dir="8100000" algn="tr" rotWithShape="0">
+                    <a:prstClr val="black">
+                      <a:alpha val="40000"/>
+                    </a:prstClr>
+                  </a:outerShdw>
+                </a:effectLst>
+                <a:latin typeface="AngsanaUPC" panose="02020603050405020304" pitchFamily="18" charset="-34"/>
+                <a:cs typeface="AngsanaUPC" panose="02020603050405020304" pitchFamily="18" charset="-34"/>
+              </a:rPr>
+              <a:t>Grid </a:t>
+            </a:r>
+            <a:r>
+              <a:rPr lang="en-US" sz="2000" i="1" dirty="0">
+                <a:solidFill>
+                  <a:srgbClr val="F7E609"/>
+                </a:solidFill>
+                <a:effectLst>
+                  <a:outerShdw blurRad="50800" dist="38100" dir="8100000" algn="tr" rotWithShape="0">
+                    <a:prstClr val="black">
+                      <a:alpha val="40000"/>
+                    </a:prstClr>
+                  </a:outerShdw>
+                </a:effectLst>
+                <a:latin typeface="AngsanaUPC" panose="02020603050405020304" pitchFamily="18" charset="-34"/>
+                <a:cs typeface="AngsanaUPC" panose="02020603050405020304" pitchFamily="18" charset="-34"/>
+              </a:rPr>
+              <a:t>(invisible)</a:t>
+            </a:r>
+            <a:endParaRPr lang="en-US" sz="3200" i="1" dirty="0">
+              <a:solidFill>
+                <a:srgbClr val="F7E609"/>
+              </a:solidFill>
+              <a:effectLst>
+                <a:outerShdw blurRad="50800" dist="38100" dir="8100000" algn="tr" rotWithShape="0">
+                  <a:prstClr val="black">
+                    <a:alpha val="40000"/>
+                  </a:prstClr>
+                </a:outerShdw>
+              </a:effectLst>
+              <a:latin typeface="AngsanaUPC" panose="02020603050405020304" pitchFamily="18" charset="-34"/>
+              <a:cs typeface="AngsanaUPC" panose="02020603050405020304" pitchFamily="18" charset="-34"/>
+            </a:endParaRPr>
+          </a:p>
+        </p:txBody>
+      </p:sp>
+      <p:pic>
+        <p:nvPicPr>
+          <p:cNvPr id="32" name="Graphic 31" descr="Badge Follow">
+            <a:extLst>
+              <a:ext uri="{FF2B5EF4-FFF2-40B4-BE49-F238E27FC236}">
+                <a16:creationId xmlns:a16="http://schemas.microsoft.com/office/drawing/2014/main" id="{9D8AAF64-02AC-451E-9F5A-4C663AD72344}"/>
+              </a:ext>
+            </a:extLst>
+          </p:cNvPr>
+          <p:cNvPicPr>
+            <a:picLocks noChangeAspect="1"/>
+          </p:cNvPicPr>
+          <p:nvPr/>
+        </p:nvPicPr>
+        <p:blipFill>
+          <a:blip r:embed="rId12">
+            <a:extLst>
+              <a:ext uri="{28A0092B-C50C-407E-A947-70E740481C1C}">
+                <a14:useLocalDpi xmlns:a14="http://schemas.microsoft.com/office/drawing/2010/main" val="0"/>
+              </a:ext>
+              <a:ext uri="{96DAC541-7B7A-43D3-8B79-37D633B846F1}">
+                <asvg:svgBlip xmlns:asvg="http://schemas.microsoft.com/office/drawing/2016/SVG/main" r:embed="rId13"/>
+              </a:ext>
+            </a:extLst>
+          </a:blip>
+          <a:stretch>
+            <a:fillRect/>
+          </a:stretch>
+        </p:blipFill>
+        <p:spPr>
+          <a:xfrm>
+            <a:off x="430076" y="3827138"/>
+            <a:ext cx="593082" cy="593082"/>
+          </a:xfrm>
+          <a:prstGeom prst="rect">
+            <a:avLst/>
+          </a:prstGeom>
+          <a:effectLst>
+            <a:outerShdw blurRad="50800" dist="38100" dir="5400000" algn="t" rotWithShape="0">
+              <a:prstClr val="black">
+                <a:alpha val="40000"/>
+              </a:prstClr>
+            </a:outerShdw>
+          </a:effectLst>
+        </p:spPr>
+      </p:pic>
+      <p:sp>
+        <p:nvSpPr>
+          <p:cNvPr id="18" name="TextBox 17">
+            <a:extLst>
+              <a:ext uri="{FF2B5EF4-FFF2-40B4-BE49-F238E27FC236}">
+                <a16:creationId xmlns:a16="http://schemas.microsoft.com/office/drawing/2014/main" id="{4715F9D8-DE7A-4E9F-ABAA-5F4F5D00C20B}"/>
+              </a:ext>
+            </a:extLst>
+          </p:cNvPr>
+          <p:cNvSpPr txBox="1"/>
+          <p:nvPr/>
+        </p:nvSpPr>
+        <p:spPr>
+          <a:xfrm>
+            <a:off x="3950487" y="4189388"/>
+            <a:ext cx="1338811" cy="461665"/>
+          </a:xfrm>
+          <a:prstGeom prst="rect">
+            <a:avLst/>
+          </a:prstGeom>
+          <a:noFill/>
+        </p:spPr>
+        <p:txBody>
+          <a:bodyPr wrap="square" rtlCol="0">
+            <a:spAutoFit/>
+          </a:bodyPr>
+          <a:lstStyle/>
+          <a:p>
+            <a:r>
+              <a:rPr lang="en-US" sz="2400" i="1" dirty="0">
+                <a:latin typeface="Aharoni" panose="02010803020104030203" pitchFamily="2" charset="-79"/>
+                <a:cs typeface="Aharoni" panose="02010803020104030203" pitchFamily="2" charset="-79"/>
+              </a:rPr>
+              <a:t>Chrome</a:t>
+            </a:r>
+            <a:endParaRPr lang="en-US" sz="3600" i="1" dirty="0">
+              <a:latin typeface="Aharoni" panose="02010803020104030203" pitchFamily="2" charset="-79"/>
+              <a:cs typeface="Aharoni" panose="02010803020104030203" pitchFamily="2" charset="-79"/>
+            </a:endParaRPr>
+          </a:p>
+        </p:txBody>
+      </p:sp>
+      <p:sp>
+        <p:nvSpPr>
+          <p:cNvPr id="20" name="TextBox 19">
+            <a:extLst>
+              <a:ext uri="{FF2B5EF4-FFF2-40B4-BE49-F238E27FC236}">
+                <a16:creationId xmlns:a16="http://schemas.microsoft.com/office/drawing/2014/main" id="{00EE4395-AEA9-4E7F-BE68-6E7E938CC7EC}"/>
+              </a:ext>
+            </a:extLst>
+          </p:cNvPr>
+          <p:cNvSpPr txBox="1"/>
+          <p:nvPr/>
+        </p:nvSpPr>
+        <p:spPr>
+          <a:xfrm>
+            <a:off x="1610533" y="3494431"/>
+            <a:ext cx="1338811" cy="400110"/>
+          </a:xfrm>
+          <a:prstGeom prst="rect">
+            <a:avLst/>
+          </a:prstGeom>
+          <a:noFill/>
+        </p:spPr>
+        <p:txBody>
+          <a:bodyPr wrap="square" rtlCol="0">
+            <a:spAutoFit/>
+          </a:bodyPr>
+          <a:lstStyle/>
+          <a:p>
+            <a:pPr algn="ctr"/>
+            <a:r>
+              <a:rPr lang="en-US" sz="2000" i="1" dirty="0">
+                <a:latin typeface="Aharoni" panose="02010803020104030203" pitchFamily="2" charset="-79"/>
+                <a:cs typeface="Aharoni" panose="02010803020104030203" pitchFamily="2" charset="-79"/>
+              </a:rPr>
+              <a:t>Maps</a:t>
+            </a:r>
+            <a:endParaRPr lang="en-US" sz="3200" i="1" dirty="0">
+              <a:latin typeface="Aharoni" panose="02010803020104030203" pitchFamily="2" charset="-79"/>
+              <a:cs typeface="Aharoni" panose="02010803020104030203" pitchFamily="2" charset="-79"/>
+            </a:endParaRPr>
+          </a:p>
+        </p:txBody>
+      </p:sp>
+      <p:sp>
+        <p:nvSpPr>
+          <p:cNvPr id="22" name="TextBox 21">
+            <a:extLst>
+              <a:ext uri="{FF2B5EF4-FFF2-40B4-BE49-F238E27FC236}">
+                <a16:creationId xmlns:a16="http://schemas.microsoft.com/office/drawing/2014/main" id="{00BAFC54-4A9F-4D0A-8B85-38A47A0492DB}"/>
+              </a:ext>
+            </a:extLst>
+          </p:cNvPr>
+          <p:cNvSpPr txBox="1"/>
+          <p:nvPr/>
+        </p:nvSpPr>
+        <p:spPr>
+          <a:xfrm>
+            <a:off x="4830016" y="1467976"/>
+            <a:ext cx="1338811" cy="338554"/>
+          </a:xfrm>
+          <a:prstGeom prst="rect">
+            <a:avLst/>
+          </a:prstGeom>
+          <a:noFill/>
+        </p:spPr>
+        <p:txBody>
+          <a:bodyPr wrap="square" rtlCol="0">
+            <a:spAutoFit/>
+          </a:bodyPr>
+          <a:lstStyle/>
+          <a:p>
+            <a:pPr algn="ctr"/>
+            <a:r>
+              <a:rPr lang="en-US" sz="1600" i="1" dirty="0">
+                <a:latin typeface="Aharoni" panose="02010803020104030203" pitchFamily="2" charset="-79"/>
+                <a:cs typeface="Aharoni" panose="02010803020104030203" pitchFamily="2" charset="-79"/>
+              </a:rPr>
+              <a:t>Essays</a:t>
+            </a:r>
+            <a:endParaRPr lang="en-US" sz="2400" i="1" dirty="0">
+              <a:latin typeface="Aharoni" panose="02010803020104030203" pitchFamily="2" charset="-79"/>
+              <a:cs typeface="Aharoni" panose="02010803020104030203" pitchFamily="2" charset="-79"/>
+            </a:endParaRPr>
+          </a:p>
+        </p:txBody>
+      </p:sp>
+      <p:sp>
+        <p:nvSpPr>
+          <p:cNvPr id="24" name="TextBox 23">
+            <a:extLst>
+              <a:ext uri="{FF2B5EF4-FFF2-40B4-BE49-F238E27FC236}">
+                <a16:creationId xmlns:a16="http://schemas.microsoft.com/office/drawing/2014/main" id="{DB8C7CEE-4E7E-4CF7-88C5-7BDAA5825642}"/>
+              </a:ext>
+            </a:extLst>
+          </p:cNvPr>
+          <p:cNvSpPr txBox="1"/>
+          <p:nvPr/>
+        </p:nvSpPr>
+        <p:spPr>
+          <a:xfrm>
+            <a:off x="5760646" y="2198607"/>
+            <a:ext cx="1338811" cy="338554"/>
+          </a:xfrm>
+          <a:prstGeom prst="rect">
+            <a:avLst/>
+          </a:prstGeom>
+          <a:noFill/>
+        </p:spPr>
+        <p:txBody>
+          <a:bodyPr wrap="square" rtlCol="0">
+            <a:spAutoFit/>
+          </a:bodyPr>
+          <a:lstStyle/>
+          <a:p>
+            <a:pPr algn="ctr"/>
+            <a:r>
+              <a:rPr lang="en-US" sz="1600" i="1" dirty="0">
+                <a:latin typeface="Aharoni" panose="02010803020104030203" pitchFamily="2" charset="-79"/>
+                <a:cs typeface="Aharoni" panose="02010803020104030203" pitchFamily="2" charset="-79"/>
+              </a:rPr>
+              <a:t>My Site</a:t>
+            </a:r>
+            <a:endParaRPr lang="en-US" sz="2400" i="1" dirty="0">
+              <a:latin typeface="Aharoni" panose="02010803020104030203" pitchFamily="2" charset="-79"/>
+              <a:cs typeface="Aharoni" panose="02010803020104030203" pitchFamily="2" charset="-79"/>
+            </a:endParaRPr>
+          </a:p>
+        </p:txBody>
+      </p:sp>
+      <p:sp>
+        <p:nvSpPr>
+          <p:cNvPr id="31" name="TextBox 30">
+            <a:extLst>
+              <a:ext uri="{FF2B5EF4-FFF2-40B4-BE49-F238E27FC236}">
+                <a16:creationId xmlns:a16="http://schemas.microsoft.com/office/drawing/2014/main" id="{E71D7A05-960C-4D45-9636-2A21A18E456A}"/>
+              </a:ext>
+            </a:extLst>
+          </p:cNvPr>
+          <p:cNvSpPr txBox="1"/>
+          <p:nvPr/>
+        </p:nvSpPr>
+        <p:spPr>
+          <a:xfrm>
+            <a:off x="3549034" y="3941162"/>
+            <a:ext cx="2651760" cy="1077218"/>
+          </a:xfrm>
+          <a:prstGeom prst="rect">
+            <a:avLst/>
+          </a:prstGeom>
+          <a:noFill/>
+        </p:spPr>
+        <p:txBody>
+          <a:bodyPr wrap="square" rtlCol="0">
+            <a:spAutoFit/>
+          </a:bodyPr>
+          <a:lstStyle>
+            <a:defPPr>
+              <a:defRPr lang="en-US"/>
+            </a:defPPr>
+            <a:lvl1pPr>
+              <a:defRPr sz="3600" i="1">
+                <a:solidFill>
+                  <a:srgbClr val="F7E609"/>
+                </a:solidFill>
+                <a:effectLst>
+                  <a:outerShdw blurRad="25400" dist="38100" dir="8100000" algn="tr" rotWithShape="0">
+                    <a:prstClr val="black">
+                      <a:alpha val="70000"/>
+                    </a:prstClr>
+                  </a:outerShdw>
+                </a:effectLst>
+                <a:latin typeface="AngsanaUPC" panose="02020603050405020304" pitchFamily="18" charset="-34"/>
+                <a:cs typeface="AngsanaUPC" panose="02020603050405020304" pitchFamily="18" charset="-34"/>
+              </a:defRPr>
+            </a:lvl1pPr>
+          </a:lstStyle>
+          <a:p>
+            <a:r>
+              <a:rPr lang="en-US" sz="2800" dirty="0"/>
+              <a:t>Link</a:t>
+            </a:r>
+            <a:endParaRPr lang="en-US" dirty="0"/>
+          </a:p>
+          <a:p>
+            <a:endParaRPr lang="en-US" dirty="0"/>
+          </a:p>
+        </p:txBody>
+      </p:sp>
+      <p:sp>
+        <p:nvSpPr>
+          <p:cNvPr id="33" name="TextBox 32">
+            <a:extLst>
+              <a:ext uri="{FF2B5EF4-FFF2-40B4-BE49-F238E27FC236}">
+                <a16:creationId xmlns:a16="http://schemas.microsoft.com/office/drawing/2014/main" id="{3E9165FA-D062-4D6B-B462-2782FB9EF34C}"/>
+              </a:ext>
+            </a:extLst>
+          </p:cNvPr>
+          <p:cNvSpPr txBox="1"/>
+          <p:nvPr/>
+        </p:nvSpPr>
+        <p:spPr>
+          <a:xfrm>
+            <a:off x="5159983" y="2697374"/>
+            <a:ext cx="1015067" cy="523220"/>
+          </a:xfrm>
+          <a:prstGeom prst="rect">
+            <a:avLst/>
+          </a:prstGeom>
+          <a:noFill/>
+        </p:spPr>
+        <p:txBody>
+          <a:bodyPr wrap="square" rtlCol="0">
+            <a:spAutoFit/>
+          </a:bodyPr>
+          <a:lstStyle/>
+          <a:p>
+            <a:r>
+              <a:rPr lang="en-US" sz="2800" i="1" dirty="0">
+                <a:solidFill>
+                  <a:srgbClr val="F7E609"/>
+                </a:solidFill>
+                <a:effectLst>
+                  <a:outerShdw blurRad="25400" dist="38100" dir="8100000" algn="tr" rotWithShape="0">
+                    <a:prstClr val="black">
+                      <a:alpha val="70000"/>
+                    </a:prstClr>
+                  </a:outerShdw>
+                </a:effectLst>
+                <a:latin typeface="AngsanaUPC" panose="02020603050405020304" pitchFamily="18" charset="-34"/>
+                <a:cs typeface="AngsanaUPC" panose="02020603050405020304" pitchFamily="18" charset="-34"/>
+              </a:rPr>
+              <a:t>Icon</a:t>
+            </a:r>
+          </a:p>
+        </p:txBody>
+      </p:sp>
+      <p:sp>
+        <p:nvSpPr>
+          <p:cNvPr id="34" name="TextBox 33">
+            <a:extLst>
+              <a:ext uri="{FF2B5EF4-FFF2-40B4-BE49-F238E27FC236}">
+                <a16:creationId xmlns:a16="http://schemas.microsoft.com/office/drawing/2014/main" id="{9F8496AE-3C74-4958-8F66-E8DEE4D65D39}"/>
+              </a:ext>
+            </a:extLst>
+          </p:cNvPr>
+          <p:cNvSpPr txBox="1"/>
+          <p:nvPr/>
+        </p:nvSpPr>
+        <p:spPr>
+          <a:xfrm>
+            <a:off x="6924743" y="2501538"/>
+            <a:ext cx="2583151" cy="2769989"/>
+          </a:xfrm>
+          <a:prstGeom prst="rect">
+            <a:avLst/>
+          </a:prstGeom>
+          <a:gradFill>
+            <a:gsLst>
+              <a:gs pos="0">
+                <a:srgbClr val="4472C4"/>
+              </a:gs>
+              <a:gs pos="100000">
+                <a:srgbClr val="4472C4"/>
+              </a:gs>
+              <a:gs pos="4000">
+                <a:srgbClr val="4472C4"/>
+              </a:gs>
+            </a:gsLst>
+            <a:lin ang="5400000" scaled="1"/>
+          </a:gradFill>
+          <a:ln w="28575">
+            <a:solidFill>
+              <a:srgbClr val="BFBDBE"/>
+            </a:solidFill>
+          </a:ln>
+        </p:spPr>
+        <p:txBody>
+          <a:bodyPr wrap="square" lIns="0" tIns="0" rIns="0" bIns="0" rtlCol="0" anchor="t" anchorCtr="0">
+            <a:spAutoFit/>
+          </a:bodyPr>
+          <a:lstStyle/>
+          <a:p>
+            <a:endParaRPr lang="en-US" sz="3200" i="1" dirty="0">
+              <a:solidFill>
+                <a:srgbClr val="511290"/>
+              </a:solidFill>
+              <a:latin typeface="AngsanaUPC" panose="02020603050405020304" pitchFamily="18" charset="-34"/>
+              <a:cs typeface="AngsanaUPC" panose="02020603050405020304" pitchFamily="18" charset="-34"/>
+            </a:endParaRPr>
+          </a:p>
+          <a:p>
+            <a:endParaRPr lang="en-US" sz="1400" i="1" dirty="0">
+              <a:solidFill>
+                <a:srgbClr val="511290"/>
+              </a:solidFill>
+              <a:latin typeface="AngsanaUPC" panose="02020603050405020304" pitchFamily="18" charset="-34"/>
+              <a:cs typeface="AngsanaUPC" panose="02020603050405020304" pitchFamily="18" charset="-34"/>
+            </a:endParaRPr>
+          </a:p>
+          <a:p>
+            <a:endParaRPr lang="en-US" i="1" dirty="0">
+              <a:solidFill>
+                <a:srgbClr val="511290"/>
+              </a:solidFill>
+              <a:latin typeface="AngsanaUPC" panose="02020603050405020304" pitchFamily="18" charset="-34"/>
+              <a:cs typeface="AngsanaUPC" panose="02020603050405020304" pitchFamily="18" charset="-34"/>
+            </a:endParaRPr>
+          </a:p>
+          <a:p>
+            <a:endParaRPr lang="en-US" sz="1600" i="1" dirty="0">
+              <a:solidFill>
+                <a:srgbClr val="511290"/>
+              </a:solidFill>
+              <a:latin typeface="AngsanaUPC" panose="02020603050405020304" pitchFamily="18" charset="-34"/>
+              <a:cs typeface="AngsanaUPC" panose="02020603050405020304" pitchFamily="18" charset="-34"/>
+            </a:endParaRPr>
+          </a:p>
+          <a:p>
+            <a:endParaRPr lang="en-US" sz="3200" i="1" dirty="0">
+              <a:solidFill>
+                <a:srgbClr val="511290"/>
+              </a:solidFill>
+              <a:latin typeface="AngsanaUPC" panose="02020603050405020304" pitchFamily="18" charset="-34"/>
+              <a:cs typeface="AngsanaUPC" panose="02020603050405020304" pitchFamily="18" charset="-34"/>
+            </a:endParaRPr>
+          </a:p>
+          <a:p>
+            <a:endParaRPr lang="en-US" sz="3600" i="1" dirty="0">
+              <a:solidFill>
+                <a:srgbClr val="511290"/>
+              </a:solidFill>
+              <a:latin typeface="AngsanaUPC" panose="02020603050405020304" pitchFamily="18" charset="-34"/>
+              <a:cs typeface="AngsanaUPC" panose="02020603050405020304" pitchFamily="18" charset="-34"/>
+            </a:endParaRPr>
+          </a:p>
+          <a:p>
+            <a:endParaRPr lang="en-US" sz="3200" i="1" dirty="0">
+              <a:solidFill>
+                <a:srgbClr val="511290"/>
+              </a:solidFill>
+              <a:latin typeface="AngsanaUPC" panose="02020603050405020304" pitchFamily="18" charset="-34"/>
+              <a:cs typeface="AngsanaUPC" panose="02020603050405020304" pitchFamily="18" charset="-34"/>
+            </a:endParaRPr>
+          </a:p>
+        </p:txBody>
+      </p:sp>
+      <p:sp>
+        <p:nvSpPr>
+          <p:cNvPr id="35" name="TextBox 34">
+            <a:extLst>
+              <a:ext uri="{FF2B5EF4-FFF2-40B4-BE49-F238E27FC236}">
+                <a16:creationId xmlns:a16="http://schemas.microsoft.com/office/drawing/2014/main" id="{68E53494-37F4-457A-BEC1-28CD913B8288}"/>
+              </a:ext>
+            </a:extLst>
+          </p:cNvPr>
+          <p:cNvSpPr txBox="1"/>
+          <p:nvPr/>
+        </p:nvSpPr>
+        <p:spPr>
+          <a:xfrm>
+            <a:off x="8879783" y="1975190"/>
+            <a:ext cx="1792208" cy="584775"/>
+          </a:xfrm>
+          <a:prstGeom prst="rect">
+            <a:avLst/>
+          </a:prstGeom>
+          <a:noFill/>
+        </p:spPr>
+        <p:txBody>
+          <a:bodyPr wrap="square" rtlCol="0">
+            <a:spAutoFit/>
+          </a:bodyPr>
+          <a:lstStyle/>
+          <a:p>
+            <a:r>
+              <a:rPr lang="en-US" sz="3200" i="1" dirty="0">
+                <a:solidFill>
+                  <a:srgbClr val="F7E609"/>
+                </a:solidFill>
+                <a:effectLst>
+                  <a:outerShdw blurRad="25400" dist="38100" dir="8100000" algn="tr" rotWithShape="0">
+                    <a:prstClr val="black">
+                      <a:alpha val="70000"/>
+                    </a:prstClr>
+                  </a:outerShdw>
+                </a:effectLst>
+                <a:latin typeface="AngsanaUPC" panose="02020603050405020304" pitchFamily="18" charset="-34"/>
+                <a:cs typeface="AngsanaUPC" panose="02020603050405020304" pitchFamily="18" charset="-34"/>
+              </a:rPr>
+              <a:t>Expand-Box</a:t>
+            </a:r>
+            <a:endParaRPr lang="en-US" sz="2800" i="1" dirty="0">
+              <a:solidFill>
+                <a:srgbClr val="F7E609"/>
+              </a:solidFill>
+              <a:effectLst>
+                <a:outerShdw blurRad="25400" dist="38100" dir="8100000" algn="tr" rotWithShape="0">
+                  <a:prstClr val="black">
+                    <a:alpha val="70000"/>
+                  </a:prstClr>
+                </a:outerShdw>
+              </a:effectLst>
+              <a:latin typeface="AngsanaUPC" panose="02020603050405020304" pitchFamily="18" charset="-34"/>
+              <a:cs typeface="AngsanaUPC" panose="02020603050405020304" pitchFamily="18" charset="-34"/>
+            </a:endParaRPr>
+          </a:p>
+        </p:txBody>
+      </p:sp>
+      <p:sp>
+        <p:nvSpPr>
+          <p:cNvPr id="36" name="TextBox 35">
+            <a:extLst>
+              <a:ext uri="{FF2B5EF4-FFF2-40B4-BE49-F238E27FC236}">
+                <a16:creationId xmlns:a16="http://schemas.microsoft.com/office/drawing/2014/main" id="{EAA34505-FDC4-4AC9-AF1D-FA9BA0BEDF48}"/>
+              </a:ext>
+            </a:extLst>
+          </p:cNvPr>
+          <p:cNvSpPr txBox="1"/>
+          <p:nvPr/>
+        </p:nvSpPr>
+        <p:spPr>
+          <a:xfrm>
+            <a:off x="7212226" y="2251101"/>
+            <a:ext cx="1912409" cy="338554"/>
+          </a:xfrm>
+          <a:prstGeom prst="rect">
+            <a:avLst/>
+          </a:prstGeom>
+          <a:noFill/>
+        </p:spPr>
+        <p:txBody>
+          <a:bodyPr wrap="square" rtlCol="0">
+            <a:spAutoFit/>
+          </a:bodyPr>
+          <a:lstStyle/>
+          <a:p>
+            <a:pPr algn="ctr"/>
+            <a:r>
+              <a:rPr lang="en-US" sz="1600" i="1" dirty="0">
+                <a:latin typeface="Aharoni" panose="02010803020104030203" pitchFamily="2" charset="-79"/>
+                <a:cs typeface="Aharoni" panose="02010803020104030203" pitchFamily="2" charset="-79"/>
+              </a:rPr>
+              <a:t>My Documents</a:t>
+            </a:r>
+            <a:endParaRPr lang="en-US" sz="2400" i="1" dirty="0">
+              <a:latin typeface="Aharoni" panose="02010803020104030203" pitchFamily="2" charset="-79"/>
+              <a:cs typeface="Aharoni" panose="02010803020104030203" pitchFamily="2" charset="-79"/>
+            </a:endParaRPr>
+          </a:p>
+        </p:txBody>
+      </p:sp>
+      <p:cxnSp>
+        <p:nvCxnSpPr>
+          <p:cNvPr id="3" name="Straight Connector 2">
+            <a:extLst>
+              <a:ext uri="{FF2B5EF4-FFF2-40B4-BE49-F238E27FC236}">
+                <a16:creationId xmlns:a16="http://schemas.microsoft.com/office/drawing/2014/main" id="{3F32FB8D-6A77-4251-AD68-E9D134074313}"/>
+              </a:ext>
+            </a:extLst>
+          </p:cNvPr>
+          <p:cNvCxnSpPr>
+            <a:cxnSpLocks/>
+          </p:cNvCxnSpPr>
+          <p:nvPr/>
+        </p:nvCxnSpPr>
+        <p:spPr>
+          <a:xfrm>
+            <a:off x="6896213" y="2509168"/>
+            <a:ext cx="2676995" cy="0"/>
+          </a:xfrm>
+          <a:prstGeom prst="line">
+            <a:avLst/>
+          </a:prstGeom>
+          <a:ln w="19050"/>
+        </p:spPr>
+        <p:style>
+          <a:lnRef idx="1">
+            <a:schemeClr val="dk1"/>
+          </a:lnRef>
+          <a:fillRef idx="0">
+            <a:schemeClr val="dk1"/>
+          </a:fillRef>
+          <a:effectRef idx="0">
+            <a:schemeClr val="dk1"/>
+          </a:effectRef>
+          <a:fontRef idx="minor">
+            <a:schemeClr val="tx1"/>
+          </a:fontRef>
+        </p:style>
+      </p:cxnSp>
+      <p:sp>
+        <p:nvSpPr>
+          <p:cNvPr id="38" name="Rectangle 37">
+            <a:extLst>
+              <a:ext uri="{FF2B5EF4-FFF2-40B4-BE49-F238E27FC236}">
+                <a16:creationId xmlns:a16="http://schemas.microsoft.com/office/drawing/2014/main" id="{F934E275-63C0-42E6-A5C8-EB3FE173960D}"/>
+              </a:ext>
+            </a:extLst>
+          </p:cNvPr>
+          <p:cNvSpPr/>
+          <p:nvPr/>
+        </p:nvSpPr>
+        <p:spPr>
+          <a:xfrm rot="5400000">
+            <a:off x="5364145" y="-4554299"/>
+            <a:ext cx="385887" cy="10420876"/>
+          </a:xfrm>
+          <a:prstGeom prst="rect">
+            <a:avLst/>
+          </a:prstGeom>
+          <a:solidFill>
+            <a:srgbClr val="BFBDBE"/>
+          </a:solidFill>
+          <a:ln>
+            <a:noFill/>
+          </a:ln>
+        </p:spPr>
+        <p:style>
+          <a:lnRef idx="2">
+            <a:schemeClr val="accent1">
+              <a:shade val="50000"/>
+            </a:schemeClr>
+          </a:lnRef>
+          <a:fillRef idx="1">
+            <a:schemeClr val="accent1"/>
+          </a:fillRef>
+          <a:effectRef idx="0">
+            <a:schemeClr val="accent1"/>
+          </a:effectRef>
+          <a:fontRef idx="minor">
+            <a:schemeClr val="lt1"/>
+          </a:fontRef>
+        </p:style>
+        <p:txBody>
+          <a:bodyPr rtlCol="0" anchor="ctr"/>
+          <a:lstStyle/>
+          <a:p>
+            <a:pPr algn="ctr"/>
+            <a:endParaRPr lang="en-US"/>
+          </a:p>
+        </p:txBody>
+      </p:sp>
+      <p:pic>
+        <p:nvPicPr>
+          <p:cNvPr id="39" name="Graphic 38" descr="Badge Follow">
+            <a:extLst>
+              <a:ext uri="{FF2B5EF4-FFF2-40B4-BE49-F238E27FC236}">
+                <a16:creationId xmlns:a16="http://schemas.microsoft.com/office/drawing/2014/main" id="{05BD98F2-9190-49B8-BD7F-4F3121DF8A0A}"/>
+              </a:ext>
+            </a:extLst>
+          </p:cNvPr>
+          <p:cNvPicPr>
+            <a:picLocks noChangeAspect="1"/>
+          </p:cNvPicPr>
+          <p:nvPr/>
+        </p:nvPicPr>
+        <p:blipFill>
+          <a:blip r:embed="rId12">
+            <a:extLst>
+              <a:ext uri="{28A0092B-C50C-407E-A947-70E740481C1C}">
+                <a14:useLocalDpi xmlns:a14="http://schemas.microsoft.com/office/drawing/2010/main" val="0"/>
+              </a:ext>
+              <a:ext uri="{96DAC541-7B7A-43D3-8B79-37D633B846F1}">
+                <asvg:svgBlip xmlns:asvg="http://schemas.microsoft.com/office/drawing/2016/SVG/main" r:embed="rId14"/>
+              </a:ext>
+            </a:extLst>
+          </a:blip>
+          <a:stretch>
+            <a:fillRect/>
+          </a:stretch>
+        </p:blipFill>
+        <p:spPr>
+          <a:xfrm rot="2700000">
+            <a:off x="10458978" y="541205"/>
+            <a:ext cx="248409" cy="248409"/>
+          </a:xfrm>
+          <a:prstGeom prst="rect">
+            <a:avLst/>
+          </a:prstGeom>
+          <a:effectLst>
+            <a:outerShdw blurRad="50800" dist="38100" dir="5400000" algn="t" rotWithShape="0">
+              <a:prstClr val="black">
+                <a:alpha val="40000"/>
+              </a:prstClr>
+            </a:outerShdw>
+          </a:effectLst>
+        </p:spPr>
+      </p:pic>
+      <p:sp>
+        <p:nvSpPr>
+          <p:cNvPr id="41" name="TextBox 40">
+            <a:extLst>
+              <a:ext uri="{FF2B5EF4-FFF2-40B4-BE49-F238E27FC236}">
+                <a16:creationId xmlns:a16="http://schemas.microsoft.com/office/drawing/2014/main" id="{6380CEF8-00E9-445F-8533-B063AFE277A4}"/>
+              </a:ext>
+            </a:extLst>
+          </p:cNvPr>
+          <p:cNvSpPr txBox="1"/>
+          <p:nvPr/>
+        </p:nvSpPr>
+        <p:spPr>
+          <a:xfrm>
+            <a:off x="4145822" y="564084"/>
+            <a:ext cx="2715675" cy="184666"/>
+          </a:xfrm>
+          <a:prstGeom prst="rect">
+            <a:avLst/>
+          </a:prstGeom>
+          <a:gradFill>
+            <a:gsLst>
+              <a:gs pos="0">
+                <a:srgbClr val="08B45A"/>
+              </a:gs>
+              <a:gs pos="100000">
+                <a:srgbClr val="08B45A"/>
+              </a:gs>
+            </a:gsLst>
+            <a:lin ang="5400000" scaled="1"/>
+          </a:gradFill>
+          <a:ln w="3175">
+            <a:solidFill>
+              <a:srgbClr val="B8A7FF"/>
+            </a:solidFill>
+          </a:ln>
+        </p:spPr>
+        <p:txBody>
+          <a:bodyPr wrap="square" lIns="0" tIns="0" rIns="0" bIns="0" rtlCol="0" anchor="t" anchorCtr="0">
+            <a:spAutoFit/>
+          </a:bodyPr>
+          <a:lstStyle/>
+          <a:p>
+            <a:r>
+              <a:rPr lang="en-US" sz="1100" i="1" dirty="0">
+                <a:latin typeface="Leelawadee UI Semilight" panose="020B0402040204020203" pitchFamily="34" charset="-34"/>
+                <a:cs typeface="Leelawadee UI Semilight" panose="020B0402040204020203" pitchFamily="34" charset="-34"/>
+              </a:rPr>
+              <a:t>   </a:t>
+            </a:r>
+            <a:r>
+              <a:rPr lang="en-US" sz="1200" i="1" dirty="0">
+                <a:latin typeface="Leelawadee UI Semilight" panose="020B0402040204020203" pitchFamily="34" charset="-34"/>
+                <a:cs typeface="Leelawadee UI Semilight" panose="020B0402040204020203" pitchFamily="34" charset="-34"/>
+              </a:rPr>
+              <a:t>Search…</a:t>
+            </a:r>
+            <a:endParaRPr lang="en-US" sz="1100" i="1" dirty="0">
+              <a:latin typeface="Leelawadee UI Semilight" panose="020B0402040204020203" pitchFamily="34" charset="-34"/>
+              <a:cs typeface="Leelawadee UI Semilight" panose="020B0402040204020203" pitchFamily="34" charset="-34"/>
+            </a:endParaRPr>
+          </a:p>
+        </p:txBody>
+      </p:sp>
+      <p:sp>
+        <p:nvSpPr>
+          <p:cNvPr id="5" name="Oval 4">
+            <a:extLst>
+              <a:ext uri="{FF2B5EF4-FFF2-40B4-BE49-F238E27FC236}">
+                <a16:creationId xmlns:a16="http://schemas.microsoft.com/office/drawing/2014/main" id="{CF3E1743-0AC6-48CB-8626-F95CF44F2B35}"/>
+              </a:ext>
+            </a:extLst>
+          </p:cNvPr>
+          <p:cNvSpPr/>
+          <p:nvPr/>
+        </p:nvSpPr>
+        <p:spPr>
+          <a:xfrm>
+            <a:off x="430076" y="518435"/>
+            <a:ext cx="245410" cy="245410"/>
+          </a:xfrm>
+          <a:prstGeom prst="ellipse">
+            <a:avLst/>
+          </a:prstGeom>
+          <a:solidFill>
+            <a:srgbClr val="4472C4"/>
+          </a:solidFill>
+          <a:ln w="15875"/>
+        </p:spPr>
+        <p:style>
+          <a:lnRef idx="2">
+            <a:schemeClr val="accent1">
+              <a:shade val="50000"/>
+            </a:schemeClr>
+          </a:lnRef>
+          <a:fillRef idx="1">
+            <a:schemeClr val="accent1"/>
+          </a:fillRef>
+          <a:effectRef idx="0">
+            <a:schemeClr val="accent1"/>
+          </a:effectRef>
+          <a:fontRef idx="minor">
+            <a:schemeClr val="lt1"/>
+          </a:fontRef>
+        </p:style>
+        <p:txBody>
+          <a:bodyPr rtlCol="0" anchor="ctr"/>
+          <a:lstStyle/>
+          <a:p>
+            <a:pPr algn="ctr"/>
+            <a:endParaRPr lang="en-US"/>
+          </a:p>
+        </p:txBody>
+      </p:sp>
+      <p:sp>
+        <p:nvSpPr>
+          <p:cNvPr id="42" name="Oval 41">
+            <a:extLst>
+              <a:ext uri="{FF2B5EF4-FFF2-40B4-BE49-F238E27FC236}">
+                <a16:creationId xmlns:a16="http://schemas.microsoft.com/office/drawing/2014/main" id="{4B9FC0E7-A8EA-4F74-929A-AECC6DC90242}"/>
+              </a:ext>
+            </a:extLst>
+          </p:cNvPr>
+          <p:cNvSpPr/>
+          <p:nvPr/>
+        </p:nvSpPr>
+        <p:spPr>
+          <a:xfrm>
+            <a:off x="809907" y="675056"/>
+            <a:ext cx="88789" cy="88789"/>
+          </a:xfrm>
+          <a:prstGeom prst="ellipse">
+            <a:avLst/>
+          </a:prstGeom>
+          <a:solidFill>
+            <a:srgbClr val="FF0000"/>
+          </a:solidFill>
+          <a:ln w="15875">
+            <a:solidFill>
+              <a:srgbClr val="C00000"/>
+            </a:solidFill>
+          </a:ln>
+        </p:spPr>
+        <p:style>
+          <a:lnRef idx="2">
+            <a:schemeClr val="accent1">
+              <a:shade val="50000"/>
+            </a:schemeClr>
+          </a:lnRef>
+          <a:fillRef idx="1">
+            <a:schemeClr val="accent1"/>
+          </a:fillRef>
+          <a:effectRef idx="0">
+            <a:schemeClr val="accent1"/>
+          </a:effectRef>
+          <a:fontRef idx="minor">
+            <a:schemeClr val="lt1"/>
+          </a:fontRef>
+        </p:style>
+        <p:txBody>
+          <a:bodyPr rtlCol="0" anchor="ctr"/>
+          <a:lstStyle/>
+          <a:p>
+            <a:pPr algn="ctr"/>
+            <a:endParaRPr lang="en-US"/>
+          </a:p>
+        </p:txBody>
+      </p:sp>
+      <p:sp>
+        <p:nvSpPr>
+          <p:cNvPr id="43" name="Oval 42">
+            <a:extLst>
+              <a:ext uri="{FF2B5EF4-FFF2-40B4-BE49-F238E27FC236}">
+                <a16:creationId xmlns:a16="http://schemas.microsoft.com/office/drawing/2014/main" id="{CFB9F4F2-0164-4271-A83F-610DB652244B}"/>
+              </a:ext>
+            </a:extLst>
+          </p:cNvPr>
+          <p:cNvSpPr/>
+          <p:nvPr/>
+        </p:nvSpPr>
+        <p:spPr>
+          <a:xfrm>
+            <a:off x="1056119" y="675056"/>
+            <a:ext cx="88789" cy="88789"/>
+          </a:xfrm>
+          <a:prstGeom prst="ellipse">
+            <a:avLst/>
+          </a:prstGeom>
+          <a:solidFill>
+            <a:srgbClr val="F7E609"/>
+          </a:solidFill>
+          <a:ln w="15875">
+            <a:solidFill>
+              <a:schemeClr val="tx1"/>
+            </a:solidFill>
+          </a:ln>
+        </p:spPr>
+        <p:style>
+          <a:lnRef idx="2">
+            <a:schemeClr val="accent1">
+              <a:shade val="50000"/>
+            </a:schemeClr>
+          </a:lnRef>
+          <a:fillRef idx="1">
+            <a:schemeClr val="accent1"/>
+          </a:fillRef>
+          <a:effectRef idx="0">
+            <a:schemeClr val="accent1"/>
+          </a:effectRef>
+          <a:fontRef idx="minor">
+            <a:schemeClr val="lt1"/>
+          </a:fontRef>
+        </p:style>
+        <p:txBody>
+          <a:bodyPr rtlCol="0" anchor="ctr"/>
+          <a:lstStyle/>
+          <a:p>
+            <a:pPr algn="ctr"/>
+            <a:endParaRPr lang="en-US"/>
+          </a:p>
+        </p:txBody>
+      </p:sp>
+      <p:sp>
+        <p:nvSpPr>
+          <p:cNvPr id="44" name="Oval 43">
+            <a:extLst>
+              <a:ext uri="{FF2B5EF4-FFF2-40B4-BE49-F238E27FC236}">
+                <a16:creationId xmlns:a16="http://schemas.microsoft.com/office/drawing/2014/main" id="{5E768C71-6E8D-4A58-8132-4ECF494AC549}"/>
+              </a:ext>
+            </a:extLst>
+          </p:cNvPr>
+          <p:cNvSpPr/>
+          <p:nvPr/>
+        </p:nvSpPr>
+        <p:spPr>
+          <a:xfrm>
+            <a:off x="1349806" y="678958"/>
+            <a:ext cx="88789" cy="88789"/>
+          </a:xfrm>
+          <a:prstGeom prst="ellipse">
+            <a:avLst/>
+          </a:prstGeom>
+          <a:solidFill>
+            <a:srgbClr val="53B11F"/>
+          </a:solidFill>
+          <a:ln w="15875">
+            <a:solidFill>
+              <a:schemeClr val="accent6">
+                <a:lumMod val="50000"/>
+              </a:schemeClr>
+            </a:solidFill>
+          </a:ln>
+        </p:spPr>
+        <p:style>
+          <a:lnRef idx="2">
+            <a:schemeClr val="accent1">
+              <a:shade val="50000"/>
+            </a:schemeClr>
+          </a:lnRef>
+          <a:fillRef idx="1">
+            <a:schemeClr val="accent1"/>
+          </a:fillRef>
+          <a:effectRef idx="0">
+            <a:schemeClr val="accent1"/>
+          </a:effectRef>
+          <a:fontRef idx="minor">
+            <a:schemeClr val="lt1"/>
+          </a:fontRef>
+        </p:style>
+        <p:txBody>
+          <a:bodyPr rtlCol="0" anchor="ctr"/>
+          <a:lstStyle/>
+          <a:p>
+            <a:pPr algn="ctr"/>
+            <a:endParaRPr lang="en-US"/>
+          </a:p>
+        </p:txBody>
+      </p:sp>
+      <p:sp>
+        <p:nvSpPr>
+          <p:cNvPr id="45" name="TextBox 44">
+            <a:extLst>
+              <a:ext uri="{FF2B5EF4-FFF2-40B4-BE49-F238E27FC236}">
+                <a16:creationId xmlns:a16="http://schemas.microsoft.com/office/drawing/2014/main" id="{77168683-5D1E-4FE0-9554-30C57C328A6D}"/>
+              </a:ext>
+            </a:extLst>
+          </p:cNvPr>
+          <p:cNvSpPr txBox="1"/>
+          <p:nvPr/>
+        </p:nvSpPr>
+        <p:spPr>
+          <a:xfrm>
+            <a:off x="-172360" y="3520246"/>
+            <a:ext cx="1795787" cy="523220"/>
+          </a:xfrm>
+          <a:prstGeom prst="rect">
+            <a:avLst/>
+          </a:prstGeom>
+          <a:noFill/>
+        </p:spPr>
+        <p:txBody>
+          <a:bodyPr wrap="square" rtlCol="0">
+            <a:spAutoFit/>
+          </a:bodyPr>
+          <a:lstStyle/>
+          <a:p>
+            <a:r>
+              <a:rPr lang="en-US" sz="2800" i="1" dirty="0">
+                <a:solidFill>
+                  <a:srgbClr val="F7E609"/>
+                </a:solidFill>
+                <a:effectLst>
+                  <a:outerShdw blurRad="25400" dist="38100" dir="8100000" algn="tr" rotWithShape="0">
+                    <a:prstClr val="black">
+                      <a:alpha val="70000"/>
+                    </a:prstClr>
+                  </a:outerShdw>
+                </a:effectLst>
+                <a:latin typeface="AngsanaUPC" panose="02020603050405020304" pitchFamily="18" charset="-34"/>
+                <a:cs typeface="AngsanaUPC" panose="02020603050405020304" pitchFamily="18" charset="-34"/>
+              </a:rPr>
+              <a:t>Add Link</a:t>
+            </a:r>
+          </a:p>
+        </p:txBody>
+      </p:sp>
+      <p:sp>
+        <p:nvSpPr>
+          <p:cNvPr id="46" name="TextBox 45">
+            <a:extLst>
+              <a:ext uri="{FF2B5EF4-FFF2-40B4-BE49-F238E27FC236}">
+                <a16:creationId xmlns:a16="http://schemas.microsoft.com/office/drawing/2014/main" id="{349C07CD-A1C1-4974-9AA2-D09C30FB576A}"/>
+              </a:ext>
+            </a:extLst>
+          </p:cNvPr>
+          <p:cNvSpPr txBox="1"/>
+          <p:nvPr/>
+        </p:nvSpPr>
+        <p:spPr>
+          <a:xfrm>
+            <a:off x="7466025" y="142552"/>
+            <a:ext cx="1795787" cy="646331"/>
+          </a:xfrm>
+          <a:prstGeom prst="rect">
+            <a:avLst/>
+          </a:prstGeom>
+          <a:noFill/>
+        </p:spPr>
+        <p:txBody>
+          <a:bodyPr wrap="square" rtlCol="0">
+            <a:spAutoFit/>
+          </a:bodyPr>
+          <a:lstStyle>
+            <a:defPPr>
+              <a:defRPr lang="en-US"/>
+            </a:defPPr>
+            <a:lvl1pPr>
+              <a:defRPr sz="2400" i="1">
+                <a:solidFill>
+                  <a:srgbClr val="F7E609"/>
+                </a:solidFill>
+                <a:effectLst>
+                  <a:outerShdw blurRad="25400" dist="38100" dir="8100000" algn="tr" rotWithShape="0">
+                    <a:prstClr val="black">
+                      <a:alpha val="70000"/>
+                    </a:prstClr>
+                  </a:outerShdw>
+                </a:effectLst>
+                <a:latin typeface="AngsanaUPC" panose="02020603050405020304" pitchFamily="18" charset="-34"/>
+                <a:cs typeface="AngsanaUPC" panose="02020603050405020304" pitchFamily="18" charset="-34"/>
+              </a:defRPr>
+            </a:lvl1pPr>
+          </a:lstStyle>
+          <a:p>
+            <a:r>
+              <a:rPr lang="en-US" sz="3600" dirty="0"/>
+              <a:t>Title Bar</a:t>
+            </a:r>
+          </a:p>
+        </p:txBody>
+      </p:sp>
+      <p:pic>
+        <p:nvPicPr>
+          <p:cNvPr id="8" name="Graphic 7" descr="Palette">
+            <a:extLst>
+              <a:ext uri="{FF2B5EF4-FFF2-40B4-BE49-F238E27FC236}">
+                <a16:creationId xmlns:a16="http://schemas.microsoft.com/office/drawing/2014/main" id="{1AAE6BB0-8978-4FDD-B977-CFB8A30D184C}"/>
+              </a:ext>
+            </a:extLst>
+          </p:cNvPr>
+          <p:cNvPicPr>
+            <a:picLocks noChangeAspect="1"/>
+          </p:cNvPicPr>
+          <p:nvPr/>
+        </p:nvPicPr>
+        <p:blipFill>
+          <a:blip r:embed="rId15">
+            <a:extLst>
+              <a:ext uri="{28A0092B-C50C-407E-A947-70E740481C1C}">
+                <a14:useLocalDpi xmlns:a14="http://schemas.microsoft.com/office/drawing/2010/main" val="0"/>
+              </a:ext>
+              <a:ext uri="{96DAC541-7B7A-43D3-8B79-37D633B846F1}">
+                <asvg:svgBlip xmlns:asvg="http://schemas.microsoft.com/office/drawing/2016/SVG/main" r:embed="rId16"/>
+              </a:ext>
+            </a:extLst>
+          </a:blip>
+          <a:stretch>
+            <a:fillRect/>
+          </a:stretch>
+        </p:blipFill>
+        <p:spPr>
+          <a:xfrm>
+            <a:off x="413927" y="4609152"/>
+            <a:ext cx="651027" cy="651027"/>
+          </a:xfrm>
+          <a:prstGeom prst="rect">
+            <a:avLst/>
+          </a:prstGeom>
+          <a:effectLst>
+            <a:outerShdw blurRad="50800" dist="38100" dir="5400000" algn="t" rotWithShape="0">
+              <a:prstClr val="black">
+                <a:alpha val="40000"/>
+              </a:prstClr>
+            </a:outerShdw>
+          </a:effectLst>
+        </p:spPr>
+      </p:pic>
+      <p:sp>
+        <p:nvSpPr>
+          <p:cNvPr id="47" name="TextBox 46">
+            <a:extLst>
+              <a:ext uri="{FF2B5EF4-FFF2-40B4-BE49-F238E27FC236}">
+                <a16:creationId xmlns:a16="http://schemas.microsoft.com/office/drawing/2014/main" id="{1EDFBE93-B0BF-4C7D-AAED-5E181D066A49}"/>
+              </a:ext>
+            </a:extLst>
+          </p:cNvPr>
+          <p:cNvSpPr txBox="1"/>
+          <p:nvPr/>
+        </p:nvSpPr>
+        <p:spPr>
+          <a:xfrm>
+            <a:off x="543305" y="55454"/>
+            <a:ext cx="1795787" cy="461665"/>
+          </a:xfrm>
+          <a:prstGeom prst="rect">
+            <a:avLst/>
+          </a:prstGeom>
+          <a:noFill/>
+        </p:spPr>
+        <p:txBody>
+          <a:bodyPr wrap="square" rtlCol="0">
+            <a:spAutoFit/>
+          </a:bodyPr>
+          <a:lstStyle/>
+          <a:p>
+            <a:r>
+              <a:rPr lang="en-US" sz="2400" i="1" dirty="0">
+                <a:solidFill>
+                  <a:srgbClr val="F7E609"/>
+                </a:solidFill>
+                <a:effectLst>
+                  <a:outerShdw blurRad="25400" dist="38100" dir="8100000" algn="tr" rotWithShape="0">
+                    <a:prstClr val="black">
+                      <a:alpha val="70000"/>
+                    </a:prstClr>
+                  </a:outerShdw>
+                </a:effectLst>
+                <a:latin typeface="AngsanaUPC" panose="02020603050405020304" pitchFamily="18" charset="-34"/>
+                <a:cs typeface="AngsanaUPC" panose="02020603050405020304" pitchFamily="18" charset="-34"/>
+              </a:rPr>
+              <a:t>View Buttons</a:t>
+            </a:r>
+          </a:p>
+        </p:txBody>
+      </p:sp>
+      <p:sp>
+        <p:nvSpPr>
+          <p:cNvPr id="48" name="TextBox 47">
+            <a:extLst>
+              <a:ext uri="{FF2B5EF4-FFF2-40B4-BE49-F238E27FC236}">
+                <a16:creationId xmlns:a16="http://schemas.microsoft.com/office/drawing/2014/main" id="{FC8555D1-260C-46DB-914D-C32009490CAE}"/>
+              </a:ext>
+            </a:extLst>
+          </p:cNvPr>
+          <p:cNvSpPr txBox="1"/>
+          <p:nvPr/>
+        </p:nvSpPr>
+        <p:spPr>
+          <a:xfrm>
+            <a:off x="-229103" y="4375721"/>
+            <a:ext cx="1795787" cy="461665"/>
+          </a:xfrm>
+          <a:prstGeom prst="rect">
+            <a:avLst/>
+          </a:prstGeom>
+          <a:noFill/>
+        </p:spPr>
+        <p:txBody>
+          <a:bodyPr wrap="square" rtlCol="0">
+            <a:spAutoFit/>
+          </a:bodyPr>
+          <a:lstStyle>
+            <a:defPPr>
+              <a:defRPr lang="en-US"/>
+            </a:defPPr>
+            <a:lvl1pPr>
+              <a:defRPr sz="2800" i="1">
+                <a:solidFill>
+                  <a:srgbClr val="F7E609"/>
+                </a:solidFill>
+                <a:effectLst>
+                  <a:outerShdw blurRad="25400" dist="38100" dir="8100000" algn="tr" rotWithShape="0">
+                    <a:prstClr val="black">
+                      <a:alpha val="70000"/>
+                    </a:prstClr>
+                  </a:outerShdw>
+                </a:effectLst>
+                <a:latin typeface="AngsanaUPC" panose="02020603050405020304" pitchFamily="18" charset="-34"/>
+                <a:cs typeface="AngsanaUPC" panose="02020603050405020304" pitchFamily="18" charset="-34"/>
+              </a:defRPr>
+            </a:lvl1pPr>
+          </a:lstStyle>
+          <a:p>
+            <a:r>
+              <a:rPr lang="en-US" dirty="0"/>
+              <a:t>Edit Preferences</a:t>
+            </a:r>
+          </a:p>
+        </p:txBody>
+      </p:sp>
+      <p:sp>
+        <p:nvSpPr>
+          <p:cNvPr id="49" name="TextBox 48">
+            <a:extLst>
+              <a:ext uri="{FF2B5EF4-FFF2-40B4-BE49-F238E27FC236}">
+                <a16:creationId xmlns:a16="http://schemas.microsoft.com/office/drawing/2014/main" id="{FE275833-E9ED-4301-8B12-66090180FB6E}"/>
+              </a:ext>
+            </a:extLst>
+          </p:cNvPr>
+          <p:cNvSpPr txBox="1"/>
+          <p:nvPr/>
+        </p:nvSpPr>
+        <p:spPr>
+          <a:xfrm>
+            <a:off x="-208524" y="5124620"/>
+            <a:ext cx="1795787" cy="461665"/>
+          </a:xfrm>
+          <a:prstGeom prst="rect">
+            <a:avLst/>
+          </a:prstGeom>
+          <a:noFill/>
+        </p:spPr>
+        <p:txBody>
+          <a:bodyPr wrap="square" rtlCol="0">
+            <a:spAutoFit/>
+          </a:bodyPr>
+          <a:lstStyle>
+            <a:defPPr>
+              <a:defRPr lang="en-US"/>
+            </a:defPPr>
+            <a:lvl1pPr>
+              <a:defRPr sz="2800" i="1">
+                <a:solidFill>
+                  <a:srgbClr val="F7E609"/>
+                </a:solidFill>
+                <a:effectLst>
+                  <a:outerShdw blurRad="25400" dist="38100" dir="8100000" algn="tr" rotWithShape="0">
+                    <a:prstClr val="black">
+                      <a:alpha val="70000"/>
+                    </a:prstClr>
+                  </a:outerShdw>
+                </a:effectLst>
+                <a:latin typeface="AngsanaUPC" panose="02020603050405020304" pitchFamily="18" charset="-34"/>
+                <a:cs typeface="AngsanaUPC" panose="02020603050405020304" pitchFamily="18" charset="-34"/>
+              </a:defRPr>
+            </a:lvl1pPr>
+          </a:lstStyle>
+          <a:p>
+            <a:r>
+              <a:rPr lang="en-US" dirty="0"/>
+              <a:t>Menu/Account</a:t>
+            </a:r>
+          </a:p>
+        </p:txBody>
+      </p:sp>
+      <p:pic>
+        <p:nvPicPr>
+          <p:cNvPr id="16" name="Graphic 15" descr="Playing card">
+            <a:extLst>
+              <a:ext uri="{FF2B5EF4-FFF2-40B4-BE49-F238E27FC236}">
+                <a16:creationId xmlns:a16="http://schemas.microsoft.com/office/drawing/2014/main" id="{709B45A9-A07F-4A37-9A40-BF5383F576CE}"/>
+              </a:ext>
+            </a:extLst>
+          </p:cNvPr>
+          <p:cNvPicPr>
+            <a:picLocks noChangeAspect="1"/>
+          </p:cNvPicPr>
+          <p:nvPr/>
+        </p:nvPicPr>
+        <p:blipFill>
+          <a:blip r:embed="rId17">
+            <a:extLst>
+              <a:ext uri="{28A0092B-C50C-407E-A947-70E740481C1C}">
+                <a14:useLocalDpi xmlns:a14="http://schemas.microsoft.com/office/drawing/2010/main" val="0"/>
+              </a:ext>
+              <a:ext uri="{96DAC541-7B7A-43D3-8B79-37D633B846F1}">
+                <asvg:svgBlip xmlns:asvg="http://schemas.microsoft.com/office/drawing/2016/SVG/main" r:embed="rId18"/>
+              </a:ext>
+            </a:extLst>
+          </a:blip>
+          <a:stretch>
+            <a:fillRect/>
+          </a:stretch>
+        </p:blipFill>
+        <p:spPr>
+          <a:xfrm>
+            <a:off x="8886514" y="4578298"/>
+            <a:ext cx="476241" cy="476241"/>
+          </a:xfrm>
+          <a:prstGeom prst="rect">
+            <a:avLst/>
+          </a:prstGeom>
+        </p:spPr>
+      </p:pic>
+      <p:pic>
+        <p:nvPicPr>
+          <p:cNvPr id="51" name="Graphic 50" descr="Mitochondria">
+            <a:extLst>
+              <a:ext uri="{FF2B5EF4-FFF2-40B4-BE49-F238E27FC236}">
+                <a16:creationId xmlns:a16="http://schemas.microsoft.com/office/drawing/2014/main" id="{A085AB85-3757-47F9-91AD-B39C06AA95A6}"/>
+              </a:ext>
+            </a:extLst>
+          </p:cNvPr>
+          <p:cNvPicPr>
+            <a:picLocks noChangeAspect="1"/>
+          </p:cNvPicPr>
+          <p:nvPr/>
+        </p:nvPicPr>
+        <p:blipFill>
+          <a:blip r:embed="rId19">
+            <a:extLst>
+              <a:ext uri="{28A0092B-C50C-407E-A947-70E740481C1C}">
+                <a14:useLocalDpi xmlns:a14="http://schemas.microsoft.com/office/drawing/2010/main" val="0"/>
+              </a:ext>
+              <a:ext uri="{96DAC541-7B7A-43D3-8B79-37D633B846F1}">
+                <asvg:svgBlip xmlns:asvg="http://schemas.microsoft.com/office/drawing/2016/SVG/main" r:embed="rId20"/>
+              </a:ext>
+            </a:extLst>
+          </a:blip>
+          <a:stretch>
+            <a:fillRect/>
+          </a:stretch>
+        </p:blipFill>
+        <p:spPr>
+          <a:xfrm>
+            <a:off x="7091817" y="4604404"/>
+            <a:ext cx="424087" cy="424087"/>
+          </a:xfrm>
+          <a:prstGeom prst="rect">
+            <a:avLst/>
+          </a:prstGeom>
+        </p:spPr>
+      </p:pic>
+      <p:pic>
+        <p:nvPicPr>
+          <p:cNvPr id="53" name="Graphic 52" descr="Graduation cap">
+            <a:extLst>
+              <a:ext uri="{FF2B5EF4-FFF2-40B4-BE49-F238E27FC236}">
+                <a16:creationId xmlns:a16="http://schemas.microsoft.com/office/drawing/2014/main" id="{4B9B4D7D-7CC9-443B-AF98-0F1F34579B37}"/>
+              </a:ext>
+            </a:extLst>
+          </p:cNvPr>
+          <p:cNvPicPr>
+            <a:picLocks noChangeAspect="1"/>
+          </p:cNvPicPr>
+          <p:nvPr/>
+        </p:nvPicPr>
+        <p:blipFill>
+          <a:blip r:embed="rId21">
+            <a:extLst>
+              <a:ext uri="{28A0092B-C50C-407E-A947-70E740481C1C}">
+                <a14:useLocalDpi xmlns:a14="http://schemas.microsoft.com/office/drawing/2010/main" val="0"/>
+              </a:ext>
+              <a:ext uri="{96DAC541-7B7A-43D3-8B79-37D633B846F1}">
+                <asvg:svgBlip xmlns:asvg="http://schemas.microsoft.com/office/drawing/2016/SVG/main" r:embed="rId22"/>
+              </a:ext>
+            </a:extLst>
+          </a:blip>
+          <a:stretch>
+            <a:fillRect/>
+          </a:stretch>
+        </p:blipFill>
+        <p:spPr>
+          <a:xfrm>
+            <a:off x="8900438" y="3846754"/>
+            <a:ext cx="463755" cy="463755"/>
+          </a:xfrm>
+          <a:prstGeom prst="rect">
+            <a:avLst/>
+          </a:prstGeom>
+        </p:spPr>
+      </p:pic>
+      <p:pic>
+        <p:nvPicPr>
+          <p:cNvPr id="55" name="Graphic 54" descr="Closed book">
+            <a:extLst>
+              <a:ext uri="{FF2B5EF4-FFF2-40B4-BE49-F238E27FC236}">
+                <a16:creationId xmlns:a16="http://schemas.microsoft.com/office/drawing/2014/main" id="{59E50108-50F8-4E4B-8DAF-77D0533B61F4}"/>
+              </a:ext>
+            </a:extLst>
+          </p:cNvPr>
+          <p:cNvPicPr>
+            <a:picLocks noChangeAspect="1"/>
+          </p:cNvPicPr>
+          <p:nvPr/>
+        </p:nvPicPr>
+        <p:blipFill>
+          <a:blip r:embed="rId23">
+            <a:extLst>
+              <a:ext uri="{28A0092B-C50C-407E-A947-70E740481C1C}">
+                <a14:useLocalDpi xmlns:a14="http://schemas.microsoft.com/office/drawing/2010/main" val="0"/>
+              </a:ext>
+              <a:ext uri="{96DAC541-7B7A-43D3-8B79-37D633B846F1}">
+                <asvg:svgBlip xmlns:asvg="http://schemas.microsoft.com/office/drawing/2016/SVG/main" r:embed="rId24"/>
+              </a:ext>
+            </a:extLst>
+          </a:blip>
+          <a:stretch>
+            <a:fillRect/>
+          </a:stretch>
+        </p:blipFill>
+        <p:spPr>
+          <a:xfrm>
+            <a:off x="7754464" y="2607978"/>
+            <a:ext cx="891017" cy="891017"/>
+          </a:xfrm>
+          <a:prstGeom prst="rect">
+            <a:avLst/>
+          </a:prstGeom>
+        </p:spPr>
+      </p:pic>
+      <p:pic>
+        <p:nvPicPr>
+          <p:cNvPr id="57" name="Graphic 56" descr="Drama">
+            <a:extLst>
+              <a:ext uri="{FF2B5EF4-FFF2-40B4-BE49-F238E27FC236}">
+                <a16:creationId xmlns:a16="http://schemas.microsoft.com/office/drawing/2014/main" id="{106CC21B-494E-49F3-87B2-F815E826FFA0}"/>
+              </a:ext>
+            </a:extLst>
+          </p:cNvPr>
+          <p:cNvPicPr>
+            <a:picLocks noChangeAspect="1"/>
+          </p:cNvPicPr>
+          <p:nvPr/>
+        </p:nvPicPr>
+        <p:blipFill>
+          <a:blip r:embed="rId25">
+            <a:extLst>
+              <a:ext uri="{28A0092B-C50C-407E-A947-70E740481C1C}">
+                <a14:useLocalDpi xmlns:a14="http://schemas.microsoft.com/office/drawing/2010/main" val="0"/>
+              </a:ext>
+              <a:ext uri="{96DAC541-7B7A-43D3-8B79-37D633B846F1}">
+                <asvg:svgBlip xmlns:asvg="http://schemas.microsoft.com/office/drawing/2016/SVG/main" r:embed="rId26"/>
+              </a:ext>
+            </a:extLst>
+          </a:blip>
+          <a:stretch>
+            <a:fillRect/>
+          </a:stretch>
+        </p:blipFill>
+        <p:spPr>
+          <a:xfrm>
+            <a:off x="8024809" y="3918919"/>
+            <a:ext cx="400110" cy="400110"/>
+          </a:xfrm>
+          <a:prstGeom prst="rect">
+            <a:avLst/>
+          </a:prstGeom>
+        </p:spPr>
+      </p:pic>
+      <p:pic>
+        <p:nvPicPr>
+          <p:cNvPr id="61" name="Graphic 60" descr="Document">
+            <a:extLst>
+              <a:ext uri="{FF2B5EF4-FFF2-40B4-BE49-F238E27FC236}">
+                <a16:creationId xmlns:a16="http://schemas.microsoft.com/office/drawing/2014/main" id="{F2772F30-FFAD-4043-9AF0-7EE738107B9B}"/>
+              </a:ext>
+            </a:extLst>
+          </p:cNvPr>
+          <p:cNvPicPr>
+            <a:picLocks noChangeAspect="1"/>
+          </p:cNvPicPr>
+          <p:nvPr/>
+        </p:nvPicPr>
+        <p:blipFill>
+          <a:blip r:embed="rId27">
+            <a:extLst>
+              <a:ext uri="{28A0092B-C50C-407E-A947-70E740481C1C}">
+                <a14:useLocalDpi xmlns:a14="http://schemas.microsoft.com/office/drawing/2010/main" val="0"/>
+              </a:ext>
+              <a:ext uri="{96DAC541-7B7A-43D3-8B79-37D633B846F1}">
+                <asvg:svgBlip xmlns:asvg="http://schemas.microsoft.com/office/drawing/2016/SVG/main" r:embed="rId28"/>
+              </a:ext>
+            </a:extLst>
+          </a:blip>
+          <a:stretch>
+            <a:fillRect/>
+          </a:stretch>
+        </p:blipFill>
+        <p:spPr>
+          <a:xfrm>
+            <a:off x="7122031" y="3898715"/>
+            <a:ext cx="427259" cy="427259"/>
+          </a:xfrm>
+          <a:prstGeom prst="rect">
+            <a:avLst/>
+          </a:prstGeom>
+        </p:spPr>
+      </p:pic>
+      <p:sp>
+        <p:nvSpPr>
+          <p:cNvPr id="66" name="TextBox 65">
+            <a:extLst>
+              <a:ext uri="{FF2B5EF4-FFF2-40B4-BE49-F238E27FC236}">
+                <a16:creationId xmlns:a16="http://schemas.microsoft.com/office/drawing/2014/main" id="{BD8B207F-C92E-46D8-8FAE-8AD0E3D7D534}"/>
+              </a:ext>
+            </a:extLst>
+          </p:cNvPr>
+          <p:cNvSpPr txBox="1"/>
+          <p:nvPr/>
+        </p:nvSpPr>
+        <p:spPr>
+          <a:xfrm>
+            <a:off x="7475831" y="3428984"/>
+            <a:ext cx="1424607" cy="400110"/>
+          </a:xfrm>
+          <a:prstGeom prst="rect">
+            <a:avLst/>
+          </a:prstGeom>
+          <a:noFill/>
+        </p:spPr>
+        <p:txBody>
+          <a:bodyPr wrap="square" rtlCol="0">
+            <a:spAutoFit/>
+          </a:bodyPr>
+          <a:lstStyle/>
+          <a:p>
+            <a:pPr algn="ctr"/>
+            <a:r>
+              <a:rPr lang="en-US" sz="2000" i="1" dirty="0">
+                <a:latin typeface="Aharoni" panose="02010803020104030203" pitchFamily="2" charset="-79"/>
+                <a:cs typeface="Aharoni" panose="02010803020104030203" pitchFamily="2" charset="-79"/>
+              </a:rPr>
+              <a:t>My Novel</a:t>
+            </a:r>
+            <a:endParaRPr lang="en-US" sz="3200" i="1" dirty="0">
+              <a:latin typeface="Aharoni" panose="02010803020104030203" pitchFamily="2" charset="-79"/>
+              <a:cs typeface="Aharoni" panose="02010803020104030203" pitchFamily="2" charset="-79"/>
+            </a:endParaRPr>
+          </a:p>
+        </p:txBody>
+      </p:sp>
+      <p:sp>
+        <p:nvSpPr>
+          <p:cNvPr id="67" name="TextBox 66">
+            <a:extLst>
+              <a:ext uri="{FF2B5EF4-FFF2-40B4-BE49-F238E27FC236}">
+                <a16:creationId xmlns:a16="http://schemas.microsoft.com/office/drawing/2014/main" id="{1C3C6C59-8F0E-4B40-85D1-63AB070A9B6A}"/>
+              </a:ext>
+            </a:extLst>
+          </p:cNvPr>
+          <p:cNvSpPr txBox="1"/>
+          <p:nvPr/>
+        </p:nvSpPr>
+        <p:spPr>
+          <a:xfrm>
+            <a:off x="8679165" y="4189388"/>
+            <a:ext cx="924641" cy="397032"/>
+          </a:xfrm>
+          <a:prstGeom prst="rect">
+            <a:avLst/>
+          </a:prstGeom>
+          <a:noFill/>
+        </p:spPr>
+        <p:txBody>
+          <a:bodyPr wrap="square" rtlCol="0">
+            <a:spAutoFit/>
+          </a:bodyPr>
+          <a:lstStyle/>
+          <a:p>
+            <a:pPr algn="ctr">
+              <a:lnSpc>
+                <a:spcPct val="80000"/>
+              </a:lnSpc>
+            </a:pPr>
+            <a:r>
+              <a:rPr lang="en-US" sz="1200" i="1" dirty="0">
+                <a:latin typeface="Aharoni" panose="02010803020104030203" pitchFamily="2" charset="-79"/>
+                <a:cs typeface="Aharoni" panose="02010803020104030203" pitchFamily="2" charset="-79"/>
+              </a:rPr>
+              <a:t>Grad Work</a:t>
+            </a:r>
+            <a:endParaRPr lang="en-US" i="1" dirty="0">
+              <a:latin typeface="Aharoni" panose="02010803020104030203" pitchFamily="2" charset="-79"/>
+              <a:cs typeface="Aharoni" panose="02010803020104030203" pitchFamily="2" charset="-79"/>
+            </a:endParaRPr>
+          </a:p>
+        </p:txBody>
+      </p:sp>
+      <p:sp>
+        <p:nvSpPr>
+          <p:cNvPr id="68" name="TextBox 67">
+            <a:extLst>
+              <a:ext uri="{FF2B5EF4-FFF2-40B4-BE49-F238E27FC236}">
+                <a16:creationId xmlns:a16="http://schemas.microsoft.com/office/drawing/2014/main" id="{7DE34160-9E95-45C2-BB9B-9625137271B6}"/>
+              </a:ext>
+            </a:extLst>
+          </p:cNvPr>
+          <p:cNvSpPr txBox="1"/>
+          <p:nvPr/>
+        </p:nvSpPr>
+        <p:spPr>
+          <a:xfrm>
+            <a:off x="7713534" y="4270496"/>
+            <a:ext cx="924641" cy="249299"/>
+          </a:xfrm>
+          <a:prstGeom prst="rect">
+            <a:avLst/>
+          </a:prstGeom>
+          <a:noFill/>
+        </p:spPr>
+        <p:txBody>
+          <a:bodyPr wrap="square" rtlCol="0">
+            <a:spAutoFit/>
+          </a:bodyPr>
+          <a:lstStyle/>
+          <a:p>
+            <a:pPr algn="ctr">
+              <a:lnSpc>
+                <a:spcPct val="80000"/>
+              </a:lnSpc>
+            </a:pPr>
+            <a:r>
+              <a:rPr lang="en-US" sz="1200" i="1" dirty="0">
+                <a:latin typeface="Aharoni" panose="02010803020104030203" pitchFamily="2" charset="-79"/>
+                <a:cs typeface="Aharoni" panose="02010803020104030203" pitchFamily="2" charset="-79"/>
+              </a:rPr>
+              <a:t>Plays</a:t>
+            </a:r>
+            <a:endParaRPr lang="en-US" i="1" dirty="0">
+              <a:latin typeface="Aharoni" panose="02010803020104030203" pitchFamily="2" charset="-79"/>
+              <a:cs typeface="Aharoni" panose="02010803020104030203" pitchFamily="2" charset="-79"/>
+            </a:endParaRPr>
+          </a:p>
+        </p:txBody>
+      </p:sp>
+      <p:sp>
+        <p:nvSpPr>
+          <p:cNvPr id="69" name="TextBox 68">
+            <a:extLst>
+              <a:ext uri="{FF2B5EF4-FFF2-40B4-BE49-F238E27FC236}">
+                <a16:creationId xmlns:a16="http://schemas.microsoft.com/office/drawing/2014/main" id="{3F4783ED-DBA8-40F6-8B7F-2E1E8421A7F0}"/>
+              </a:ext>
+            </a:extLst>
+          </p:cNvPr>
+          <p:cNvSpPr txBox="1"/>
+          <p:nvPr/>
+        </p:nvSpPr>
+        <p:spPr>
+          <a:xfrm>
+            <a:off x="6841541" y="4296337"/>
+            <a:ext cx="924641" cy="249299"/>
+          </a:xfrm>
+          <a:prstGeom prst="rect">
+            <a:avLst/>
+          </a:prstGeom>
+          <a:noFill/>
+        </p:spPr>
+        <p:txBody>
+          <a:bodyPr wrap="square" rtlCol="0">
+            <a:spAutoFit/>
+          </a:bodyPr>
+          <a:lstStyle/>
+          <a:p>
+            <a:pPr algn="ctr">
+              <a:lnSpc>
+                <a:spcPct val="80000"/>
+              </a:lnSpc>
+            </a:pPr>
+            <a:r>
+              <a:rPr lang="en-US" sz="1200" i="1" dirty="0">
+                <a:latin typeface="Aharoni" panose="02010803020104030203" pitchFamily="2" charset="-79"/>
+                <a:cs typeface="Aharoni" panose="02010803020104030203" pitchFamily="2" charset="-79"/>
+              </a:rPr>
+              <a:t>Life Goals</a:t>
+            </a:r>
+            <a:endParaRPr lang="en-US" i="1" dirty="0">
+              <a:latin typeface="Aharoni" panose="02010803020104030203" pitchFamily="2" charset="-79"/>
+              <a:cs typeface="Aharoni" panose="02010803020104030203" pitchFamily="2" charset="-79"/>
+            </a:endParaRPr>
+          </a:p>
+        </p:txBody>
+      </p:sp>
+      <p:sp>
+        <p:nvSpPr>
+          <p:cNvPr id="70" name="TextBox 69">
+            <a:extLst>
+              <a:ext uri="{FF2B5EF4-FFF2-40B4-BE49-F238E27FC236}">
+                <a16:creationId xmlns:a16="http://schemas.microsoft.com/office/drawing/2014/main" id="{7F79C4FF-0CA5-46BB-9F41-E05DADF188F2}"/>
+              </a:ext>
+            </a:extLst>
+          </p:cNvPr>
+          <p:cNvSpPr txBox="1"/>
+          <p:nvPr/>
+        </p:nvSpPr>
+        <p:spPr>
+          <a:xfrm>
+            <a:off x="6861497" y="4953096"/>
+            <a:ext cx="840195" cy="397032"/>
+          </a:xfrm>
+          <a:prstGeom prst="rect">
+            <a:avLst/>
+          </a:prstGeom>
+          <a:noFill/>
+        </p:spPr>
+        <p:txBody>
+          <a:bodyPr wrap="square" rtlCol="0">
+            <a:spAutoFit/>
+          </a:bodyPr>
+          <a:lstStyle/>
+          <a:p>
+            <a:pPr algn="ctr">
+              <a:lnSpc>
+                <a:spcPct val="80000"/>
+              </a:lnSpc>
+            </a:pPr>
+            <a:r>
+              <a:rPr lang="en-US" sz="1200" i="1" dirty="0">
+                <a:latin typeface="Aharoni" panose="02010803020104030203" pitchFamily="2" charset="-79"/>
+                <a:cs typeface="Aharoni" panose="02010803020104030203" pitchFamily="2" charset="-79"/>
+              </a:rPr>
+              <a:t>Biology Paper</a:t>
+            </a:r>
+            <a:endParaRPr lang="en-US" i="1" dirty="0">
+              <a:latin typeface="Aharoni" panose="02010803020104030203" pitchFamily="2" charset="-79"/>
+              <a:cs typeface="Aharoni" panose="02010803020104030203" pitchFamily="2" charset="-79"/>
+            </a:endParaRPr>
+          </a:p>
+        </p:txBody>
+      </p:sp>
+      <p:sp>
+        <p:nvSpPr>
+          <p:cNvPr id="71" name="TextBox 70">
+            <a:extLst>
+              <a:ext uri="{FF2B5EF4-FFF2-40B4-BE49-F238E27FC236}">
+                <a16:creationId xmlns:a16="http://schemas.microsoft.com/office/drawing/2014/main" id="{837A3B96-3223-4488-8235-0315F11B1DF2}"/>
+              </a:ext>
+            </a:extLst>
+          </p:cNvPr>
+          <p:cNvSpPr txBox="1"/>
+          <p:nvPr/>
+        </p:nvSpPr>
+        <p:spPr>
+          <a:xfrm>
+            <a:off x="8640482" y="5004190"/>
+            <a:ext cx="924641" cy="249299"/>
+          </a:xfrm>
+          <a:prstGeom prst="rect">
+            <a:avLst/>
+          </a:prstGeom>
+          <a:noFill/>
+        </p:spPr>
+        <p:txBody>
+          <a:bodyPr wrap="square" rtlCol="0">
+            <a:spAutoFit/>
+          </a:bodyPr>
+          <a:lstStyle/>
+          <a:p>
+            <a:pPr algn="ctr">
+              <a:lnSpc>
+                <a:spcPct val="80000"/>
+              </a:lnSpc>
+            </a:pPr>
+            <a:r>
+              <a:rPr lang="en-US" sz="1200" i="1" dirty="0">
+                <a:latin typeface="Aharoni" panose="02010803020104030203" pitchFamily="2" charset="-79"/>
+                <a:cs typeface="Aharoni" panose="02010803020104030203" pitchFamily="2" charset="-79"/>
+              </a:rPr>
+              <a:t>My Game</a:t>
+            </a:r>
+            <a:endParaRPr lang="en-US" i="1" dirty="0">
+              <a:latin typeface="Aharoni" panose="02010803020104030203" pitchFamily="2" charset="-79"/>
+              <a:cs typeface="Aharoni" panose="02010803020104030203" pitchFamily="2" charset="-79"/>
+            </a:endParaRPr>
+          </a:p>
+        </p:txBody>
+      </p:sp>
+      <p:sp>
+        <p:nvSpPr>
+          <p:cNvPr id="72" name="TextBox 71">
+            <a:extLst>
+              <a:ext uri="{FF2B5EF4-FFF2-40B4-BE49-F238E27FC236}">
+                <a16:creationId xmlns:a16="http://schemas.microsoft.com/office/drawing/2014/main" id="{D811F43A-E772-423D-A926-A7E20612C558}"/>
+              </a:ext>
+            </a:extLst>
+          </p:cNvPr>
+          <p:cNvSpPr txBox="1"/>
+          <p:nvPr/>
+        </p:nvSpPr>
+        <p:spPr>
+          <a:xfrm>
+            <a:off x="649719" y="436727"/>
+            <a:ext cx="1609316" cy="261610"/>
+          </a:xfrm>
+          <a:prstGeom prst="rect">
+            <a:avLst/>
+          </a:prstGeom>
+          <a:noFill/>
+        </p:spPr>
+        <p:txBody>
+          <a:bodyPr wrap="square" rtlCol="0">
+            <a:spAutoFit/>
+          </a:bodyPr>
+          <a:lstStyle/>
+          <a:p>
+            <a:r>
+              <a:rPr lang="en-US" sz="1100" i="1" dirty="0">
+                <a:solidFill>
+                  <a:schemeClr val="bg1"/>
+                </a:solidFill>
+                <a:latin typeface="Aharoni" panose="02010803020104030203" pitchFamily="2" charset="-79"/>
+                <a:cs typeface="Aharoni" panose="02010803020104030203" pitchFamily="2" charset="-79"/>
+              </a:rPr>
+              <a:t>General View</a:t>
+            </a:r>
+            <a:endParaRPr lang="en-US" sz="1600" i="1" dirty="0">
+              <a:solidFill>
+                <a:schemeClr val="bg1"/>
+              </a:solidFill>
+              <a:latin typeface="Aharoni" panose="02010803020104030203" pitchFamily="2" charset="-79"/>
+              <a:cs typeface="Aharoni" panose="02010803020104030203" pitchFamily="2" charset="-79"/>
+            </a:endParaRPr>
+          </a:p>
+        </p:txBody>
+      </p:sp>
+      <p:cxnSp>
+        <p:nvCxnSpPr>
+          <p:cNvPr id="50" name="Straight Connector 49">
+            <a:extLst>
+              <a:ext uri="{FF2B5EF4-FFF2-40B4-BE49-F238E27FC236}">
+                <a16:creationId xmlns:a16="http://schemas.microsoft.com/office/drawing/2014/main" id="{4D2F08D1-D79C-4ED7-B36A-3BF4CAAC25AF}"/>
+              </a:ext>
+            </a:extLst>
+          </p:cNvPr>
+          <p:cNvCxnSpPr>
+            <a:cxnSpLocks/>
+          </p:cNvCxnSpPr>
+          <p:nvPr/>
+        </p:nvCxnSpPr>
+        <p:spPr>
+          <a:xfrm>
+            <a:off x="7135160" y="2537161"/>
+            <a:ext cx="2227595" cy="0"/>
+          </a:xfrm>
+          <a:prstGeom prst="line">
+            <a:avLst/>
+          </a:prstGeom>
+          <a:ln w="12700"/>
+        </p:spPr>
+        <p:style>
+          <a:lnRef idx="1">
+            <a:schemeClr val="dk1"/>
+          </a:lnRef>
+          <a:fillRef idx="0">
+            <a:schemeClr val="dk1"/>
+          </a:fillRef>
+          <a:effectRef idx="0">
+            <a:schemeClr val="dk1"/>
+          </a:effectRef>
+          <a:fontRef idx="minor">
+            <a:schemeClr val="tx1"/>
+          </a:fontRef>
+        </p:style>
+      </p:cxnSp>
+      <p:cxnSp>
+        <p:nvCxnSpPr>
+          <p:cNvPr id="52" name="Straight Connector 51">
+            <a:extLst>
+              <a:ext uri="{FF2B5EF4-FFF2-40B4-BE49-F238E27FC236}">
+                <a16:creationId xmlns:a16="http://schemas.microsoft.com/office/drawing/2014/main" id="{A8E0408A-688E-4F1A-802E-38E6F2704801}"/>
+              </a:ext>
+            </a:extLst>
+          </p:cNvPr>
+          <p:cNvCxnSpPr>
+            <a:cxnSpLocks/>
+          </p:cNvCxnSpPr>
+          <p:nvPr/>
+        </p:nvCxnSpPr>
+        <p:spPr>
+          <a:xfrm>
+            <a:off x="7212226" y="2561662"/>
+            <a:ext cx="2056337" cy="0"/>
+          </a:xfrm>
+          <a:prstGeom prst="line">
+            <a:avLst/>
+          </a:prstGeom>
+          <a:ln w="12700"/>
+        </p:spPr>
+        <p:style>
+          <a:lnRef idx="1">
+            <a:schemeClr val="dk1"/>
+          </a:lnRef>
+          <a:fillRef idx="0">
+            <a:schemeClr val="dk1"/>
+          </a:fillRef>
+          <a:effectRef idx="0">
+            <a:schemeClr val="dk1"/>
+          </a:effectRef>
+          <a:fontRef idx="minor">
+            <a:schemeClr val="tx1"/>
+          </a:fontRef>
+        </p:style>
+      </p:cxnSp>
+    </p:spTree>
+    <p:extLst>
+      <p:ext uri="{BB962C8B-B14F-4D97-AF65-F5344CB8AC3E}">
+        <p14:creationId xmlns:p14="http://schemas.microsoft.com/office/powerpoint/2010/main" val="1784014518"/>
+      </p:ext>
+    </p:extLst>
+  </p:cSld>
+  <p:clrMapOvr>
+    <a:masterClrMapping/>
+  </p:clrMapOvr>
+</p:sld>
+</file>
+
+<file path=ppt/slides/slide2.xml><?xml version="1.0" encoding="utf-8"?>
+<p:sld xmlns:a="http://schemas.openxmlformats.org/drawingml/2006/main" xmlns:r="http://schemas.openxmlformats.org/officeDocument/2006/relationships" xmlns:p="http://schemas.openxmlformats.org/presentationml/2006/main">
+  <p:cSld>
+    <p:spTree>
+      <p:nvGrpSpPr>
+        <p:cNvPr id="1" name=""/>
+        <p:cNvGrpSpPr/>
+        <p:nvPr/>
+      </p:nvGrpSpPr>
+      <p:grpSpPr>
+        <a:xfrm>
+          <a:off x="0" y="0"/>
+          <a:ext cx="0" cy="0"/>
+          <a:chOff x="0" y="0"/>
+          <a:chExt cx="0" cy="0"/>
+        </a:xfrm>
+      </p:grpSpPr>
+      <p:sp>
+        <p:nvSpPr>
+          <p:cNvPr id="6" name="Rectangle 5">
+            <a:extLst>
+              <a:ext uri="{FF2B5EF4-FFF2-40B4-BE49-F238E27FC236}">
+                <a16:creationId xmlns:a16="http://schemas.microsoft.com/office/drawing/2014/main" id="{A33C5FF5-A712-4948-8C52-4C4150AFFB29}"/>
+              </a:ext>
+            </a:extLst>
+          </p:cNvPr>
+          <p:cNvSpPr/>
+          <p:nvPr/>
+        </p:nvSpPr>
+        <p:spPr>
+          <a:xfrm>
+            <a:off x="346651" y="924016"/>
+            <a:ext cx="757767" cy="5275448"/>
+          </a:xfrm>
+          <a:prstGeom prst="rect">
+            <a:avLst/>
+          </a:prstGeom>
+          <a:solidFill>
+            <a:srgbClr val="143860"/>
+          </a:solidFill>
+          <a:ln>
+            <a:noFill/>
+          </a:ln>
+        </p:spPr>
+        <p:style>
+          <a:lnRef idx="2">
+            <a:schemeClr val="accent1">
+              <a:shade val="50000"/>
+            </a:schemeClr>
+          </a:lnRef>
+          <a:fillRef idx="1">
+            <a:schemeClr val="accent1"/>
+          </a:fillRef>
+          <a:effectRef idx="0">
+            <a:schemeClr val="accent1"/>
+          </a:effectRef>
+          <a:fontRef idx="minor">
+            <a:schemeClr val="lt1"/>
+          </a:fontRef>
+        </p:style>
+        <p:txBody>
+          <a:bodyPr rtlCol="0" anchor="ctr"/>
+          <a:lstStyle/>
+          <a:p>
+            <a:pPr algn="ctr"/>
+            <a:endParaRPr lang="en-US"/>
+          </a:p>
+        </p:txBody>
+      </p:sp>
+      <p:sp>
+        <p:nvSpPr>
+          <p:cNvPr id="9" name="TextBox 8">
+            <a:extLst>
+              <a:ext uri="{FF2B5EF4-FFF2-40B4-BE49-F238E27FC236}">
+                <a16:creationId xmlns:a16="http://schemas.microsoft.com/office/drawing/2014/main" id="{ED97C393-B7BF-432A-BA45-704BBDBB787B}"/>
+              </a:ext>
+            </a:extLst>
+          </p:cNvPr>
+          <p:cNvSpPr txBox="1"/>
+          <p:nvPr/>
+        </p:nvSpPr>
+        <p:spPr>
+          <a:xfrm>
+            <a:off x="-12522" y="579972"/>
+            <a:ext cx="1176907" cy="584775"/>
+          </a:xfrm>
+          <a:prstGeom prst="rect">
+            <a:avLst/>
+          </a:prstGeom>
+          <a:noFill/>
+        </p:spPr>
+        <p:txBody>
+          <a:bodyPr wrap="square" rtlCol="0">
+            <a:spAutoFit/>
+          </a:bodyPr>
+          <a:lstStyle>
+            <a:defPPr>
+              <a:defRPr lang="en-US"/>
+            </a:defPPr>
+            <a:lvl1pPr>
+              <a:defRPr sz="3200" i="1">
+                <a:solidFill>
+                  <a:srgbClr val="00B0F0"/>
+                </a:solidFill>
+                <a:latin typeface="AngsanaUPC" panose="02020603050405020304" pitchFamily="18" charset="-34"/>
+                <a:cs typeface="AngsanaUPC" panose="02020603050405020304" pitchFamily="18" charset="-34"/>
+              </a:defRPr>
+            </a:lvl1pPr>
+          </a:lstStyle>
+          <a:p>
+            <a:r>
+              <a:rPr lang="en-US" dirty="0">
+                <a:solidFill>
+                  <a:srgbClr val="F7E609"/>
+                </a:solidFill>
+                <a:effectLst>
+                  <a:outerShdw blurRad="50800" dist="38100" dir="8100000" algn="tr" rotWithShape="0">
+                    <a:prstClr val="black">
+                      <a:alpha val="40000"/>
+                    </a:prstClr>
+                  </a:outerShdw>
+                </a:effectLst>
+              </a:rPr>
+              <a:t>Sidebar</a:t>
+            </a:r>
+          </a:p>
+        </p:txBody>
+      </p:sp>
+      <p:sp>
+        <p:nvSpPr>
+          <p:cNvPr id="10" name="Rectangle 9">
+            <a:extLst>
+              <a:ext uri="{FF2B5EF4-FFF2-40B4-BE49-F238E27FC236}">
+                <a16:creationId xmlns:a16="http://schemas.microsoft.com/office/drawing/2014/main" id="{99066EED-6225-4C1D-AFA3-324AFCF8FCC4}"/>
+              </a:ext>
+            </a:extLst>
+          </p:cNvPr>
+          <p:cNvSpPr/>
+          <p:nvPr/>
+        </p:nvSpPr>
+        <p:spPr>
+          <a:xfrm>
+            <a:off x="1179063" y="924016"/>
+            <a:ext cx="9588464" cy="5275448"/>
+          </a:xfrm>
+          <a:prstGeom prst="rect">
+            <a:avLst/>
+          </a:prstGeom>
+          <a:solidFill>
             <a:srgbClr val="143860"/>
           </a:solidFill>
           <a:ln>
@@ -3502,13 +10211,7 @@
           <p:cNvGraphicFramePr>
             <a:graphicFrameLocks noGrp="1"/>
           </p:cNvGraphicFramePr>
-          <p:nvPr>
-            <p:extLst>
-              <p:ext uri="{D42A27DB-BD31-4B8C-83A1-F6EECF244321}">
-                <p14:modId xmlns:p14="http://schemas.microsoft.com/office/powerpoint/2010/main" val="2321420444"/>
-              </p:ext>
-            </p:extLst>
-          </p:nvPr>
+          <p:nvPr/>
         </p:nvGraphicFramePr>
         <p:xfrm>
           <a:off x="1469720" y="1079496"/>
@@ -9607,7 +16310,7 @@
     </p:spTree>
     <p:extLst>
       <p:ext uri="{BB962C8B-B14F-4D97-AF65-F5344CB8AC3E}">
-        <p14:creationId xmlns:p14="http://schemas.microsoft.com/office/powerpoint/2010/main" val="1784014518"/>
+        <p14:creationId xmlns:p14="http://schemas.microsoft.com/office/powerpoint/2010/main" val="2385559695"/>
       </p:ext>
     </p:extLst>
   </p:cSld>
@@ -9617,7 +16320,7 @@
 </p:sld>
 </file>
 
-<file path=ppt/slides/slide2.xml><?xml version="1.0" encoding="utf-8"?>
+<file path=ppt/slides/slide3.xml><?xml version="1.0" encoding="utf-8"?>
 <p:sld xmlns:a="http://schemas.openxmlformats.org/drawingml/2006/main" xmlns:r="http://schemas.openxmlformats.org/officeDocument/2006/relationships" xmlns:p="http://schemas.openxmlformats.org/presentationml/2006/main">
   <p:cSld>
     <p:spTree>
